--- a/mypaper/thesis/Research1.pptx
+++ b/mypaper/thesis/Research1.pptx
@@ -2,19 +2,20 @@
 <file path=ppt/presentation.xml><?xml version="1.0" encoding="utf-8"?>
 <p:presentation xmlns:a="http://schemas.openxmlformats.org/drawingml/2006/main" xmlns:r="http://schemas.openxmlformats.org/officeDocument/2006/relationships" xmlns:p="http://schemas.openxmlformats.org/presentationml/2006/main" saveSubsetFonts="1">
   <p:sldMasterIdLst>
-    <p:sldMasterId id="2147483672" r:id="rId1"/>
+    <p:sldMasterId id="2147483648" r:id="rId1"/>
   </p:sldMasterIdLst>
-  <p:notesMasterIdLst>
-    <p:notesMasterId r:id="rId9"/>
-  </p:notesMasterIdLst>
   <p:sldIdLst>
-    <p:sldId id="256" r:id="rId2"/>
-    <p:sldId id="257" r:id="rId3"/>
-    <p:sldId id="268" r:id="rId4"/>
-    <p:sldId id="269" r:id="rId5"/>
-    <p:sldId id="270" r:id="rId6"/>
-    <p:sldId id="271" r:id="rId7"/>
-    <p:sldId id="266" r:id="rId8"/>
+    <p:sldId id="257" r:id="rId2"/>
+    <p:sldId id="258" r:id="rId3"/>
+    <p:sldId id="260" r:id="rId4"/>
+    <p:sldId id="262" r:id="rId5"/>
+    <p:sldId id="261" r:id="rId6"/>
+    <p:sldId id="263" r:id="rId7"/>
+    <p:sldId id="264" r:id="rId8"/>
+    <p:sldId id="265" r:id="rId9"/>
+    <p:sldId id="266" r:id="rId10"/>
+    <p:sldId id="267" r:id="rId11"/>
+    <p:sldId id="268" r:id="rId12"/>
   </p:sldIdLst>
   <p:sldSz cx="12192000" cy="6858000"/>
   <p:notesSz cx="6858000" cy="9144000"/>
@@ -121,355 +122,6 @@
 </p:presentation>
 </file>
 
-<file path=ppt/notesMasters/notesMaster1.xml><?xml version="1.0" encoding="utf-8"?>
-<p:notesMaster xmlns:a="http://schemas.openxmlformats.org/drawingml/2006/main" xmlns:r="http://schemas.openxmlformats.org/officeDocument/2006/relationships" xmlns:p="http://schemas.openxmlformats.org/presentationml/2006/main">
-  <p:cSld>
-    <p:bg>
-      <p:bgRef idx="1001">
-        <a:schemeClr val="bg1"/>
-      </p:bgRef>
-    </p:bg>
-    <p:spTree>
-      <p:nvGrpSpPr>
-        <p:cNvPr id="1" name=""/>
-        <p:cNvGrpSpPr/>
-        <p:nvPr/>
-      </p:nvGrpSpPr>
-      <p:grpSpPr>
-        <a:xfrm>
-          <a:off x="0" y="0"/>
-          <a:ext cx="0" cy="0"/>
-          <a:chOff x="0" y="0"/>
-          <a:chExt cx="0" cy="0"/>
-        </a:xfrm>
-      </p:grpSpPr>
-      <p:sp>
-        <p:nvSpPr>
-          <p:cNvPr id="2" name="页眉占位符 1"/>
-          <p:cNvSpPr>
-            <a:spLocks noGrp="1"/>
-          </p:cNvSpPr>
-          <p:nvPr>
-            <p:ph type="hdr" sz="quarter"/>
-          </p:nvPr>
-        </p:nvSpPr>
-        <p:spPr>
-          <a:xfrm>
-            <a:off x="0" y="0"/>
-            <a:ext cx="2971800" cy="458788"/>
-          </a:xfrm>
-          <a:prstGeom prst="rect">
-            <a:avLst/>
-          </a:prstGeom>
-        </p:spPr>
-        <p:txBody>
-          <a:bodyPr vert="horz" lIns="91440" tIns="45720" rIns="91440" bIns="45720" rtlCol="0"/>
-          <a:lstStyle>
-            <a:lvl1pPr algn="l">
-              <a:defRPr sz="1200"/>
-            </a:lvl1pPr>
-          </a:lstStyle>
-          <a:p>
-            <a:endParaRPr lang="zh-CN" altLang="en-US"/>
-          </a:p>
-        </p:txBody>
-      </p:sp>
-      <p:sp>
-        <p:nvSpPr>
-          <p:cNvPr id="3" name="日期占位符 2"/>
-          <p:cNvSpPr>
-            <a:spLocks noGrp="1"/>
-          </p:cNvSpPr>
-          <p:nvPr>
-            <p:ph type="dt" idx="1"/>
-          </p:nvPr>
-        </p:nvSpPr>
-        <p:spPr>
-          <a:xfrm>
-            <a:off x="3884613" y="0"/>
-            <a:ext cx="2971800" cy="458788"/>
-          </a:xfrm>
-          <a:prstGeom prst="rect">
-            <a:avLst/>
-          </a:prstGeom>
-        </p:spPr>
-        <p:txBody>
-          <a:bodyPr vert="horz" lIns="91440" tIns="45720" rIns="91440" bIns="45720" rtlCol="0"/>
-          <a:lstStyle>
-            <a:lvl1pPr algn="r">
-              <a:defRPr sz="1200"/>
-            </a:lvl1pPr>
-          </a:lstStyle>
-          <a:p>
-            <a:fld id="{F8533B31-7C5D-4000-A3E9-1A73B236151F}" type="datetimeFigureOut">
-              <a:rPr lang="zh-CN" altLang="en-US" smtClean="0"/>
-              <a:t>2024/10/17</a:t>
-            </a:fld>
-            <a:endParaRPr lang="zh-CN" altLang="en-US"/>
-          </a:p>
-        </p:txBody>
-      </p:sp>
-      <p:sp>
-        <p:nvSpPr>
-          <p:cNvPr id="4" name="幻灯片图像占位符 3"/>
-          <p:cNvSpPr>
-            <a:spLocks noGrp="1" noRot="1" noChangeAspect="1"/>
-          </p:cNvSpPr>
-          <p:nvPr>
-            <p:ph type="sldImg" idx="2"/>
-          </p:nvPr>
-        </p:nvSpPr>
-        <p:spPr>
-          <a:xfrm>
-            <a:off x="685800" y="1143000"/>
-            <a:ext cx="5486400" cy="3086100"/>
-          </a:xfrm>
-          <a:prstGeom prst="rect">
-            <a:avLst/>
-          </a:prstGeom>
-          <a:noFill/>
-          <a:ln w="12700">
-            <a:solidFill>
-              <a:prstClr val="black"/>
-            </a:solidFill>
-          </a:ln>
-        </p:spPr>
-        <p:txBody>
-          <a:bodyPr vert="horz" lIns="91440" tIns="45720" rIns="91440" bIns="45720" rtlCol="0" anchor="ctr"/>
-          <a:lstStyle/>
-          <a:p>
-            <a:endParaRPr lang="zh-CN" altLang="en-US"/>
-          </a:p>
-        </p:txBody>
-      </p:sp>
-      <p:sp>
-        <p:nvSpPr>
-          <p:cNvPr id="5" name="备注占位符 4"/>
-          <p:cNvSpPr>
-            <a:spLocks noGrp="1"/>
-          </p:cNvSpPr>
-          <p:nvPr>
-            <p:ph type="body" sz="quarter" idx="3"/>
-          </p:nvPr>
-        </p:nvSpPr>
-        <p:spPr>
-          <a:xfrm>
-            <a:off x="685800" y="4400550"/>
-            <a:ext cx="5486400" cy="3600450"/>
-          </a:xfrm>
-          <a:prstGeom prst="rect">
-            <a:avLst/>
-          </a:prstGeom>
-        </p:spPr>
-        <p:txBody>
-          <a:bodyPr vert="horz" lIns="91440" tIns="45720" rIns="91440" bIns="45720" rtlCol="0"/>
-          <a:lstStyle/>
-          <a:p>
-            <a:pPr lvl="0"/>
-            <a:r>
-              <a:rPr lang="zh-CN" altLang="en-US"/>
-              <a:t>单击此处编辑母版文本样式</a:t>
-            </a:r>
-          </a:p>
-          <a:p>
-            <a:pPr lvl="1"/>
-            <a:r>
-              <a:rPr lang="zh-CN" altLang="en-US"/>
-              <a:t>二级</a:t>
-            </a:r>
-          </a:p>
-          <a:p>
-            <a:pPr lvl="2"/>
-            <a:r>
-              <a:rPr lang="zh-CN" altLang="en-US"/>
-              <a:t>三级</a:t>
-            </a:r>
-          </a:p>
-          <a:p>
-            <a:pPr lvl="3"/>
-            <a:r>
-              <a:rPr lang="zh-CN" altLang="en-US"/>
-              <a:t>四级</a:t>
-            </a:r>
-          </a:p>
-          <a:p>
-            <a:pPr lvl="4"/>
-            <a:r>
-              <a:rPr lang="zh-CN" altLang="en-US"/>
-              <a:t>五级</a:t>
-            </a:r>
-          </a:p>
-        </p:txBody>
-      </p:sp>
-      <p:sp>
-        <p:nvSpPr>
-          <p:cNvPr id="6" name="页脚占位符 5"/>
-          <p:cNvSpPr>
-            <a:spLocks noGrp="1"/>
-          </p:cNvSpPr>
-          <p:nvPr>
-            <p:ph type="ftr" sz="quarter" idx="4"/>
-          </p:nvPr>
-        </p:nvSpPr>
-        <p:spPr>
-          <a:xfrm>
-            <a:off x="0" y="8685213"/>
-            <a:ext cx="2971800" cy="458787"/>
-          </a:xfrm>
-          <a:prstGeom prst="rect">
-            <a:avLst/>
-          </a:prstGeom>
-        </p:spPr>
-        <p:txBody>
-          <a:bodyPr vert="horz" lIns="91440" tIns="45720" rIns="91440" bIns="45720" rtlCol="0" anchor="b"/>
-          <a:lstStyle>
-            <a:lvl1pPr algn="l">
-              <a:defRPr sz="1200"/>
-            </a:lvl1pPr>
-          </a:lstStyle>
-          <a:p>
-            <a:endParaRPr lang="zh-CN" altLang="en-US"/>
-          </a:p>
-        </p:txBody>
-      </p:sp>
-      <p:sp>
-        <p:nvSpPr>
-          <p:cNvPr id="7" name="灯片编号占位符 6"/>
-          <p:cNvSpPr>
-            <a:spLocks noGrp="1"/>
-          </p:cNvSpPr>
-          <p:nvPr>
-            <p:ph type="sldNum" sz="quarter" idx="5"/>
-          </p:nvPr>
-        </p:nvSpPr>
-        <p:spPr>
-          <a:xfrm>
-            <a:off x="3884613" y="8685213"/>
-            <a:ext cx="2971800" cy="458787"/>
-          </a:xfrm>
-          <a:prstGeom prst="rect">
-            <a:avLst/>
-          </a:prstGeom>
-        </p:spPr>
-        <p:txBody>
-          <a:bodyPr vert="horz" lIns="91440" tIns="45720" rIns="91440" bIns="45720" rtlCol="0" anchor="b"/>
-          <a:lstStyle>
-            <a:lvl1pPr algn="r">
-              <a:defRPr sz="1200"/>
-            </a:lvl1pPr>
-          </a:lstStyle>
-          <a:p>
-            <a:fld id="{269464E6-8A45-45A3-BA19-CC626689FB39}" type="slidenum">
-              <a:rPr lang="zh-CN" altLang="en-US" smtClean="0"/>
-              <a:t>‹#›</a:t>
-            </a:fld>
-            <a:endParaRPr lang="zh-CN" altLang="en-US"/>
-          </a:p>
-        </p:txBody>
-      </p:sp>
-    </p:spTree>
-    <p:extLst>
-      <p:ext uri="{BB962C8B-B14F-4D97-AF65-F5344CB8AC3E}">
-        <p14:creationId xmlns:p14="http://schemas.microsoft.com/office/powerpoint/2010/main" val="60684290"/>
-      </p:ext>
-    </p:extLst>
-  </p:cSld>
-  <p:clrMap bg1="lt1" tx1="dk1" bg2="lt2" tx2="dk2" accent1="accent1" accent2="accent2" accent3="accent3" accent4="accent4" accent5="accent5" accent6="accent6" hlink="hlink" folHlink="folHlink"/>
-  <p:notesStyle>
-    <a:lvl1pPr marL="0" algn="l" defTabSz="914400" rtl="0" eaLnBrk="1" latinLnBrk="0" hangingPunct="1">
-      <a:defRPr sz="1200" kern="1200">
-        <a:solidFill>
-          <a:schemeClr val="tx1"/>
-        </a:solidFill>
-        <a:latin typeface="+mn-lt"/>
-        <a:ea typeface="+mn-ea"/>
-        <a:cs typeface="+mn-cs"/>
-      </a:defRPr>
-    </a:lvl1pPr>
-    <a:lvl2pPr marL="457200" algn="l" defTabSz="914400" rtl="0" eaLnBrk="1" latinLnBrk="0" hangingPunct="1">
-      <a:defRPr sz="1200" kern="1200">
-        <a:solidFill>
-          <a:schemeClr val="tx1"/>
-        </a:solidFill>
-        <a:latin typeface="+mn-lt"/>
-        <a:ea typeface="+mn-ea"/>
-        <a:cs typeface="+mn-cs"/>
-      </a:defRPr>
-    </a:lvl2pPr>
-    <a:lvl3pPr marL="914400" algn="l" defTabSz="914400" rtl="0" eaLnBrk="1" latinLnBrk="0" hangingPunct="1">
-      <a:defRPr sz="1200" kern="1200">
-        <a:solidFill>
-          <a:schemeClr val="tx1"/>
-        </a:solidFill>
-        <a:latin typeface="+mn-lt"/>
-        <a:ea typeface="+mn-ea"/>
-        <a:cs typeface="+mn-cs"/>
-      </a:defRPr>
-    </a:lvl3pPr>
-    <a:lvl4pPr marL="1371600" algn="l" defTabSz="914400" rtl="0" eaLnBrk="1" latinLnBrk="0" hangingPunct="1">
-      <a:defRPr sz="1200" kern="1200">
-        <a:solidFill>
-          <a:schemeClr val="tx1"/>
-        </a:solidFill>
-        <a:latin typeface="+mn-lt"/>
-        <a:ea typeface="+mn-ea"/>
-        <a:cs typeface="+mn-cs"/>
-      </a:defRPr>
-    </a:lvl4pPr>
-    <a:lvl5pPr marL="1828800" algn="l" defTabSz="914400" rtl="0" eaLnBrk="1" latinLnBrk="0" hangingPunct="1">
-      <a:defRPr sz="1200" kern="1200">
-        <a:solidFill>
-          <a:schemeClr val="tx1"/>
-        </a:solidFill>
-        <a:latin typeface="+mn-lt"/>
-        <a:ea typeface="+mn-ea"/>
-        <a:cs typeface="+mn-cs"/>
-      </a:defRPr>
-    </a:lvl5pPr>
-    <a:lvl6pPr marL="2286000" algn="l" defTabSz="914400" rtl="0" eaLnBrk="1" latinLnBrk="0" hangingPunct="1">
-      <a:defRPr sz="1200" kern="1200">
-        <a:solidFill>
-          <a:schemeClr val="tx1"/>
-        </a:solidFill>
-        <a:latin typeface="+mn-lt"/>
-        <a:ea typeface="+mn-ea"/>
-        <a:cs typeface="+mn-cs"/>
-      </a:defRPr>
-    </a:lvl6pPr>
-    <a:lvl7pPr marL="2743200" algn="l" defTabSz="914400" rtl="0" eaLnBrk="1" latinLnBrk="0" hangingPunct="1">
-      <a:defRPr sz="1200" kern="1200">
-        <a:solidFill>
-          <a:schemeClr val="tx1"/>
-        </a:solidFill>
-        <a:latin typeface="+mn-lt"/>
-        <a:ea typeface="+mn-ea"/>
-        <a:cs typeface="+mn-cs"/>
-      </a:defRPr>
-    </a:lvl7pPr>
-    <a:lvl8pPr marL="3200400" algn="l" defTabSz="914400" rtl="0" eaLnBrk="1" latinLnBrk="0" hangingPunct="1">
-      <a:defRPr sz="1200" kern="1200">
-        <a:solidFill>
-          <a:schemeClr val="tx1"/>
-        </a:solidFill>
-        <a:latin typeface="+mn-lt"/>
-        <a:ea typeface="+mn-ea"/>
-        <a:cs typeface="+mn-cs"/>
-      </a:defRPr>
-    </a:lvl8pPr>
-    <a:lvl9pPr marL="3657600" algn="l" defTabSz="914400" rtl="0" eaLnBrk="1" latinLnBrk="0" hangingPunct="1">
-      <a:defRPr sz="1200" kern="1200">
-        <a:solidFill>
-          <a:schemeClr val="tx1"/>
-        </a:solidFill>
-        <a:latin typeface="+mn-lt"/>
-        <a:ea typeface="+mn-ea"/>
-        <a:cs typeface="+mn-cs"/>
-      </a:defRPr>
-    </a:lvl9pPr>
-  </p:notesStyle>
-</p:notesMaster>
-</file>
-
 <file path=ppt/slideLayouts/slideLayout1.xml><?xml version="1.0" encoding="utf-8"?>
 <p:sldLayout xmlns:a="http://schemas.openxmlformats.org/drawingml/2006/main" xmlns:r="http://schemas.openxmlformats.org/officeDocument/2006/relationships" xmlns:p="http://schemas.openxmlformats.org/presentationml/2006/main" type="title" preserve="1">
   <p:cSld name="标题幻灯片">
@@ -492,7 +144,7 @@
           <p:cNvPr id="2" name="标题 1">
             <a:extLst>
               <a:ext uri="{FF2B5EF4-FFF2-40B4-BE49-F238E27FC236}">
-                <a16:creationId xmlns:a16="http://schemas.microsoft.com/office/drawing/2014/main" id="{A8CA6D26-3B9A-4D83-818B-D03783A46B60}"/>
+                <a16:creationId xmlns:a16="http://schemas.microsoft.com/office/drawing/2014/main" id="{DED565A5-FF09-4A91-BB37-C611F73B0662}"/>
               </a:ext>
             </a:extLst>
           </p:cNvPr>
@@ -529,7 +181,7 @@
           <p:cNvPr id="3" name="副标题 2">
             <a:extLst>
               <a:ext uri="{FF2B5EF4-FFF2-40B4-BE49-F238E27FC236}">
-                <a16:creationId xmlns:a16="http://schemas.microsoft.com/office/drawing/2014/main" id="{57589FC3-5BAD-434D-9971-BA7B4469B29F}"/>
+                <a16:creationId xmlns:a16="http://schemas.microsoft.com/office/drawing/2014/main" id="{3421B823-44A1-4A24-A6A4-D90A9227297E}"/>
               </a:ext>
             </a:extLst>
           </p:cNvPr>
@@ -599,7 +251,7 @@
           <p:cNvPr id="4" name="日期占位符 3">
             <a:extLst>
               <a:ext uri="{FF2B5EF4-FFF2-40B4-BE49-F238E27FC236}">
-                <a16:creationId xmlns:a16="http://schemas.microsoft.com/office/drawing/2014/main" id="{A3C25A73-0B5B-467B-97B8-C370CACDFF6F}"/>
+                <a16:creationId xmlns:a16="http://schemas.microsoft.com/office/drawing/2014/main" id="{43499521-7DA9-4F36-B024-3B88371BAF26}"/>
               </a:ext>
             </a:extLst>
           </p:cNvPr>
@@ -615,9 +267,9 @@
           <a:bodyPr/>
           <a:lstStyle/>
           <a:p>
-            <a:fld id="{BD6F928D-C15F-4A93-A3B9-C0BA77327B50}" type="datetimeFigureOut">
+            <a:fld id="{96E1DB62-5591-459C-811E-C0909BA1BB1E}" type="datetimeFigureOut">
               <a:rPr lang="zh-CN" altLang="en-US" smtClean="0"/>
-              <a:t>2024/10/17</a:t>
+              <a:t>2024/11/23</a:t>
             </a:fld>
             <a:endParaRPr lang="zh-CN" altLang="en-US"/>
           </a:p>
@@ -628,7 +280,7 @@
           <p:cNvPr id="5" name="页脚占位符 4">
             <a:extLst>
               <a:ext uri="{FF2B5EF4-FFF2-40B4-BE49-F238E27FC236}">
-                <a16:creationId xmlns:a16="http://schemas.microsoft.com/office/drawing/2014/main" id="{BFF26C22-6B86-49CC-897B-BFDFE97D7E5F}"/>
+                <a16:creationId xmlns:a16="http://schemas.microsoft.com/office/drawing/2014/main" id="{AFF26CF6-CF1A-4208-900B-637719A52E9C}"/>
               </a:ext>
             </a:extLst>
           </p:cNvPr>
@@ -653,7 +305,7 @@
           <p:cNvPr id="6" name="灯片编号占位符 5">
             <a:extLst>
               <a:ext uri="{FF2B5EF4-FFF2-40B4-BE49-F238E27FC236}">
-                <a16:creationId xmlns:a16="http://schemas.microsoft.com/office/drawing/2014/main" id="{3A402371-18EF-417D-B178-B1412782701D}"/>
+                <a16:creationId xmlns:a16="http://schemas.microsoft.com/office/drawing/2014/main" id="{1BC2D6D2-66CA-4D14-82F7-D7EBEF3DE9B8}"/>
               </a:ext>
             </a:extLst>
           </p:cNvPr>
@@ -669,7 +321,7 @@
           <a:bodyPr/>
           <a:lstStyle/>
           <a:p>
-            <a:fld id="{DCF9F7DE-F3F8-4128-81C0-8BA386605225}" type="slidenum">
+            <a:fld id="{9256FA24-0E18-4A71-99C7-AE07E7F361CB}" type="slidenum">
               <a:rPr lang="zh-CN" altLang="en-US" smtClean="0"/>
               <a:t>‹#›</a:t>
             </a:fld>
@@ -680,7 +332,7 @@
     </p:spTree>
     <p:extLst>
       <p:ext uri="{BB962C8B-B14F-4D97-AF65-F5344CB8AC3E}">
-        <p14:creationId xmlns:p14="http://schemas.microsoft.com/office/powerpoint/2010/main" val="75956398"/>
+        <p14:creationId xmlns:p14="http://schemas.microsoft.com/office/powerpoint/2010/main" val="387522157"/>
       </p:ext>
     </p:extLst>
   </p:cSld>
@@ -712,7 +364,7 @@
           <p:cNvPr id="2" name="标题 1">
             <a:extLst>
               <a:ext uri="{FF2B5EF4-FFF2-40B4-BE49-F238E27FC236}">
-                <a16:creationId xmlns:a16="http://schemas.microsoft.com/office/drawing/2014/main" id="{2C9B4E45-CE5B-4665-AC36-6E923FF41EAF}"/>
+                <a16:creationId xmlns:a16="http://schemas.microsoft.com/office/drawing/2014/main" id="{DF251947-B5DB-4CB5-BAB7-0D45A39F10A9}"/>
               </a:ext>
             </a:extLst>
           </p:cNvPr>
@@ -740,7 +392,7 @@
           <p:cNvPr id="3" name="竖排文字占位符 2">
             <a:extLst>
               <a:ext uri="{FF2B5EF4-FFF2-40B4-BE49-F238E27FC236}">
-                <a16:creationId xmlns:a16="http://schemas.microsoft.com/office/drawing/2014/main" id="{2E571720-5E74-4149-B787-87AD030E7237}"/>
+                <a16:creationId xmlns:a16="http://schemas.microsoft.com/office/drawing/2014/main" id="{3F04AB5A-476E-44D8-B363-4BC47DE7F4A0}"/>
               </a:ext>
             </a:extLst>
           </p:cNvPr>
@@ -797,7 +449,7 @@
           <p:cNvPr id="4" name="日期占位符 3">
             <a:extLst>
               <a:ext uri="{FF2B5EF4-FFF2-40B4-BE49-F238E27FC236}">
-                <a16:creationId xmlns:a16="http://schemas.microsoft.com/office/drawing/2014/main" id="{9AD805BF-95AB-45D5-9033-86CBBA25FCBD}"/>
+                <a16:creationId xmlns:a16="http://schemas.microsoft.com/office/drawing/2014/main" id="{347B228D-A5A0-490F-A6F9-E697E0FF1132}"/>
               </a:ext>
             </a:extLst>
           </p:cNvPr>
@@ -813,9 +465,9 @@
           <a:bodyPr/>
           <a:lstStyle/>
           <a:p>
-            <a:fld id="{BD6F928D-C15F-4A93-A3B9-C0BA77327B50}" type="datetimeFigureOut">
+            <a:fld id="{96E1DB62-5591-459C-811E-C0909BA1BB1E}" type="datetimeFigureOut">
               <a:rPr lang="zh-CN" altLang="en-US" smtClean="0"/>
-              <a:t>2024/10/17</a:t>
+              <a:t>2024/11/23</a:t>
             </a:fld>
             <a:endParaRPr lang="zh-CN" altLang="en-US"/>
           </a:p>
@@ -826,7 +478,7 @@
           <p:cNvPr id="5" name="页脚占位符 4">
             <a:extLst>
               <a:ext uri="{FF2B5EF4-FFF2-40B4-BE49-F238E27FC236}">
-                <a16:creationId xmlns:a16="http://schemas.microsoft.com/office/drawing/2014/main" id="{CCA67226-F865-4281-979B-14D2D4567656}"/>
+                <a16:creationId xmlns:a16="http://schemas.microsoft.com/office/drawing/2014/main" id="{1DD1D52F-AD27-4F73-A650-A8557212DF2C}"/>
               </a:ext>
             </a:extLst>
           </p:cNvPr>
@@ -851,7 +503,7 @@
           <p:cNvPr id="6" name="灯片编号占位符 5">
             <a:extLst>
               <a:ext uri="{FF2B5EF4-FFF2-40B4-BE49-F238E27FC236}">
-                <a16:creationId xmlns:a16="http://schemas.microsoft.com/office/drawing/2014/main" id="{44BB7CBF-82F8-4F28-860C-8144AF141B31}"/>
+                <a16:creationId xmlns:a16="http://schemas.microsoft.com/office/drawing/2014/main" id="{FEC0407A-0216-4376-9D74-C176B5861A39}"/>
               </a:ext>
             </a:extLst>
           </p:cNvPr>
@@ -867,7 +519,7 @@
           <a:bodyPr/>
           <a:lstStyle/>
           <a:p>
-            <a:fld id="{DCF9F7DE-F3F8-4128-81C0-8BA386605225}" type="slidenum">
+            <a:fld id="{9256FA24-0E18-4A71-99C7-AE07E7F361CB}" type="slidenum">
               <a:rPr lang="zh-CN" altLang="en-US" smtClean="0"/>
               <a:t>‹#›</a:t>
             </a:fld>
@@ -878,7 +530,7 @@
     </p:spTree>
     <p:extLst>
       <p:ext uri="{BB962C8B-B14F-4D97-AF65-F5344CB8AC3E}">
-        <p14:creationId xmlns:p14="http://schemas.microsoft.com/office/powerpoint/2010/main" val="1542812877"/>
+        <p14:creationId xmlns:p14="http://schemas.microsoft.com/office/powerpoint/2010/main" val="2957236599"/>
       </p:ext>
     </p:extLst>
   </p:cSld>
@@ -910,7 +562,7 @@
           <p:cNvPr id="2" name="竖排标题 1">
             <a:extLst>
               <a:ext uri="{FF2B5EF4-FFF2-40B4-BE49-F238E27FC236}">
-                <a16:creationId xmlns:a16="http://schemas.microsoft.com/office/drawing/2014/main" id="{23B75FAF-83F1-4B59-ADC2-C979D5EBCE47}"/>
+                <a16:creationId xmlns:a16="http://schemas.microsoft.com/office/drawing/2014/main" id="{8A9E299A-115E-4A50-BA0D-A0F9BDA76D81}"/>
               </a:ext>
             </a:extLst>
           </p:cNvPr>
@@ -943,7 +595,7 @@
           <p:cNvPr id="3" name="竖排文字占位符 2">
             <a:extLst>
               <a:ext uri="{FF2B5EF4-FFF2-40B4-BE49-F238E27FC236}">
-                <a16:creationId xmlns:a16="http://schemas.microsoft.com/office/drawing/2014/main" id="{83DC2639-E9D4-45F8-8B3F-A02D8F1BA970}"/>
+                <a16:creationId xmlns:a16="http://schemas.microsoft.com/office/drawing/2014/main" id="{6A3CF30B-0CD7-400B-AE52-953A0C88F285}"/>
               </a:ext>
             </a:extLst>
           </p:cNvPr>
@@ -1005,7 +657,7 @@
           <p:cNvPr id="4" name="日期占位符 3">
             <a:extLst>
               <a:ext uri="{FF2B5EF4-FFF2-40B4-BE49-F238E27FC236}">
-                <a16:creationId xmlns:a16="http://schemas.microsoft.com/office/drawing/2014/main" id="{F0662943-55BD-46CB-856C-2D70079E57AD}"/>
+                <a16:creationId xmlns:a16="http://schemas.microsoft.com/office/drawing/2014/main" id="{220FFAC0-23F8-4F94-A1BD-A2C39E45B045}"/>
               </a:ext>
             </a:extLst>
           </p:cNvPr>
@@ -1021,9 +673,9 @@
           <a:bodyPr/>
           <a:lstStyle/>
           <a:p>
-            <a:fld id="{BD6F928D-C15F-4A93-A3B9-C0BA77327B50}" type="datetimeFigureOut">
+            <a:fld id="{96E1DB62-5591-459C-811E-C0909BA1BB1E}" type="datetimeFigureOut">
               <a:rPr lang="zh-CN" altLang="en-US" smtClean="0"/>
-              <a:t>2024/10/17</a:t>
+              <a:t>2024/11/23</a:t>
             </a:fld>
             <a:endParaRPr lang="zh-CN" altLang="en-US"/>
           </a:p>
@@ -1034,7 +686,7 @@
           <p:cNvPr id="5" name="页脚占位符 4">
             <a:extLst>
               <a:ext uri="{FF2B5EF4-FFF2-40B4-BE49-F238E27FC236}">
-                <a16:creationId xmlns:a16="http://schemas.microsoft.com/office/drawing/2014/main" id="{BEFA57A1-09CD-4BEA-B881-90016252A7AA}"/>
+                <a16:creationId xmlns:a16="http://schemas.microsoft.com/office/drawing/2014/main" id="{8266D3B3-D8F0-4B9B-A776-A716DAB25A0E}"/>
               </a:ext>
             </a:extLst>
           </p:cNvPr>
@@ -1059,7 +711,7 @@
           <p:cNvPr id="6" name="灯片编号占位符 5">
             <a:extLst>
               <a:ext uri="{FF2B5EF4-FFF2-40B4-BE49-F238E27FC236}">
-                <a16:creationId xmlns:a16="http://schemas.microsoft.com/office/drawing/2014/main" id="{6DCE1268-1484-4E26-AADE-8F43DCCB5B83}"/>
+                <a16:creationId xmlns:a16="http://schemas.microsoft.com/office/drawing/2014/main" id="{F36C6EE9-A796-4BFD-90D9-A18B05CB48DD}"/>
               </a:ext>
             </a:extLst>
           </p:cNvPr>
@@ -1075,7 +727,7 @@
           <a:bodyPr/>
           <a:lstStyle/>
           <a:p>
-            <a:fld id="{DCF9F7DE-F3F8-4128-81C0-8BA386605225}" type="slidenum">
+            <a:fld id="{9256FA24-0E18-4A71-99C7-AE07E7F361CB}" type="slidenum">
               <a:rPr lang="zh-CN" altLang="en-US" smtClean="0"/>
               <a:t>‹#›</a:t>
             </a:fld>
@@ -1086,7 +738,7 @@
     </p:spTree>
     <p:extLst>
       <p:ext uri="{BB962C8B-B14F-4D97-AF65-F5344CB8AC3E}">
-        <p14:creationId xmlns:p14="http://schemas.microsoft.com/office/powerpoint/2010/main" val="3438246866"/>
+        <p14:creationId xmlns:p14="http://schemas.microsoft.com/office/powerpoint/2010/main" val="2687841442"/>
       </p:ext>
     </p:extLst>
   </p:cSld>
@@ -1118,7 +770,7 @@
           <p:cNvPr id="2" name="标题 1">
             <a:extLst>
               <a:ext uri="{FF2B5EF4-FFF2-40B4-BE49-F238E27FC236}">
-                <a16:creationId xmlns:a16="http://schemas.microsoft.com/office/drawing/2014/main" id="{B23832DB-3092-436F-892E-77315DBD76B0}"/>
+                <a16:creationId xmlns:a16="http://schemas.microsoft.com/office/drawing/2014/main" id="{1AAA237C-075D-4C23-B30F-FAAC752F09CF}"/>
               </a:ext>
             </a:extLst>
           </p:cNvPr>
@@ -1146,7 +798,7 @@
           <p:cNvPr id="3" name="内容占位符 2">
             <a:extLst>
               <a:ext uri="{FF2B5EF4-FFF2-40B4-BE49-F238E27FC236}">
-                <a16:creationId xmlns:a16="http://schemas.microsoft.com/office/drawing/2014/main" id="{B9A15017-A70A-44B7-A1EA-F2AEB4A9818B}"/>
+                <a16:creationId xmlns:a16="http://schemas.microsoft.com/office/drawing/2014/main" id="{9FF4F276-05A5-4F3E-AFC8-77F88BD62E98}"/>
               </a:ext>
             </a:extLst>
           </p:cNvPr>
@@ -1203,7 +855,7 @@
           <p:cNvPr id="4" name="日期占位符 3">
             <a:extLst>
               <a:ext uri="{FF2B5EF4-FFF2-40B4-BE49-F238E27FC236}">
-                <a16:creationId xmlns:a16="http://schemas.microsoft.com/office/drawing/2014/main" id="{D6F19644-5505-4501-8F77-5902E4800626}"/>
+                <a16:creationId xmlns:a16="http://schemas.microsoft.com/office/drawing/2014/main" id="{9FFC24B4-331B-42FD-AE45-33FFBC5AB7EC}"/>
               </a:ext>
             </a:extLst>
           </p:cNvPr>
@@ -1219,9 +871,9 @@
           <a:bodyPr/>
           <a:lstStyle/>
           <a:p>
-            <a:fld id="{BD6F928D-C15F-4A93-A3B9-C0BA77327B50}" type="datetimeFigureOut">
+            <a:fld id="{96E1DB62-5591-459C-811E-C0909BA1BB1E}" type="datetimeFigureOut">
               <a:rPr lang="zh-CN" altLang="en-US" smtClean="0"/>
-              <a:t>2024/10/17</a:t>
+              <a:t>2024/11/23</a:t>
             </a:fld>
             <a:endParaRPr lang="zh-CN" altLang="en-US"/>
           </a:p>
@@ -1232,7 +884,7 @@
           <p:cNvPr id="5" name="页脚占位符 4">
             <a:extLst>
               <a:ext uri="{FF2B5EF4-FFF2-40B4-BE49-F238E27FC236}">
-                <a16:creationId xmlns:a16="http://schemas.microsoft.com/office/drawing/2014/main" id="{69E8CF77-6CAA-4CBE-998F-C983542EBF93}"/>
+                <a16:creationId xmlns:a16="http://schemas.microsoft.com/office/drawing/2014/main" id="{0D7A04A3-DA19-4394-B263-E5D488D50D01}"/>
               </a:ext>
             </a:extLst>
           </p:cNvPr>
@@ -1257,7 +909,7 @@
           <p:cNvPr id="6" name="灯片编号占位符 5">
             <a:extLst>
               <a:ext uri="{FF2B5EF4-FFF2-40B4-BE49-F238E27FC236}">
-                <a16:creationId xmlns:a16="http://schemas.microsoft.com/office/drawing/2014/main" id="{F0C735FB-F8A3-4FB9-AC1E-D46B699EC2A7}"/>
+                <a16:creationId xmlns:a16="http://schemas.microsoft.com/office/drawing/2014/main" id="{6642CF95-132F-4387-964C-9BA9E7650056}"/>
               </a:ext>
             </a:extLst>
           </p:cNvPr>
@@ -1273,7 +925,7 @@
           <a:bodyPr/>
           <a:lstStyle/>
           <a:p>
-            <a:fld id="{DCF9F7DE-F3F8-4128-81C0-8BA386605225}" type="slidenum">
+            <a:fld id="{9256FA24-0E18-4A71-99C7-AE07E7F361CB}" type="slidenum">
               <a:rPr lang="zh-CN" altLang="en-US" smtClean="0"/>
               <a:t>‹#›</a:t>
             </a:fld>
@@ -1284,7 +936,7 @@
     </p:spTree>
     <p:extLst>
       <p:ext uri="{BB962C8B-B14F-4D97-AF65-F5344CB8AC3E}">
-        <p14:creationId xmlns:p14="http://schemas.microsoft.com/office/powerpoint/2010/main" val="2593461601"/>
+        <p14:creationId xmlns:p14="http://schemas.microsoft.com/office/powerpoint/2010/main" val="1789245796"/>
       </p:ext>
     </p:extLst>
   </p:cSld>
@@ -1316,7 +968,7 @@
           <p:cNvPr id="2" name="标题 1">
             <a:extLst>
               <a:ext uri="{FF2B5EF4-FFF2-40B4-BE49-F238E27FC236}">
-                <a16:creationId xmlns:a16="http://schemas.microsoft.com/office/drawing/2014/main" id="{8F7275F9-1B4E-4B13-B1F7-90B03ABCC25F}"/>
+                <a16:creationId xmlns:a16="http://schemas.microsoft.com/office/drawing/2014/main" id="{31F3F965-46DD-47A0-AA0E-4F36A1A8F7D3}"/>
               </a:ext>
             </a:extLst>
           </p:cNvPr>
@@ -1353,7 +1005,7 @@
           <p:cNvPr id="3" name="文本占位符 2">
             <a:extLst>
               <a:ext uri="{FF2B5EF4-FFF2-40B4-BE49-F238E27FC236}">
-                <a16:creationId xmlns:a16="http://schemas.microsoft.com/office/drawing/2014/main" id="{53B7E9F4-ED5F-45A9-870C-05C3ECA231A5}"/>
+                <a16:creationId xmlns:a16="http://schemas.microsoft.com/office/drawing/2014/main" id="{F25FD702-5CFC-4169-8F95-B7C48F3F0DD1}"/>
               </a:ext>
             </a:extLst>
           </p:cNvPr>
@@ -1478,7 +1130,7 @@
           <p:cNvPr id="4" name="日期占位符 3">
             <a:extLst>
               <a:ext uri="{FF2B5EF4-FFF2-40B4-BE49-F238E27FC236}">
-                <a16:creationId xmlns:a16="http://schemas.microsoft.com/office/drawing/2014/main" id="{984DCC83-263F-43AB-91B0-E41301483048}"/>
+                <a16:creationId xmlns:a16="http://schemas.microsoft.com/office/drawing/2014/main" id="{A71A66BD-605A-4DA6-8648-D5017328664C}"/>
               </a:ext>
             </a:extLst>
           </p:cNvPr>
@@ -1494,9 +1146,9 @@
           <a:bodyPr/>
           <a:lstStyle/>
           <a:p>
-            <a:fld id="{BD6F928D-C15F-4A93-A3B9-C0BA77327B50}" type="datetimeFigureOut">
+            <a:fld id="{96E1DB62-5591-459C-811E-C0909BA1BB1E}" type="datetimeFigureOut">
               <a:rPr lang="zh-CN" altLang="en-US" smtClean="0"/>
-              <a:t>2024/10/17</a:t>
+              <a:t>2024/11/23</a:t>
             </a:fld>
             <a:endParaRPr lang="zh-CN" altLang="en-US"/>
           </a:p>
@@ -1507,7 +1159,7 @@
           <p:cNvPr id="5" name="页脚占位符 4">
             <a:extLst>
               <a:ext uri="{FF2B5EF4-FFF2-40B4-BE49-F238E27FC236}">
-                <a16:creationId xmlns:a16="http://schemas.microsoft.com/office/drawing/2014/main" id="{42BA59F5-DC00-4AC8-9289-64AD9035942E}"/>
+                <a16:creationId xmlns:a16="http://schemas.microsoft.com/office/drawing/2014/main" id="{3140F094-3881-402D-B39B-CC1120B26E31}"/>
               </a:ext>
             </a:extLst>
           </p:cNvPr>
@@ -1532,7 +1184,7 @@
           <p:cNvPr id="6" name="灯片编号占位符 5">
             <a:extLst>
               <a:ext uri="{FF2B5EF4-FFF2-40B4-BE49-F238E27FC236}">
-                <a16:creationId xmlns:a16="http://schemas.microsoft.com/office/drawing/2014/main" id="{07D22916-C5B8-436B-BB98-4E1E95C724BE}"/>
+                <a16:creationId xmlns:a16="http://schemas.microsoft.com/office/drawing/2014/main" id="{35041151-5EEC-4EB6-8C8B-9C192036129D}"/>
               </a:ext>
             </a:extLst>
           </p:cNvPr>
@@ -1548,7 +1200,7 @@
           <a:bodyPr/>
           <a:lstStyle/>
           <a:p>
-            <a:fld id="{DCF9F7DE-F3F8-4128-81C0-8BA386605225}" type="slidenum">
+            <a:fld id="{9256FA24-0E18-4A71-99C7-AE07E7F361CB}" type="slidenum">
               <a:rPr lang="zh-CN" altLang="en-US" smtClean="0"/>
               <a:t>‹#›</a:t>
             </a:fld>
@@ -1559,7 +1211,7 @@
     </p:spTree>
     <p:extLst>
       <p:ext uri="{BB962C8B-B14F-4D97-AF65-F5344CB8AC3E}">
-        <p14:creationId xmlns:p14="http://schemas.microsoft.com/office/powerpoint/2010/main" val="728634800"/>
+        <p14:creationId xmlns:p14="http://schemas.microsoft.com/office/powerpoint/2010/main" val="2386887303"/>
       </p:ext>
     </p:extLst>
   </p:cSld>
@@ -1591,7 +1243,7 @@
           <p:cNvPr id="2" name="标题 1">
             <a:extLst>
               <a:ext uri="{FF2B5EF4-FFF2-40B4-BE49-F238E27FC236}">
-                <a16:creationId xmlns:a16="http://schemas.microsoft.com/office/drawing/2014/main" id="{BDECF068-9A11-48C9-8208-B32663A4C0AF}"/>
+                <a16:creationId xmlns:a16="http://schemas.microsoft.com/office/drawing/2014/main" id="{80FFB1AB-F28D-43A5-9F58-5DC844F1C35D}"/>
               </a:ext>
             </a:extLst>
           </p:cNvPr>
@@ -1619,7 +1271,7 @@
           <p:cNvPr id="3" name="内容占位符 2">
             <a:extLst>
               <a:ext uri="{FF2B5EF4-FFF2-40B4-BE49-F238E27FC236}">
-                <a16:creationId xmlns:a16="http://schemas.microsoft.com/office/drawing/2014/main" id="{D42C4059-E3A7-4362-8E6D-FB78FFDB99EC}"/>
+                <a16:creationId xmlns:a16="http://schemas.microsoft.com/office/drawing/2014/main" id="{62706EFF-9ED4-4CC2-9071-E07CC00F9C65}"/>
               </a:ext>
             </a:extLst>
           </p:cNvPr>
@@ -1681,7 +1333,7 @@
           <p:cNvPr id="4" name="内容占位符 3">
             <a:extLst>
               <a:ext uri="{FF2B5EF4-FFF2-40B4-BE49-F238E27FC236}">
-                <a16:creationId xmlns:a16="http://schemas.microsoft.com/office/drawing/2014/main" id="{0FF0DDC8-83AB-408E-9A15-061C02C72042}"/>
+                <a16:creationId xmlns:a16="http://schemas.microsoft.com/office/drawing/2014/main" id="{A8820AE3-5FA3-46C2-9915-636C85410615}"/>
               </a:ext>
             </a:extLst>
           </p:cNvPr>
@@ -1743,7 +1395,7 @@
           <p:cNvPr id="5" name="日期占位符 4">
             <a:extLst>
               <a:ext uri="{FF2B5EF4-FFF2-40B4-BE49-F238E27FC236}">
-                <a16:creationId xmlns:a16="http://schemas.microsoft.com/office/drawing/2014/main" id="{3B17FF66-8295-47AA-904D-45DCC54BEA35}"/>
+                <a16:creationId xmlns:a16="http://schemas.microsoft.com/office/drawing/2014/main" id="{124DEE96-048A-4CCC-BBB7-441C81775F75}"/>
               </a:ext>
             </a:extLst>
           </p:cNvPr>
@@ -1759,9 +1411,9 @@
           <a:bodyPr/>
           <a:lstStyle/>
           <a:p>
-            <a:fld id="{BD6F928D-C15F-4A93-A3B9-C0BA77327B50}" type="datetimeFigureOut">
+            <a:fld id="{96E1DB62-5591-459C-811E-C0909BA1BB1E}" type="datetimeFigureOut">
               <a:rPr lang="zh-CN" altLang="en-US" smtClean="0"/>
-              <a:t>2024/10/17</a:t>
+              <a:t>2024/11/23</a:t>
             </a:fld>
             <a:endParaRPr lang="zh-CN" altLang="en-US"/>
           </a:p>
@@ -1772,7 +1424,7 @@
           <p:cNvPr id="6" name="页脚占位符 5">
             <a:extLst>
               <a:ext uri="{FF2B5EF4-FFF2-40B4-BE49-F238E27FC236}">
-                <a16:creationId xmlns:a16="http://schemas.microsoft.com/office/drawing/2014/main" id="{E76EA7F5-3877-4E29-AD68-84C8CDA7620A}"/>
+                <a16:creationId xmlns:a16="http://schemas.microsoft.com/office/drawing/2014/main" id="{838E3BE7-A2C7-47B7-9A8B-419D092A74AF}"/>
               </a:ext>
             </a:extLst>
           </p:cNvPr>
@@ -1797,7 +1449,7 @@
           <p:cNvPr id="7" name="灯片编号占位符 6">
             <a:extLst>
               <a:ext uri="{FF2B5EF4-FFF2-40B4-BE49-F238E27FC236}">
-                <a16:creationId xmlns:a16="http://schemas.microsoft.com/office/drawing/2014/main" id="{516919D0-77C4-48CC-AC11-8D0719EB3ACF}"/>
+                <a16:creationId xmlns:a16="http://schemas.microsoft.com/office/drawing/2014/main" id="{9E6FBCF8-21FC-411A-A7F6-0CF4C424A68A}"/>
               </a:ext>
             </a:extLst>
           </p:cNvPr>
@@ -1813,7 +1465,7 @@
           <a:bodyPr/>
           <a:lstStyle/>
           <a:p>
-            <a:fld id="{DCF9F7DE-F3F8-4128-81C0-8BA386605225}" type="slidenum">
+            <a:fld id="{9256FA24-0E18-4A71-99C7-AE07E7F361CB}" type="slidenum">
               <a:rPr lang="zh-CN" altLang="en-US" smtClean="0"/>
               <a:t>‹#›</a:t>
             </a:fld>
@@ -1824,7 +1476,7 @@
     </p:spTree>
     <p:extLst>
       <p:ext uri="{BB962C8B-B14F-4D97-AF65-F5344CB8AC3E}">
-        <p14:creationId xmlns:p14="http://schemas.microsoft.com/office/powerpoint/2010/main" val="564534166"/>
+        <p14:creationId xmlns:p14="http://schemas.microsoft.com/office/powerpoint/2010/main" val="1333355101"/>
       </p:ext>
     </p:extLst>
   </p:cSld>
@@ -1856,7 +1508,7 @@
           <p:cNvPr id="2" name="标题 1">
             <a:extLst>
               <a:ext uri="{FF2B5EF4-FFF2-40B4-BE49-F238E27FC236}">
-                <a16:creationId xmlns:a16="http://schemas.microsoft.com/office/drawing/2014/main" id="{1595F986-345E-45EC-A666-5E057C048898}"/>
+                <a16:creationId xmlns:a16="http://schemas.microsoft.com/office/drawing/2014/main" id="{2F0F8ACE-4FD5-4F67-9D5F-3DE851FFBF66}"/>
               </a:ext>
             </a:extLst>
           </p:cNvPr>
@@ -1889,7 +1541,7 @@
           <p:cNvPr id="3" name="文本占位符 2">
             <a:extLst>
               <a:ext uri="{FF2B5EF4-FFF2-40B4-BE49-F238E27FC236}">
-                <a16:creationId xmlns:a16="http://schemas.microsoft.com/office/drawing/2014/main" id="{5EBA4052-61A1-416E-A71E-95845347620C}"/>
+                <a16:creationId xmlns:a16="http://schemas.microsoft.com/office/drawing/2014/main" id="{3FDEB6C7-5AD5-4956-806A-19A2498C8DD7}"/>
               </a:ext>
             </a:extLst>
           </p:cNvPr>
@@ -1960,7 +1612,7 @@
           <p:cNvPr id="4" name="内容占位符 3">
             <a:extLst>
               <a:ext uri="{FF2B5EF4-FFF2-40B4-BE49-F238E27FC236}">
-                <a16:creationId xmlns:a16="http://schemas.microsoft.com/office/drawing/2014/main" id="{10029E8B-9A92-4818-8C01-4DB8E0A05E99}"/>
+                <a16:creationId xmlns:a16="http://schemas.microsoft.com/office/drawing/2014/main" id="{4C1469E4-3822-4C9A-AD2D-1C9FE4B69229}"/>
               </a:ext>
             </a:extLst>
           </p:cNvPr>
@@ -2022,7 +1674,7 @@
           <p:cNvPr id="5" name="文本占位符 4">
             <a:extLst>
               <a:ext uri="{FF2B5EF4-FFF2-40B4-BE49-F238E27FC236}">
-                <a16:creationId xmlns:a16="http://schemas.microsoft.com/office/drawing/2014/main" id="{3D4E6B9F-27CC-4B28-BBE1-6F9F7BB46C52}"/>
+                <a16:creationId xmlns:a16="http://schemas.microsoft.com/office/drawing/2014/main" id="{F88C91B7-75E5-4BA0-A220-4AA6CB52E0D4}"/>
               </a:ext>
             </a:extLst>
           </p:cNvPr>
@@ -2093,7 +1745,7 @@
           <p:cNvPr id="6" name="内容占位符 5">
             <a:extLst>
               <a:ext uri="{FF2B5EF4-FFF2-40B4-BE49-F238E27FC236}">
-                <a16:creationId xmlns:a16="http://schemas.microsoft.com/office/drawing/2014/main" id="{94C5C449-16BE-40B6-8BC2-8A6C33F1FC5D}"/>
+                <a16:creationId xmlns:a16="http://schemas.microsoft.com/office/drawing/2014/main" id="{DE08382D-D2BA-412C-94AA-9F167303D038}"/>
               </a:ext>
             </a:extLst>
           </p:cNvPr>
@@ -2155,7 +1807,7 @@
           <p:cNvPr id="7" name="日期占位符 6">
             <a:extLst>
               <a:ext uri="{FF2B5EF4-FFF2-40B4-BE49-F238E27FC236}">
-                <a16:creationId xmlns:a16="http://schemas.microsoft.com/office/drawing/2014/main" id="{199E7011-6609-4EB3-BF42-4130EE9FE4A9}"/>
+                <a16:creationId xmlns:a16="http://schemas.microsoft.com/office/drawing/2014/main" id="{1F559AB6-037B-462D-8E51-92573BCB5E39}"/>
               </a:ext>
             </a:extLst>
           </p:cNvPr>
@@ -2171,9 +1823,9 @@
           <a:bodyPr/>
           <a:lstStyle/>
           <a:p>
-            <a:fld id="{BD6F928D-C15F-4A93-A3B9-C0BA77327B50}" type="datetimeFigureOut">
+            <a:fld id="{96E1DB62-5591-459C-811E-C0909BA1BB1E}" type="datetimeFigureOut">
               <a:rPr lang="zh-CN" altLang="en-US" smtClean="0"/>
-              <a:t>2024/10/17</a:t>
+              <a:t>2024/11/23</a:t>
             </a:fld>
             <a:endParaRPr lang="zh-CN" altLang="en-US"/>
           </a:p>
@@ -2184,7 +1836,7 @@
           <p:cNvPr id="8" name="页脚占位符 7">
             <a:extLst>
               <a:ext uri="{FF2B5EF4-FFF2-40B4-BE49-F238E27FC236}">
-                <a16:creationId xmlns:a16="http://schemas.microsoft.com/office/drawing/2014/main" id="{E7BB1041-BD45-403B-B87B-6D0C250B670E}"/>
+                <a16:creationId xmlns:a16="http://schemas.microsoft.com/office/drawing/2014/main" id="{56BCE017-963B-42DB-BB62-57B7AD67C032}"/>
               </a:ext>
             </a:extLst>
           </p:cNvPr>
@@ -2209,7 +1861,7 @@
           <p:cNvPr id="9" name="灯片编号占位符 8">
             <a:extLst>
               <a:ext uri="{FF2B5EF4-FFF2-40B4-BE49-F238E27FC236}">
-                <a16:creationId xmlns:a16="http://schemas.microsoft.com/office/drawing/2014/main" id="{134BCDF1-F134-4DDD-925C-18EBCE49E187}"/>
+                <a16:creationId xmlns:a16="http://schemas.microsoft.com/office/drawing/2014/main" id="{93567DC9-BF3C-4F26-8F34-C5E75AFD6656}"/>
               </a:ext>
             </a:extLst>
           </p:cNvPr>
@@ -2225,7 +1877,7 @@
           <a:bodyPr/>
           <a:lstStyle/>
           <a:p>
-            <a:fld id="{DCF9F7DE-F3F8-4128-81C0-8BA386605225}" type="slidenum">
+            <a:fld id="{9256FA24-0E18-4A71-99C7-AE07E7F361CB}" type="slidenum">
               <a:rPr lang="zh-CN" altLang="en-US" smtClean="0"/>
               <a:t>‹#›</a:t>
             </a:fld>
@@ -2236,7 +1888,7 @@
     </p:spTree>
     <p:extLst>
       <p:ext uri="{BB962C8B-B14F-4D97-AF65-F5344CB8AC3E}">
-        <p14:creationId xmlns:p14="http://schemas.microsoft.com/office/powerpoint/2010/main" val="1877734990"/>
+        <p14:creationId xmlns:p14="http://schemas.microsoft.com/office/powerpoint/2010/main" val="721634909"/>
       </p:ext>
     </p:extLst>
   </p:cSld>
@@ -2268,7 +1920,7 @@
           <p:cNvPr id="2" name="标题 1">
             <a:extLst>
               <a:ext uri="{FF2B5EF4-FFF2-40B4-BE49-F238E27FC236}">
-                <a16:creationId xmlns:a16="http://schemas.microsoft.com/office/drawing/2014/main" id="{B0BDEECD-04DE-41CA-9ACB-297223422AC6}"/>
+                <a16:creationId xmlns:a16="http://schemas.microsoft.com/office/drawing/2014/main" id="{2517CBCC-EA90-4699-AE14-C26C31B1F33B}"/>
               </a:ext>
             </a:extLst>
           </p:cNvPr>
@@ -2296,7 +1948,7 @@
           <p:cNvPr id="3" name="日期占位符 2">
             <a:extLst>
               <a:ext uri="{FF2B5EF4-FFF2-40B4-BE49-F238E27FC236}">
-                <a16:creationId xmlns:a16="http://schemas.microsoft.com/office/drawing/2014/main" id="{E24B6673-CE11-42CC-945A-A51CDFF3952B}"/>
+                <a16:creationId xmlns:a16="http://schemas.microsoft.com/office/drawing/2014/main" id="{88164260-EF81-402B-B4B1-B1B23287F833}"/>
               </a:ext>
             </a:extLst>
           </p:cNvPr>
@@ -2312,9 +1964,9 @@
           <a:bodyPr/>
           <a:lstStyle/>
           <a:p>
-            <a:fld id="{BD6F928D-C15F-4A93-A3B9-C0BA77327B50}" type="datetimeFigureOut">
+            <a:fld id="{96E1DB62-5591-459C-811E-C0909BA1BB1E}" type="datetimeFigureOut">
               <a:rPr lang="zh-CN" altLang="en-US" smtClean="0"/>
-              <a:t>2024/10/17</a:t>
+              <a:t>2024/11/23</a:t>
             </a:fld>
             <a:endParaRPr lang="zh-CN" altLang="en-US"/>
           </a:p>
@@ -2325,7 +1977,7 @@
           <p:cNvPr id="4" name="页脚占位符 3">
             <a:extLst>
               <a:ext uri="{FF2B5EF4-FFF2-40B4-BE49-F238E27FC236}">
-                <a16:creationId xmlns:a16="http://schemas.microsoft.com/office/drawing/2014/main" id="{B95CA090-EFB4-45DB-8CEB-002A979CE305}"/>
+                <a16:creationId xmlns:a16="http://schemas.microsoft.com/office/drawing/2014/main" id="{C96F5A0C-24AB-463D-BCAD-22D671ADD0B4}"/>
               </a:ext>
             </a:extLst>
           </p:cNvPr>
@@ -2350,7 +2002,7 @@
           <p:cNvPr id="5" name="灯片编号占位符 4">
             <a:extLst>
               <a:ext uri="{FF2B5EF4-FFF2-40B4-BE49-F238E27FC236}">
-                <a16:creationId xmlns:a16="http://schemas.microsoft.com/office/drawing/2014/main" id="{B4BE0012-7FFD-48C5-BC08-664F16C3B1FF}"/>
+                <a16:creationId xmlns:a16="http://schemas.microsoft.com/office/drawing/2014/main" id="{CA5DD152-F51F-40A5-BAEE-D716D85AB412}"/>
               </a:ext>
             </a:extLst>
           </p:cNvPr>
@@ -2366,7 +2018,7 @@
           <a:bodyPr/>
           <a:lstStyle/>
           <a:p>
-            <a:fld id="{DCF9F7DE-F3F8-4128-81C0-8BA386605225}" type="slidenum">
+            <a:fld id="{9256FA24-0E18-4A71-99C7-AE07E7F361CB}" type="slidenum">
               <a:rPr lang="zh-CN" altLang="en-US" smtClean="0"/>
               <a:t>‹#›</a:t>
             </a:fld>
@@ -2377,7 +2029,7 @@
     </p:spTree>
     <p:extLst>
       <p:ext uri="{BB962C8B-B14F-4D97-AF65-F5344CB8AC3E}">
-        <p14:creationId xmlns:p14="http://schemas.microsoft.com/office/powerpoint/2010/main" val="1286436706"/>
+        <p14:creationId xmlns:p14="http://schemas.microsoft.com/office/powerpoint/2010/main" val="2219246518"/>
       </p:ext>
     </p:extLst>
   </p:cSld>
@@ -2409,7 +2061,7 @@
           <p:cNvPr id="2" name="日期占位符 1">
             <a:extLst>
               <a:ext uri="{FF2B5EF4-FFF2-40B4-BE49-F238E27FC236}">
-                <a16:creationId xmlns:a16="http://schemas.microsoft.com/office/drawing/2014/main" id="{92DFDA32-FBBD-4462-9D1B-FE4690F790AF}"/>
+                <a16:creationId xmlns:a16="http://schemas.microsoft.com/office/drawing/2014/main" id="{AB0FC850-5D36-405A-BD82-EF80A246D733}"/>
               </a:ext>
             </a:extLst>
           </p:cNvPr>
@@ -2425,9 +2077,9 @@
           <a:bodyPr/>
           <a:lstStyle/>
           <a:p>
-            <a:fld id="{BD6F928D-C15F-4A93-A3B9-C0BA77327B50}" type="datetimeFigureOut">
+            <a:fld id="{96E1DB62-5591-459C-811E-C0909BA1BB1E}" type="datetimeFigureOut">
               <a:rPr lang="zh-CN" altLang="en-US" smtClean="0"/>
-              <a:t>2024/10/17</a:t>
+              <a:t>2024/11/23</a:t>
             </a:fld>
             <a:endParaRPr lang="zh-CN" altLang="en-US"/>
           </a:p>
@@ -2438,7 +2090,7 @@
           <p:cNvPr id="3" name="页脚占位符 2">
             <a:extLst>
               <a:ext uri="{FF2B5EF4-FFF2-40B4-BE49-F238E27FC236}">
-                <a16:creationId xmlns:a16="http://schemas.microsoft.com/office/drawing/2014/main" id="{884DA725-08E2-4785-B387-5356C3B87722}"/>
+                <a16:creationId xmlns:a16="http://schemas.microsoft.com/office/drawing/2014/main" id="{9A797ACC-CFD2-4E61-AE60-E92BBCE7C991}"/>
               </a:ext>
             </a:extLst>
           </p:cNvPr>
@@ -2463,7 +2115,7 @@
           <p:cNvPr id="4" name="灯片编号占位符 3">
             <a:extLst>
               <a:ext uri="{FF2B5EF4-FFF2-40B4-BE49-F238E27FC236}">
-                <a16:creationId xmlns:a16="http://schemas.microsoft.com/office/drawing/2014/main" id="{4F4E7135-C2A8-4A4C-B2D7-D3FC3D73634E}"/>
+                <a16:creationId xmlns:a16="http://schemas.microsoft.com/office/drawing/2014/main" id="{A91EE6BD-FBB4-4124-A0CB-846493B6AF3D}"/>
               </a:ext>
             </a:extLst>
           </p:cNvPr>
@@ -2479,7 +2131,7 @@
           <a:bodyPr/>
           <a:lstStyle/>
           <a:p>
-            <a:fld id="{DCF9F7DE-F3F8-4128-81C0-8BA386605225}" type="slidenum">
+            <a:fld id="{9256FA24-0E18-4A71-99C7-AE07E7F361CB}" type="slidenum">
               <a:rPr lang="zh-CN" altLang="en-US" smtClean="0"/>
               <a:t>‹#›</a:t>
             </a:fld>
@@ -2490,7 +2142,7 @@
     </p:spTree>
     <p:extLst>
       <p:ext uri="{BB962C8B-B14F-4D97-AF65-F5344CB8AC3E}">
-        <p14:creationId xmlns:p14="http://schemas.microsoft.com/office/powerpoint/2010/main" val="3811307380"/>
+        <p14:creationId xmlns:p14="http://schemas.microsoft.com/office/powerpoint/2010/main" val="3912692667"/>
       </p:ext>
     </p:extLst>
   </p:cSld>
@@ -2522,7 +2174,7 @@
           <p:cNvPr id="2" name="标题 1">
             <a:extLst>
               <a:ext uri="{FF2B5EF4-FFF2-40B4-BE49-F238E27FC236}">
-                <a16:creationId xmlns:a16="http://schemas.microsoft.com/office/drawing/2014/main" id="{F62DB867-CAF5-40B4-9850-B75CB0C0836C}"/>
+                <a16:creationId xmlns:a16="http://schemas.microsoft.com/office/drawing/2014/main" id="{33E56164-55AC-4677-BD26-06A4CC394988}"/>
               </a:ext>
             </a:extLst>
           </p:cNvPr>
@@ -2559,7 +2211,7 @@
           <p:cNvPr id="3" name="内容占位符 2">
             <a:extLst>
               <a:ext uri="{FF2B5EF4-FFF2-40B4-BE49-F238E27FC236}">
-                <a16:creationId xmlns:a16="http://schemas.microsoft.com/office/drawing/2014/main" id="{EA50BAFC-A365-48A6-AB2D-6FD2FF142BCE}"/>
+                <a16:creationId xmlns:a16="http://schemas.microsoft.com/office/drawing/2014/main" id="{22D3E7EE-87CD-4CE8-95D0-E2989BBD6522}"/>
               </a:ext>
             </a:extLst>
           </p:cNvPr>
@@ -2649,7 +2301,7 @@
           <p:cNvPr id="4" name="文本占位符 3">
             <a:extLst>
               <a:ext uri="{FF2B5EF4-FFF2-40B4-BE49-F238E27FC236}">
-                <a16:creationId xmlns:a16="http://schemas.microsoft.com/office/drawing/2014/main" id="{B8E4F4D0-C853-47B9-A684-A651D7A2AD47}"/>
+                <a16:creationId xmlns:a16="http://schemas.microsoft.com/office/drawing/2014/main" id="{ECDFB2AB-5139-4764-AF8E-5CA7B3542D67}"/>
               </a:ext>
             </a:extLst>
           </p:cNvPr>
@@ -2720,7 +2372,7 @@
           <p:cNvPr id="5" name="日期占位符 4">
             <a:extLst>
               <a:ext uri="{FF2B5EF4-FFF2-40B4-BE49-F238E27FC236}">
-                <a16:creationId xmlns:a16="http://schemas.microsoft.com/office/drawing/2014/main" id="{D1A35C8A-F633-47C9-BFF3-677057C99C4A}"/>
+                <a16:creationId xmlns:a16="http://schemas.microsoft.com/office/drawing/2014/main" id="{AFE96CA0-0A36-4B6B-8053-744F50451748}"/>
               </a:ext>
             </a:extLst>
           </p:cNvPr>
@@ -2736,9 +2388,9 @@
           <a:bodyPr/>
           <a:lstStyle/>
           <a:p>
-            <a:fld id="{BD6F928D-C15F-4A93-A3B9-C0BA77327B50}" type="datetimeFigureOut">
+            <a:fld id="{96E1DB62-5591-459C-811E-C0909BA1BB1E}" type="datetimeFigureOut">
               <a:rPr lang="zh-CN" altLang="en-US" smtClean="0"/>
-              <a:t>2024/10/17</a:t>
+              <a:t>2024/11/23</a:t>
             </a:fld>
             <a:endParaRPr lang="zh-CN" altLang="en-US"/>
           </a:p>
@@ -2749,7 +2401,7 @@
           <p:cNvPr id="6" name="页脚占位符 5">
             <a:extLst>
               <a:ext uri="{FF2B5EF4-FFF2-40B4-BE49-F238E27FC236}">
-                <a16:creationId xmlns:a16="http://schemas.microsoft.com/office/drawing/2014/main" id="{F48D04CD-1DC3-48F1-95A1-C588509FDFF5}"/>
+                <a16:creationId xmlns:a16="http://schemas.microsoft.com/office/drawing/2014/main" id="{AEACDA5F-E0B4-4BFC-839C-5B195585AB6E}"/>
               </a:ext>
             </a:extLst>
           </p:cNvPr>
@@ -2774,7 +2426,7 @@
           <p:cNvPr id="7" name="灯片编号占位符 6">
             <a:extLst>
               <a:ext uri="{FF2B5EF4-FFF2-40B4-BE49-F238E27FC236}">
-                <a16:creationId xmlns:a16="http://schemas.microsoft.com/office/drawing/2014/main" id="{5756CEE8-0E31-496E-9B87-D4AA258D6F4A}"/>
+                <a16:creationId xmlns:a16="http://schemas.microsoft.com/office/drawing/2014/main" id="{DEC5C0E2-9BF6-4ED7-8074-7F07F62A460B}"/>
               </a:ext>
             </a:extLst>
           </p:cNvPr>
@@ -2790,7 +2442,7 @@
           <a:bodyPr/>
           <a:lstStyle/>
           <a:p>
-            <a:fld id="{DCF9F7DE-F3F8-4128-81C0-8BA386605225}" type="slidenum">
+            <a:fld id="{9256FA24-0E18-4A71-99C7-AE07E7F361CB}" type="slidenum">
               <a:rPr lang="zh-CN" altLang="en-US" smtClean="0"/>
               <a:t>‹#›</a:t>
             </a:fld>
@@ -2801,7 +2453,7 @@
     </p:spTree>
     <p:extLst>
       <p:ext uri="{BB962C8B-B14F-4D97-AF65-F5344CB8AC3E}">
-        <p14:creationId xmlns:p14="http://schemas.microsoft.com/office/powerpoint/2010/main" val="2863010320"/>
+        <p14:creationId xmlns:p14="http://schemas.microsoft.com/office/powerpoint/2010/main" val="2119020171"/>
       </p:ext>
     </p:extLst>
   </p:cSld>
@@ -2833,7 +2485,7 @@
           <p:cNvPr id="2" name="标题 1">
             <a:extLst>
               <a:ext uri="{FF2B5EF4-FFF2-40B4-BE49-F238E27FC236}">
-                <a16:creationId xmlns:a16="http://schemas.microsoft.com/office/drawing/2014/main" id="{3D0F3510-4218-43F8-ACBC-CBB7083624EA}"/>
+                <a16:creationId xmlns:a16="http://schemas.microsoft.com/office/drawing/2014/main" id="{723A19FD-D080-4658-B31D-9B77F62CAF6C}"/>
               </a:ext>
             </a:extLst>
           </p:cNvPr>
@@ -2870,7 +2522,7 @@
           <p:cNvPr id="3" name="图片占位符 2">
             <a:extLst>
               <a:ext uri="{FF2B5EF4-FFF2-40B4-BE49-F238E27FC236}">
-                <a16:creationId xmlns:a16="http://schemas.microsoft.com/office/drawing/2014/main" id="{27A4B096-011E-4C61-95CF-4EFFF77E8F5B}"/>
+                <a16:creationId xmlns:a16="http://schemas.microsoft.com/office/drawing/2014/main" id="{DAC4C1E1-7516-4931-B269-0D535D5D9D06}"/>
               </a:ext>
             </a:extLst>
           </p:cNvPr>
@@ -2937,7 +2589,7 @@
           <p:cNvPr id="4" name="文本占位符 3">
             <a:extLst>
               <a:ext uri="{FF2B5EF4-FFF2-40B4-BE49-F238E27FC236}">
-                <a16:creationId xmlns:a16="http://schemas.microsoft.com/office/drawing/2014/main" id="{C6047E04-9C87-4D7F-B762-D6AEB98EDDF0}"/>
+                <a16:creationId xmlns:a16="http://schemas.microsoft.com/office/drawing/2014/main" id="{0AAEA3AE-C272-4374-8CF4-8898FE80B38E}"/>
               </a:ext>
             </a:extLst>
           </p:cNvPr>
@@ -3008,7 +2660,7 @@
           <p:cNvPr id="5" name="日期占位符 4">
             <a:extLst>
               <a:ext uri="{FF2B5EF4-FFF2-40B4-BE49-F238E27FC236}">
-                <a16:creationId xmlns:a16="http://schemas.microsoft.com/office/drawing/2014/main" id="{98A81219-C6DA-48D4-A680-54BE99F9F02B}"/>
+                <a16:creationId xmlns:a16="http://schemas.microsoft.com/office/drawing/2014/main" id="{CB281036-4BD1-4A71-B2B4-D31A35666CA2}"/>
               </a:ext>
             </a:extLst>
           </p:cNvPr>
@@ -3024,9 +2676,9 @@
           <a:bodyPr/>
           <a:lstStyle/>
           <a:p>
-            <a:fld id="{BD6F928D-C15F-4A93-A3B9-C0BA77327B50}" type="datetimeFigureOut">
+            <a:fld id="{96E1DB62-5591-459C-811E-C0909BA1BB1E}" type="datetimeFigureOut">
               <a:rPr lang="zh-CN" altLang="en-US" smtClean="0"/>
-              <a:t>2024/10/17</a:t>
+              <a:t>2024/11/23</a:t>
             </a:fld>
             <a:endParaRPr lang="zh-CN" altLang="en-US"/>
           </a:p>
@@ -3037,7 +2689,7 @@
           <p:cNvPr id="6" name="页脚占位符 5">
             <a:extLst>
               <a:ext uri="{FF2B5EF4-FFF2-40B4-BE49-F238E27FC236}">
-                <a16:creationId xmlns:a16="http://schemas.microsoft.com/office/drawing/2014/main" id="{C55848DB-F743-4B24-9D9F-629D114CEAE0}"/>
+                <a16:creationId xmlns:a16="http://schemas.microsoft.com/office/drawing/2014/main" id="{71953350-4D14-4BCD-9659-69C146DE4D77}"/>
               </a:ext>
             </a:extLst>
           </p:cNvPr>
@@ -3062,7 +2714,7 @@
           <p:cNvPr id="7" name="灯片编号占位符 6">
             <a:extLst>
               <a:ext uri="{FF2B5EF4-FFF2-40B4-BE49-F238E27FC236}">
-                <a16:creationId xmlns:a16="http://schemas.microsoft.com/office/drawing/2014/main" id="{B810A518-C997-4943-9EE9-8D6057DB8CD5}"/>
+                <a16:creationId xmlns:a16="http://schemas.microsoft.com/office/drawing/2014/main" id="{21F88063-4B1A-4429-A836-FEBC52B7B101}"/>
               </a:ext>
             </a:extLst>
           </p:cNvPr>
@@ -3078,7 +2730,7 @@
           <a:bodyPr/>
           <a:lstStyle/>
           <a:p>
-            <a:fld id="{DCF9F7DE-F3F8-4128-81C0-8BA386605225}" type="slidenum">
+            <a:fld id="{9256FA24-0E18-4A71-99C7-AE07E7F361CB}" type="slidenum">
               <a:rPr lang="zh-CN" altLang="en-US" smtClean="0"/>
               <a:t>‹#›</a:t>
             </a:fld>
@@ -3089,7 +2741,7 @@
     </p:spTree>
     <p:extLst>
       <p:ext uri="{BB962C8B-B14F-4D97-AF65-F5344CB8AC3E}">
-        <p14:creationId xmlns:p14="http://schemas.microsoft.com/office/powerpoint/2010/main" val="4198943164"/>
+        <p14:creationId xmlns:p14="http://schemas.microsoft.com/office/powerpoint/2010/main" val="2945885966"/>
       </p:ext>
     </p:extLst>
   </p:cSld>
@@ -3126,7 +2778,7 @@
           <p:cNvPr id="2" name="标题占位符 1">
             <a:extLst>
               <a:ext uri="{FF2B5EF4-FFF2-40B4-BE49-F238E27FC236}">
-                <a16:creationId xmlns:a16="http://schemas.microsoft.com/office/drawing/2014/main" id="{8BE1CAC3-D8D2-4697-A5FD-01422B7B6CBA}"/>
+                <a16:creationId xmlns:a16="http://schemas.microsoft.com/office/drawing/2014/main" id="{B5405B61-DE85-486A-9916-AD9126A4D44E}"/>
               </a:ext>
             </a:extLst>
           </p:cNvPr>
@@ -3164,7 +2816,7 @@
           <p:cNvPr id="3" name="文本占位符 2">
             <a:extLst>
               <a:ext uri="{FF2B5EF4-FFF2-40B4-BE49-F238E27FC236}">
-                <a16:creationId xmlns:a16="http://schemas.microsoft.com/office/drawing/2014/main" id="{2A9E241B-42FD-46FF-B474-78B003BD4BDE}"/>
+                <a16:creationId xmlns:a16="http://schemas.microsoft.com/office/drawing/2014/main" id="{8AB7A475-48E3-44FB-BE01-8F06C7CE7EA3}"/>
               </a:ext>
             </a:extLst>
           </p:cNvPr>
@@ -3231,7 +2883,7 @@
           <p:cNvPr id="4" name="日期占位符 3">
             <a:extLst>
               <a:ext uri="{FF2B5EF4-FFF2-40B4-BE49-F238E27FC236}">
-                <a16:creationId xmlns:a16="http://schemas.microsoft.com/office/drawing/2014/main" id="{5D2F8075-C11C-4C1B-958F-0526EA1136BF}"/>
+                <a16:creationId xmlns:a16="http://schemas.microsoft.com/office/drawing/2014/main" id="{84F92821-15CF-4542-8BA6-92E667112A95}"/>
               </a:ext>
             </a:extLst>
           </p:cNvPr>
@@ -3265,9 +2917,9 @@
             </a:lvl1pPr>
           </a:lstStyle>
           <a:p>
-            <a:fld id="{BD6F928D-C15F-4A93-A3B9-C0BA77327B50}" type="datetimeFigureOut">
+            <a:fld id="{96E1DB62-5591-459C-811E-C0909BA1BB1E}" type="datetimeFigureOut">
               <a:rPr lang="zh-CN" altLang="en-US" smtClean="0"/>
-              <a:t>2024/10/17</a:t>
+              <a:t>2024/11/23</a:t>
             </a:fld>
             <a:endParaRPr lang="zh-CN" altLang="en-US"/>
           </a:p>
@@ -3278,7 +2930,7 @@
           <p:cNvPr id="5" name="页脚占位符 4">
             <a:extLst>
               <a:ext uri="{FF2B5EF4-FFF2-40B4-BE49-F238E27FC236}">
-                <a16:creationId xmlns:a16="http://schemas.microsoft.com/office/drawing/2014/main" id="{6EEECEC0-37B2-4926-B65A-CF2F127F9E72}"/>
+                <a16:creationId xmlns:a16="http://schemas.microsoft.com/office/drawing/2014/main" id="{0268C764-C88E-479E-AB76-0828D74297A9}"/>
               </a:ext>
             </a:extLst>
           </p:cNvPr>
@@ -3321,7 +2973,7 @@
           <p:cNvPr id="6" name="灯片编号占位符 5">
             <a:extLst>
               <a:ext uri="{FF2B5EF4-FFF2-40B4-BE49-F238E27FC236}">
-                <a16:creationId xmlns:a16="http://schemas.microsoft.com/office/drawing/2014/main" id="{2E3C115D-F1B7-462F-AE93-A28A99A204AE}"/>
+                <a16:creationId xmlns:a16="http://schemas.microsoft.com/office/drawing/2014/main" id="{F114D1B8-457A-4268-88D4-12300C5973E7}"/>
               </a:ext>
             </a:extLst>
           </p:cNvPr>
@@ -3355,7 +3007,7 @@
             </a:lvl1pPr>
           </a:lstStyle>
           <a:p>
-            <a:fld id="{DCF9F7DE-F3F8-4128-81C0-8BA386605225}" type="slidenum">
+            <a:fld id="{9256FA24-0E18-4A71-99C7-AE07E7F361CB}" type="slidenum">
               <a:rPr lang="zh-CN" altLang="en-US" smtClean="0"/>
               <a:t>‹#›</a:t>
             </a:fld>
@@ -3366,23 +3018,23 @@
     </p:spTree>
     <p:extLst>
       <p:ext uri="{BB962C8B-B14F-4D97-AF65-F5344CB8AC3E}">
-        <p14:creationId xmlns:p14="http://schemas.microsoft.com/office/powerpoint/2010/main" val="2708404349"/>
+        <p14:creationId xmlns:p14="http://schemas.microsoft.com/office/powerpoint/2010/main" val="211132076"/>
       </p:ext>
     </p:extLst>
   </p:cSld>
   <p:clrMap bg1="lt1" tx1="dk1" bg2="lt2" tx2="dk2" accent1="accent1" accent2="accent2" accent3="accent3" accent4="accent4" accent5="accent5" accent6="accent6" hlink="hlink" folHlink="folHlink"/>
   <p:sldLayoutIdLst>
-    <p:sldLayoutId id="2147483673" r:id="rId1"/>
-    <p:sldLayoutId id="2147483674" r:id="rId2"/>
-    <p:sldLayoutId id="2147483675" r:id="rId3"/>
-    <p:sldLayoutId id="2147483676" r:id="rId4"/>
-    <p:sldLayoutId id="2147483677" r:id="rId5"/>
-    <p:sldLayoutId id="2147483678" r:id="rId6"/>
-    <p:sldLayoutId id="2147483679" r:id="rId7"/>
-    <p:sldLayoutId id="2147483680" r:id="rId8"/>
-    <p:sldLayoutId id="2147483681" r:id="rId9"/>
-    <p:sldLayoutId id="2147483682" r:id="rId10"/>
-    <p:sldLayoutId id="2147483683" r:id="rId11"/>
+    <p:sldLayoutId id="2147483649" r:id="rId1"/>
+    <p:sldLayoutId id="2147483650" r:id="rId2"/>
+    <p:sldLayoutId id="2147483651" r:id="rId3"/>
+    <p:sldLayoutId id="2147483652" r:id="rId4"/>
+    <p:sldLayoutId id="2147483653" r:id="rId5"/>
+    <p:sldLayoutId id="2147483654" r:id="rId6"/>
+    <p:sldLayoutId id="2147483655" r:id="rId7"/>
+    <p:sldLayoutId id="2147483656" r:id="rId8"/>
+    <p:sldLayoutId id="2147483657" r:id="rId9"/>
+    <p:sldLayoutId id="2147483658" r:id="rId10"/>
+    <p:sldLayoutId id="2147483659" r:id="rId11"/>
   </p:sldLayoutIdLst>
   <p:txStyles>
     <p:titleStyle>
@@ -3700,55 +3352,28 @@
             <p:ph type="ctrTitle"/>
           </p:nvPr>
         </p:nvSpPr>
-        <p:spPr/>
-        <p:txBody>
-          <a:bodyPr/>
-          <a:lstStyle/>
-          <a:p>
+        <p:spPr>
+          <a:xfrm>
+            <a:off x="1524000" y="2548128"/>
+            <a:ext cx="9144000" cy="1255458"/>
+          </a:xfrm>
+        </p:spPr>
+        <p:txBody>
+          <a:bodyPr>
+            <a:normAutofit fontScale="90000"/>
+          </a:bodyPr>
+          <a:lstStyle/>
+          <a:p>
+            <a:r>
+              <a:rPr lang="en-US" altLang="zh-CN" sz="2800" dirty="0"/>
+              <a:t>Research Experience 1</a:t>
+            </a:r>
+            <a:br>
+              <a:rPr lang="en-US" altLang="zh-CN" sz="2800" dirty="0"/>
+            </a:br>
             <a:r>
               <a:rPr lang="en-US" altLang="zh-CN" dirty="0"/>
-              <a:t>Research Experience 1</a:t>
-            </a:r>
-            <a:endParaRPr lang="zh-CN" altLang="en-US" dirty="0"/>
-          </a:p>
-        </p:txBody>
-      </p:sp>
-      <p:sp>
-        <p:nvSpPr>
-          <p:cNvPr id="3" name="副标题 2">
-            <a:extLst>
-              <a:ext uri="{FF2B5EF4-FFF2-40B4-BE49-F238E27FC236}">
-                <a16:creationId xmlns:a16="http://schemas.microsoft.com/office/drawing/2014/main" id="{DB150ECC-C181-4BC2-B6B5-755E448152FB}"/>
-              </a:ext>
-            </a:extLst>
-          </p:cNvPr>
-          <p:cNvSpPr>
-            <a:spLocks noGrp="1"/>
-          </p:cNvSpPr>
-          <p:nvPr>
-            <p:ph type="subTitle" idx="1"/>
-          </p:nvPr>
-        </p:nvSpPr>
-        <p:spPr/>
-        <p:txBody>
-          <a:bodyPr/>
-          <a:lstStyle/>
-          <a:p>
-            <a:r>
-              <a:rPr lang="en-US" altLang="zh-CN" dirty="0"/>
-              <a:t>With </a:t>
-            </a:r>
-            <a:r>
-              <a:rPr lang="en-US" altLang="zh-CN" dirty="0" err="1"/>
-              <a:t>Jin</a:t>
-            </a:r>
-            <a:r>
-              <a:rPr lang="en-US" altLang="zh-CN" dirty="0"/>
-              <a:t>-Han </a:t>
-            </a:r>
-            <a:r>
-              <a:rPr lang="en-US" altLang="zh-CN" dirty="0" err="1"/>
-              <a:t>Xie</a:t>
+              <a:t>Topography in 2-D turbulence</a:t>
             </a:r>
             <a:endParaRPr lang="zh-CN" altLang="en-US" dirty="0"/>
           </a:p>
@@ -3758,6 +3383,324 @@
     <p:extLst>
       <p:ext uri="{BB962C8B-B14F-4D97-AF65-F5344CB8AC3E}">
         <p14:creationId xmlns:p14="http://schemas.microsoft.com/office/powerpoint/2010/main" val="3872007433"/>
+      </p:ext>
+    </p:extLst>
+  </p:cSld>
+  <p:clrMapOvr>
+    <a:masterClrMapping/>
+  </p:clrMapOvr>
+</p:sld>
+</file>
+
+<file path=ppt/slides/slide10.xml><?xml version="1.0" encoding="utf-8"?>
+<p:sld xmlns:a="http://schemas.openxmlformats.org/drawingml/2006/main" xmlns:r="http://schemas.openxmlformats.org/officeDocument/2006/relationships" xmlns:p="http://schemas.openxmlformats.org/presentationml/2006/main">
+  <p:cSld>
+    <p:spTree>
+      <p:nvGrpSpPr>
+        <p:cNvPr id="1" name=""/>
+        <p:cNvGrpSpPr/>
+        <p:nvPr/>
+      </p:nvGrpSpPr>
+      <p:grpSpPr>
+        <a:xfrm>
+          <a:off x="0" y="0"/>
+          <a:ext cx="0" cy="0"/>
+          <a:chOff x="0" y="0"/>
+          <a:chExt cx="0" cy="0"/>
+        </a:xfrm>
+      </p:grpSpPr>
+      <p:sp>
+        <p:nvSpPr>
+          <p:cNvPr id="2" name="标题 1">
+            <a:extLst>
+              <a:ext uri="{FF2B5EF4-FFF2-40B4-BE49-F238E27FC236}">
+                <a16:creationId xmlns:a16="http://schemas.microsoft.com/office/drawing/2014/main" id="{8EDF7EEF-616B-4FAB-A913-5F1A2C55DCCD}"/>
+              </a:ext>
+            </a:extLst>
+          </p:cNvPr>
+          <p:cNvSpPr>
+            <a:spLocks noGrp="1"/>
+          </p:cNvSpPr>
+          <p:nvPr>
+            <p:ph type="title"/>
+          </p:nvPr>
+        </p:nvSpPr>
+        <p:spPr>
+          <a:xfrm>
+            <a:off x="426720" y="36576"/>
+            <a:ext cx="10515600" cy="1325563"/>
+          </a:xfrm>
+        </p:spPr>
+        <p:txBody>
+          <a:bodyPr/>
+          <a:lstStyle/>
+          <a:p>
+            <a:r>
+              <a:rPr lang="en-US" altLang="zh-CN" dirty="0"/>
+              <a:t>Personal gains</a:t>
+            </a:r>
+            <a:endParaRPr lang="zh-CN" altLang="en-US" dirty="0"/>
+          </a:p>
+        </p:txBody>
+      </p:sp>
+      <p:sp>
+        <p:nvSpPr>
+          <p:cNvPr id="3" name="内容占位符 2">
+            <a:extLst>
+              <a:ext uri="{FF2B5EF4-FFF2-40B4-BE49-F238E27FC236}">
+                <a16:creationId xmlns:a16="http://schemas.microsoft.com/office/drawing/2014/main" id="{F626AF55-FAC0-49E6-9A5A-D291A7E4C796}"/>
+              </a:ext>
+            </a:extLst>
+          </p:cNvPr>
+          <p:cNvSpPr>
+            <a:spLocks noGrp="1"/>
+          </p:cNvSpPr>
+          <p:nvPr>
+            <p:ph idx="1"/>
+          </p:nvPr>
+        </p:nvSpPr>
+        <p:spPr>
+          <a:xfrm>
+            <a:off x="886968" y="1581595"/>
+            <a:ext cx="10418064" cy="4038917"/>
+          </a:xfrm>
+        </p:spPr>
+        <p:txBody>
+          <a:bodyPr>
+            <a:noAutofit/>
+          </a:bodyPr>
+          <a:lstStyle/>
+          <a:p>
+            <a:pPr marL="514350" indent="-514350">
+              <a:lnSpc>
+                <a:spcPct val="150000"/>
+              </a:lnSpc>
+              <a:buAutoNum type="arabicParenBoth"/>
+            </a:pPr>
+            <a:r>
+              <a:rPr lang="en-US" altLang="zh-CN" sz="2400" dirty="0"/>
+              <a:t>I have mastered the basic theory of turbulence and gained a deeper understanding of classical theories such as those by Kolmogorov.</a:t>
+            </a:r>
+          </a:p>
+          <a:p>
+            <a:pPr marL="514350" indent="-514350">
+              <a:lnSpc>
+                <a:spcPct val="150000"/>
+              </a:lnSpc>
+              <a:buAutoNum type="arabicParenBoth"/>
+            </a:pPr>
+            <a:r>
+              <a:rPr lang="en-US" altLang="zh-CN" sz="2400" dirty="0"/>
+              <a:t>I have reviewed the methods of using MATLAB to solve computational fluid dynamics problems.</a:t>
+            </a:r>
+          </a:p>
+          <a:p>
+            <a:pPr marL="514350" indent="-514350">
+              <a:lnSpc>
+                <a:spcPct val="150000"/>
+              </a:lnSpc>
+              <a:buAutoNum type="arabicParenBoth"/>
+            </a:pPr>
+            <a:r>
+              <a:rPr lang="en-US" altLang="zh-CN" sz="2400" dirty="0"/>
+              <a:t> have improved my skills in literature research, as well as in communication and discussions with my professors.</a:t>
+            </a:r>
+            <a:endParaRPr lang="zh-CN" altLang="en-US" sz="2400" dirty="0"/>
+          </a:p>
+        </p:txBody>
+      </p:sp>
+    </p:spTree>
+    <p:extLst>
+      <p:ext uri="{BB962C8B-B14F-4D97-AF65-F5344CB8AC3E}">
+        <p14:creationId xmlns:p14="http://schemas.microsoft.com/office/powerpoint/2010/main" val="2972823960"/>
+      </p:ext>
+    </p:extLst>
+  </p:cSld>
+  <p:clrMapOvr>
+    <a:masterClrMapping/>
+  </p:clrMapOvr>
+</p:sld>
+</file>
+
+<file path=ppt/slides/slide11.xml><?xml version="1.0" encoding="utf-8"?>
+<p:sld xmlns:a="http://schemas.openxmlformats.org/drawingml/2006/main" xmlns:r="http://schemas.openxmlformats.org/officeDocument/2006/relationships" xmlns:p="http://schemas.openxmlformats.org/presentationml/2006/main">
+  <p:cSld>
+    <p:spTree>
+      <p:nvGrpSpPr>
+        <p:cNvPr id="1" name=""/>
+        <p:cNvGrpSpPr/>
+        <p:nvPr/>
+      </p:nvGrpSpPr>
+      <p:grpSpPr>
+        <a:xfrm>
+          <a:off x="0" y="0"/>
+          <a:ext cx="0" cy="0"/>
+          <a:chOff x="0" y="0"/>
+          <a:chExt cx="0" cy="0"/>
+        </a:xfrm>
+      </p:grpSpPr>
+      <p:sp>
+        <p:nvSpPr>
+          <p:cNvPr id="2" name="标题 1">
+            <a:extLst>
+              <a:ext uri="{FF2B5EF4-FFF2-40B4-BE49-F238E27FC236}">
+                <a16:creationId xmlns:a16="http://schemas.microsoft.com/office/drawing/2014/main" id="{B4613D68-8389-431E-A768-95049280A996}"/>
+              </a:ext>
+            </a:extLst>
+          </p:cNvPr>
+          <p:cNvSpPr>
+            <a:spLocks noGrp="1"/>
+          </p:cNvSpPr>
+          <p:nvPr>
+            <p:ph type="title"/>
+          </p:nvPr>
+        </p:nvSpPr>
+        <p:spPr>
+          <a:xfrm>
+            <a:off x="225641" y="0"/>
+            <a:ext cx="10515600" cy="1325563"/>
+          </a:xfrm>
+        </p:spPr>
+        <p:txBody>
+          <a:bodyPr/>
+          <a:lstStyle/>
+          <a:p>
+            <a:r>
+              <a:rPr lang="en-US" altLang="zh-CN" b="1" dirty="0"/>
+              <a:t>Reference</a:t>
+            </a:r>
+            <a:endParaRPr lang="zh-CN" altLang="en-US" b="1" dirty="0"/>
+          </a:p>
+        </p:txBody>
+      </p:sp>
+      <p:sp>
+        <p:nvSpPr>
+          <p:cNvPr id="3" name="内容占位符 2">
+            <a:extLst>
+              <a:ext uri="{FF2B5EF4-FFF2-40B4-BE49-F238E27FC236}">
+                <a16:creationId xmlns:a16="http://schemas.microsoft.com/office/drawing/2014/main" id="{FAD679AD-BA97-44A2-9B12-E1868F36629C}"/>
+              </a:ext>
+            </a:extLst>
+          </p:cNvPr>
+          <p:cNvSpPr>
+            <a:spLocks noGrp="1"/>
+          </p:cNvSpPr>
+          <p:nvPr>
+            <p:ph idx="1"/>
+          </p:nvPr>
+        </p:nvSpPr>
+        <p:spPr>
+          <a:xfrm>
+            <a:off x="225640" y="1253331"/>
+            <a:ext cx="11865746" cy="5156348"/>
+          </a:xfrm>
+        </p:spPr>
+        <p:txBody>
+          <a:bodyPr>
+            <a:normAutofit/>
+          </a:bodyPr>
+          <a:lstStyle/>
+          <a:p>
+            <a:pPr marL="0" indent="0">
+              <a:buNone/>
+            </a:pPr>
+            <a:r>
+              <a:rPr lang="en-US" altLang="zh-CN" dirty="0"/>
+              <a:t>[1] </a:t>
+            </a:r>
+            <a:r>
+              <a:rPr lang="pt-BR" altLang="zh-CN" dirty="0"/>
+              <a:t>Erik </a:t>
+            </a:r>
+            <a:r>
+              <a:rPr lang="en-US" altLang="zh-CN" dirty="0"/>
+              <a:t>Lindborg, Can the atmospheric kinetic energy spectrum be explained by two-dimensional turbulence, </a:t>
+            </a:r>
+            <a:r>
+              <a:rPr lang="nl-NL" altLang="zh-CN" dirty="0"/>
+              <a:t>J. Fluid Mech. (1999), vol. 388, pp. 259–288.</a:t>
+            </a:r>
+            <a:endParaRPr lang="en-US" altLang="zh-CN" dirty="0"/>
+          </a:p>
+          <a:p>
+            <a:pPr marL="0" indent="0">
+              <a:buNone/>
+            </a:pPr>
+            <a:r>
+              <a:rPr lang="en-US" altLang="zh-CN" dirty="0"/>
+              <a:t>[2] </a:t>
+            </a:r>
+            <a:r>
+              <a:rPr lang="sv-SE" altLang="zh-CN" dirty="0"/>
+              <a:t>Jin-Han Xie and Oliver Bühler,</a:t>
+            </a:r>
+            <a:r>
+              <a:rPr lang="en-US" altLang="zh-CN" dirty="0"/>
+              <a:t> Exact third-order structure functions for two-dimensional turbulence,</a:t>
+            </a:r>
+            <a:r>
+              <a:rPr lang="nl-NL" altLang="zh-CN" dirty="0"/>
+              <a:t> J. Fluid Mech. (2018), vol. 851, pp. 672–686.</a:t>
+            </a:r>
+            <a:endParaRPr lang="en-US" altLang="zh-CN" dirty="0"/>
+          </a:p>
+          <a:p>
+            <a:pPr marL="0" indent="0">
+              <a:buNone/>
+            </a:pPr>
+            <a:r>
+              <a:rPr lang="en-US" altLang="zh-CN" dirty="0"/>
+              <a:t>[3] Lin-Fan Zhang and </a:t>
+            </a:r>
+            <a:r>
+              <a:rPr lang="en-US" altLang="zh-CN" dirty="0" err="1"/>
+              <a:t>Jin</a:t>
+            </a:r>
+            <a:r>
+              <a:rPr lang="en-US" altLang="zh-CN" dirty="0"/>
+              <a:t>-Han </a:t>
+            </a:r>
+            <a:r>
+              <a:rPr lang="en-US" altLang="zh-CN" dirty="0" err="1"/>
+              <a:t>Xie</a:t>
+            </a:r>
+            <a:r>
+              <a:rPr lang="en-US" altLang="zh-CN" dirty="0"/>
+              <a:t>, Spectral condensation and bidirectional energy transfer in quasi-geostrophic turbulence above small-scale topography, Phys. Fluids 36, 086601 (2024)</a:t>
+            </a:r>
+          </a:p>
+          <a:p>
+            <a:pPr marL="0" indent="0">
+              <a:buNone/>
+            </a:pPr>
+            <a:r>
+              <a:rPr lang="en-US" altLang="zh-CN" dirty="0"/>
+              <a:t>[4] Lennard Miller, Bruno </a:t>
+            </a:r>
+            <a:r>
+              <a:rPr lang="en-US" altLang="zh-CN" dirty="0" err="1"/>
+              <a:t>Deremble</a:t>
+            </a:r>
+            <a:r>
+              <a:rPr lang="en-US" altLang="zh-CN" dirty="0"/>
+              <a:t>, and Antoine </a:t>
+            </a:r>
+            <a:r>
+              <a:rPr lang="en-US" altLang="zh-CN" dirty="0" err="1"/>
+              <a:t>Venaille</a:t>
+            </a:r>
+            <a:r>
+              <a:rPr lang="en-US" altLang="zh-CN" dirty="0"/>
+              <a:t>, Gyre Turbulence: Anomalous Dissipation in a Two-Dimensional Ocean Model</a:t>
+            </a:r>
+            <a:endParaRPr lang="zh-CN" altLang="en-US" dirty="0"/>
+          </a:p>
+        </p:txBody>
+      </p:sp>
+    </p:spTree>
+    <p:extLst>
+      <p:ext uri="{BB962C8B-B14F-4D97-AF65-F5344CB8AC3E}">
+        <p14:creationId xmlns:p14="http://schemas.microsoft.com/office/powerpoint/2010/main" val="883056796"/>
       </p:ext>
     </p:extLst>
   </p:cSld>
@@ -3789,7 +3732,7 @@
           <p:cNvPr id="2" name="标题 1">
             <a:extLst>
               <a:ext uri="{FF2B5EF4-FFF2-40B4-BE49-F238E27FC236}">
-                <a16:creationId xmlns:a16="http://schemas.microsoft.com/office/drawing/2014/main" id="{4173234F-7AB8-46D6-95D1-0BA7974176C1}"/>
+                <a16:creationId xmlns:a16="http://schemas.microsoft.com/office/drawing/2014/main" id="{8EDF7EEF-616B-4FAB-A913-5F1A2C55DCCD}"/>
               </a:ext>
             </a:extLst>
           </p:cNvPr>
@@ -3802,23 +3745,18 @@
         </p:nvSpPr>
         <p:spPr>
           <a:xfrm>
-            <a:off x="838200" y="587067"/>
+            <a:off x="426720" y="36576"/>
             <a:ext cx="10515600" cy="1325563"/>
           </a:xfrm>
         </p:spPr>
         <p:txBody>
-          <a:bodyPr>
-            <a:normAutofit/>
-          </a:bodyPr>
+          <a:bodyPr/>
           <a:lstStyle/>
           <a:p>
             <a:r>
               <a:rPr lang="en-US" altLang="zh-CN" dirty="0"/>
-              <a:t>2-D turbulence</a:t>
-            </a:r>
-            <a:br>
-              <a:rPr lang="en-US" altLang="zh-CN" dirty="0"/>
-            </a:br>
+              <a:t>Abstract</a:t>
+            </a:r>
             <a:endParaRPr lang="zh-CN" altLang="en-US" dirty="0"/>
           </a:p>
         </p:txBody>
@@ -3828,7 +3766,7 @@
           <p:cNvPr id="3" name="内容占位符 2">
             <a:extLst>
               <a:ext uri="{FF2B5EF4-FFF2-40B4-BE49-F238E27FC236}">
-                <a16:creationId xmlns:a16="http://schemas.microsoft.com/office/drawing/2014/main" id="{BF784C3D-6D53-471B-86BD-F27CA430CDEC}"/>
+                <a16:creationId xmlns:a16="http://schemas.microsoft.com/office/drawing/2014/main" id="{F626AF55-FAC0-49E6-9A5A-D291A7E4C796}"/>
               </a:ext>
             </a:extLst>
           </p:cNvPr>
@@ -3841,575 +3779,34 @@
         </p:nvSpPr>
         <p:spPr>
           <a:xfrm>
-            <a:off x="776056" y="1594806"/>
-            <a:ext cx="10515600" cy="4351338"/>
+            <a:off x="886968" y="1581595"/>
+            <a:ext cx="10418064" cy="4038917"/>
           </a:xfrm>
         </p:spPr>
         <p:txBody>
           <a:bodyPr>
-            <a:normAutofit/>
+            <a:noAutofit/>
           </a:bodyPr>
           <a:lstStyle/>
           <a:p>
             <a:pPr marL="0" indent="0">
+              <a:lnSpc>
+                <a:spcPct val="150000"/>
+              </a:lnSpc>
               <a:buNone/>
             </a:pPr>
             <a:r>
-              <a:rPr lang="en-US" altLang="zh-CN" sz="2400" dirty="0"/>
-              <a:t>Unlike three-dimensional turbulence, two-dimensional turbulence lacks vortex stretching, resulting in many unusual behaviors. In three-dimensional turbulence, the famous Kolmogorov’s 4/5th inertial range law and the energy cascade phenomenon are well-known. By leveraging the conservation of energy and </a:t>
-            </a:r>
-            <a:r>
-              <a:rPr lang="en-US" altLang="zh-CN" sz="2400" dirty="0" err="1"/>
-              <a:t>enstrophy</a:t>
-            </a:r>
-            <a:r>
-              <a:rPr lang="en-US" altLang="zh-CN" sz="2400" dirty="0"/>
-              <a:t> in two-dimensional turbulence, we can derive the form of the energy spectrum within a certain range and the phenomenon of inverse energy cascade.</a:t>
-            </a:r>
-          </a:p>
-        </p:txBody>
-      </p:sp>
-      <mc:AlternateContent xmlns:mc="http://schemas.openxmlformats.org/markup-compatibility/2006" xmlns:a14="http://schemas.microsoft.com/office/drawing/2010/main">
-        <mc:Choice Requires="a14">
-          <p:sp>
-            <p:nvSpPr>
-              <p:cNvPr id="4" name="文本框 3">
-                <a:extLst>
-                  <a:ext uri="{FF2B5EF4-FFF2-40B4-BE49-F238E27FC236}">
-                    <a16:creationId xmlns:a16="http://schemas.microsoft.com/office/drawing/2014/main" id="{848BA783-8E4A-4C9F-8542-4A2092780B24}"/>
-                  </a:ext>
-                </a:extLst>
-              </p:cNvPr>
-              <p:cNvSpPr txBox="1"/>
-              <p:nvPr/>
-            </p:nvSpPr>
-            <p:spPr>
-              <a:xfrm>
-                <a:off x="838200" y="4339909"/>
-                <a:ext cx="9699594" cy="1154611"/>
-              </a:xfrm>
-              <a:prstGeom prst="rect">
-                <a:avLst/>
-              </a:prstGeom>
-              <a:noFill/>
-            </p:spPr>
-            <p:txBody>
-              <a:bodyPr wrap="square" rtlCol="0">
-                <a:spAutoFit/>
-              </a:bodyPr>
-              <a:lstStyle/>
-              <a:p>
-                <a:r>
-                  <a:rPr lang="en-US" altLang="zh-CN" dirty="0"/>
-                  <a:t>3-D(Homogeneous, isotropic):</a:t>
-                </a:r>
-                <a14:m>
-                  <m:oMath xmlns:m="http://schemas.openxmlformats.org/officeDocument/2006/math">
-                    <m:sSub>
-                      <m:sSubPr>
-                        <m:ctrlPr>
-                          <a:rPr lang="en-US" altLang="zh-CN" i="1" smtClean="0">
-                            <a:latin typeface="Cambria Math" panose="02040503050406030204" pitchFamily="18" charset="0"/>
-                          </a:rPr>
-                        </m:ctrlPr>
-                      </m:sSubPr>
-                      <m:e>
-                        <m:r>
-                          <a:rPr lang="en-US" altLang="zh-CN" b="0" i="1" smtClean="0">
-                            <a:latin typeface="Cambria Math" panose="02040503050406030204" pitchFamily="18" charset="0"/>
-                          </a:rPr>
-                          <m:t> </m:t>
-                        </m:r>
-                        <m:r>
-                          <a:rPr lang="en-US" altLang="zh-CN" b="0" i="1" smtClean="0">
-                            <a:latin typeface="Cambria Math" panose="02040503050406030204" pitchFamily="18" charset="0"/>
-                          </a:rPr>
-                          <m:t>𝑆</m:t>
-                        </m:r>
-                      </m:e>
-                      <m:sub>
-                        <m:r>
-                          <a:rPr lang="en-US" altLang="zh-CN" b="0" i="1" smtClean="0">
-                            <a:latin typeface="Cambria Math" panose="02040503050406030204" pitchFamily="18" charset="0"/>
-                          </a:rPr>
-                          <m:t>𝐿</m:t>
-                        </m:r>
-                      </m:sub>
-                    </m:sSub>
-                    <m:d>
-                      <m:dPr>
-                        <m:ctrlPr>
-                          <a:rPr lang="en-US" altLang="zh-CN" b="0" i="1" smtClean="0">
-                            <a:latin typeface="Cambria Math" panose="02040503050406030204" pitchFamily="18" charset="0"/>
-                          </a:rPr>
-                        </m:ctrlPr>
-                      </m:dPr>
-                      <m:e>
-                        <m:r>
-                          <m:rPr>
-                            <m:sty m:val="p"/>
-                          </m:rPr>
-                          <a:rPr lang="en-US" altLang="zh-CN" i="1">
-                            <a:latin typeface="Cambria Math" panose="02040503050406030204" pitchFamily="18" charset="0"/>
-                          </a:rPr>
-                          <m:t>r</m:t>
-                        </m:r>
-                      </m:e>
-                    </m:d>
-                    <m:r>
-                      <a:rPr lang="en-US" altLang="zh-CN" b="0" i="1" smtClean="0">
-                        <a:latin typeface="Cambria Math" panose="02040503050406030204" pitchFamily="18" charset="0"/>
-                      </a:rPr>
-                      <m:t>=−</m:t>
-                    </m:r>
-                    <m:f>
-                      <m:fPr>
-                        <m:ctrlPr>
-                          <a:rPr lang="en-US" altLang="zh-CN" b="0" i="1" smtClean="0">
-                            <a:latin typeface="Cambria Math" panose="02040503050406030204" pitchFamily="18" charset="0"/>
-                          </a:rPr>
-                        </m:ctrlPr>
-                      </m:fPr>
-                      <m:num>
-                        <m:r>
-                          <a:rPr lang="en-US" altLang="zh-CN" b="0" i="1" smtClean="0">
-                            <a:latin typeface="Cambria Math" panose="02040503050406030204" pitchFamily="18" charset="0"/>
-                          </a:rPr>
-                          <m:t>4</m:t>
-                        </m:r>
-                      </m:num>
-                      <m:den>
-                        <m:r>
-                          <a:rPr lang="en-US" altLang="zh-CN" b="0" i="1" smtClean="0">
-                            <a:latin typeface="Cambria Math" panose="02040503050406030204" pitchFamily="18" charset="0"/>
-                          </a:rPr>
-                          <m:t>5</m:t>
-                        </m:r>
-                      </m:den>
-                    </m:f>
-                    <m:r>
-                      <a:rPr lang="zh-CN" altLang="en-US" b="0" i="1" smtClean="0">
-                        <a:latin typeface="Cambria Math" panose="02040503050406030204" pitchFamily="18" charset="0"/>
-                      </a:rPr>
-                      <m:t>𝜀</m:t>
-                    </m:r>
-                    <m:r>
-                      <a:rPr lang="en-US" altLang="zh-CN" b="0" i="1" smtClean="0">
-                        <a:latin typeface="Cambria Math" panose="02040503050406030204" pitchFamily="18" charset="0"/>
-                      </a:rPr>
-                      <m:t>𝑟</m:t>
-                    </m:r>
-                  </m:oMath>
-                </a14:m>
-                <a:r>
-                  <a:rPr lang="en-US" altLang="zh-CN" dirty="0"/>
-                  <a:t> and </a:t>
-                </a:r>
-                <a14:m>
-                  <m:oMath xmlns:m="http://schemas.openxmlformats.org/officeDocument/2006/math">
-                    <m:sSub>
-                      <m:sSubPr>
-                        <m:ctrlPr>
-                          <a:rPr lang="en-US" altLang="zh-CN" i="1">
-                            <a:latin typeface="Cambria Math" panose="02040503050406030204" pitchFamily="18" charset="0"/>
-                          </a:rPr>
-                        </m:ctrlPr>
-                      </m:sSubPr>
-                      <m:e>
-                        <m:r>
-                          <a:rPr lang="en-US" altLang="zh-CN" i="1">
-                            <a:latin typeface="Cambria Math" panose="02040503050406030204" pitchFamily="18" charset="0"/>
-                          </a:rPr>
-                          <m:t> </m:t>
-                        </m:r>
-                        <m:r>
-                          <a:rPr lang="en-US" altLang="zh-CN" i="1">
-                            <a:latin typeface="Cambria Math" panose="02040503050406030204" pitchFamily="18" charset="0"/>
-                          </a:rPr>
-                          <m:t>𝑆</m:t>
-                        </m:r>
-                      </m:e>
-                      <m:sub>
-                        <m:r>
-                          <a:rPr lang="en-US" altLang="zh-CN" b="0" i="1" smtClean="0">
-                            <a:latin typeface="Cambria Math" panose="02040503050406030204" pitchFamily="18" charset="0"/>
-                          </a:rPr>
-                          <m:t>𝑇</m:t>
-                        </m:r>
-                      </m:sub>
-                    </m:sSub>
-                    <m:d>
-                      <m:dPr>
-                        <m:ctrlPr>
-                          <a:rPr lang="en-US" altLang="zh-CN" i="1">
-                            <a:latin typeface="Cambria Math" panose="02040503050406030204" pitchFamily="18" charset="0"/>
-                          </a:rPr>
-                        </m:ctrlPr>
-                      </m:dPr>
-                      <m:e>
-                        <m:r>
-                          <m:rPr>
-                            <m:sty m:val="p"/>
-                          </m:rPr>
-                          <a:rPr lang="en-US" altLang="zh-CN" i="1">
-                            <a:latin typeface="Cambria Math" panose="02040503050406030204" pitchFamily="18" charset="0"/>
-                          </a:rPr>
-                          <m:t>r</m:t>
-                        </m:r>
-                      </m:e>
-                    </m:d>
-                    <m:r>
-                      <a:rPr lang="en-US" altLang="zh-CN" i="1">
-                        <a:latin typeface="Cambria Math" panose="02040503050406030204" pitchFamily="18" charset="0"/>
-                      </a:rPr>
-                      <m:t>=−</m:t>
-                    </m:r>
-                    <m:f>
-                      <m:fPr>
-                        <m:ctrlPr>
-                          <a:rPr lang="en-US" altLang="zh-CN" i="1">
-                            <a:latin typeface="Cambria Math" panose="02040503050406030204" pitchFamily="18" charset="0"/>
-                          </a:rPr>
-                        </m:ctrlPr>
-                      </m:fPr>
-                      <m:num>
-                        <m:r>
-                          <a:rPr lang="en-US" altLang="zh-CN" i="1">
-                            <a:latin typeface="Cambria Math" panose="02040503050406030204" pitchFamily="18" charset="0"/>
-                          </a:rPr>
-                          <m:t>4</m:t>
-                        </m:r>
-                      </m:num>
-                      <m:den>
-                        <m:r>
-                          <a:rPr lang="en-US" altLang="zh-CN" b="0" i="1" smtClean="0">
-                            <a:latin typeface="Cambria Math" panose="02040503050406030204" pitchFamily="18" charset="0"/>
-                          </a:rPr>
-                          <m:t>1</m:t>
-                        </m:r>
-                        <m:r>
-                          <a:rPr lang="en-US" altLang="zh-CN" i="1">
-                            <a:latin typeface="Cambria Math" panose="02040503050406030204" pitchFamily="18" charset="0"/>
-                          </a:rPr>
-                          <m:t>5</m:t>
-                        </m:r>
-                      </m:den>
-                    </m:f>
-                    <m:r>
-                      <a:rPr lang="zh-CN" altLang="en-US" i="1">
-                        <a:latin typeface="Cambria Math" panose="02040503050406030204" pitchFamily="18" charset="0"/>
-                      </a:rPr>
-                      <m:t>𝜀</m:t>
-                    </m:r>
-                    <m:r>
-                      <a:rPr lang="en-US" altLang="zh-CN" i="1">
-                        <a:latin typeface="Cambria Math" panose="02040503050406030204" pitchFamily="18" charset="0"/>
-                      </a:rPr>
-                      <m:t>𝑟</m:t>
-                    </m:r>
-                  </m:oMath>
-                </a14:m>
-                <a:r>
-                  <a:rPr lang="en-US" altLang="zh-CN" dirty="0"/>
-                  <a:t> (inertial range)</a:t>
-                </a:r>
-              </a:p>
-              <a:p>
-                <a:endParaRPr lang="en-US" altLang="zh-CN" dirty="0"/>
-              </a:p>
-              <a:p>
-                <a:r>
-                  <a:rPr lang="en-US" altLang="zh-CN" dirty="0"/>
-                  <a:t>2-D(Homogeneous, isotropic): </a:t>
-                </a:r>
-                <a14:m>
-                  <m:oMath xmlns:m="http://schemas.openxmlformats.org/officeDocument/2006/math">
-                    <m:sSub>
-                      <m:sSubPr>
-                        <m:ctrlPr>
-                          <a:rPr lang="en-US" altLang="zh-CN" i="1" smtClean="0">
-                            <a:latin typeface="Cambria Math" panose="02040503050406030204" pitchFamily="18" charset="0"/>
-                          </a:rPr>
-                        </m:ctrlPr>
-                      </m:sSubPr>
-                      <m:e>
-                        <m:r>
-                          <a:rPr lang="en-US" altLang="zh-CN" b="0" i="1" smtClean="0">
-                            <a:latin typeface="Cambria Math" panose="02040503050406030204" pitchFamily="18" charset="0"/>
-                          </a:rPr>
-                          <m:t>𝑆</m:t>
-                        </m:r>
-                      </m:e>
-                      <m:sub>
-                        <m:r>
-                          <a:rPr lang="en-US" altLang="zh-CN" b="0" i="1" smtClean="0">
-                            <a:latin typeface="Cambria Math" panose="02040503050406030204" pitchFamily="18" charset="0"/>
-                          </a:rPr>
-                          <m:t>𝐿</m:t>
-                        </m:r>
-                      </m:sub>
-                    </m:sSub>
-                    <m:d>
-                      <m:dPr>
-                        <m:ctrlPr>
-                          <a:rPr lang="en-US" altLang="zh-CN" b="0" i="1" smtClean="0">
-                            <a:latin typeface="Cambria Math" panose="02040503050406030204" pitchFamily="18" charset="0"/>
-                          </a:rPr>
-                        </m:ctrlPr>
-                      </m:dPr>
-                      <m:e>
-                        <m:r>
-                          <m:rPr>
-                            <m:sty m:val="p"/>
-                          </m:rPr>
-                          <a:rPr lang="en-US" altLang="zh-CN" i="1">
-                            <a:latin typeface="Cambria Math" panose="02040503050406030204" pitchFamily="18" charset="0"/>
-                          </a:rPr>
-                          <m:t>r</m:t>
-                        </m:r>
-                      </m:e>
-                    </m:d>
-                    <m:r>
-                      <a:rPr lang="en-US" altLang="zh-CN" b="0" i="1" smtClean="0">
-                        <a:latin typeface="Cambria Math" panose="02040503050406030204" pitchFamily="18" charset="0"/>
-                      </a:rPr>
-                      <m:t>=</m:t>
-                    </m:r>
-                    <m:f>
-                      <m:fPr>
-                        <m:ctrlPr>
-                          <a:rPr lang="en-US" altLang="zh-CN" b="0" i="1" smtClean="0">
-                            <a:latin typeface="Cambria Math" panose="02040503050406030204" pitchFamily="18" charset="0"/>
-                          </a:rPr>
-                        </m:ctrlPr>
-                      </m:fPr>
-                      <m:num>
-                        <m:r>
-                          <a:rPr lang="en-US" altLang="zh-CN" b="0" i="1" smtClean="0">
-                            <a:latin typeface="Cambria Math" panose="02040503050406030204" pitchFamily="18" charset="0"/>
-                          </a:rPr>
-                          <m:t>1</m:t>
-                        </m:r>
-                      </m:num>
-                      <m:den>
-                        <m:r>
-                          <a:rPr lang="en-US" altLang="zh-CN" b="0" i="1" smtClean="0">
-                            <a:latin typeface="Cambria Math" panose="02040503050406030204" pitchFamily="18" charset="0"/>
-                          </a:rPr>
-                          <m:t>8</m:t>
-                        </m:r>
-                      </m:den>
-                    </m:f>
-                    <m:r>
-                      <a:rPr lang="zh-CN" altLang="en-US" b="0" i="1" smtClean="0">
-                        <a:latin typeface="Cambria Math" panose="02040503050406030204" pitchFamily="18" charset="0"/>
-                      </a:rPr>
-                      <m:t>𝜂</m:t>
-                    </m:r>
-                    <m:sSup>
-                      <m:sSupPr>
-                        <m:ctrlPr>
-                          <a:rPr lang="en-US" altLang="zh-CN" b="0" i="1" smtClean="0">
-                            <a:latin typeface="Cambria Math" panose="02040503050406030204" pitchFamily="18" charset="0"/>
-                          </a:rPr>
-                        </m:ctrlPr>
-                      </m:sSupPr>
-                      <m:e>
-                        <m:r>
-                          <a:rPr lang="en-US" altLang="zh-CN" b="0" i="1" smtClean="0">
-                            <a:latin typeface="Cambria Math" panose="02040503050406030204" pitchFamily="18" charset="0"/>
-                          </a:rPr>
-                          <m:t>𝑟</m:t>
-                        </m:r>
-                      </m:e>
-                      <m:sup>
-                        <m:r>
-                          <a:rPr lang="en-US" altLang="zh-CN" b="0" i="1" smtClean="0">
-                            <a:latin typeface="Cambria Math" panose="02040503050406030204" pitchFamily="18" charset="0"/>
-                          </a:rPr>
-                          <m:t>3</m:t>
-                        </m:r>
-                      </m:sup>
-                    </m:sSup>
-                  </m:oMath>
-                </a14:m>
-                <a:r>
-                  <a:rPr lang="zh-CN" altLang="en-US" dirty="0"/>
-                  <a:t> </a:t>
-                </a:r>
-                <a:r>
-                  <a:rPr lang="en-US" altLang="zh-CN" dirty="0"/>
-                  <a:t>and </a:t>
-                </a:r>
-                <a14:m>
-                  <m:oMath xmlns:m="http://schemas.openxmlformats.org/officeDocument/2006/math">
-                    <m:sSub>
-                      <m:sSubPr>
-                        <m:ctrlPr>
-                          <a:rPr lang="en-US" altLang="zh-CN" i="1">
-                            <a:latin typeface="Cambria Math" panose="02040503050406030204" pitchFamily="18" charset="0"/>
-                          </a:rPr>
-                        </m:ctrlPr>
-                      </m:sSubPr>
-                      <m:e>
-                        <m:r>
-                          <a:rPr lang="en-US" altLang="zh-CN" i="1">
-                            <a:latin typeface="Cambria Math" panose="02040503050406030204" pitchFamily="18" charset="0"/>
-                          </a:rPr>
-                          <m:t>𝑆</m:t>
-                        </m:r>
-                      </m:e>
-                      <m:sub>
-                        <m:r>
-                          <a:rPr lang="en-US" altLang="zh-CN" b="0" i="1" smtClean="0">
-                            <a:latin typeface="Cambria Math" panose="02040503050406030204" pitchFamily="18" charset="0"/>
-                          </a:rPr>
-                          <m:t>𝑇</m:t>
-                        </m:r>
-                      </m:sub>
-                    </m:sSub>
-                    <m:d>
-                      <m:dPr>
-                        <m:ctrlPr>
-                          <a:rPr lang="en-US" altLang="zh-CN" i="1">
-                            <a:latin typeface="Cambria Math" panose="02040503050406030204" pitchFamily="18" charset="0"/>
-                          </a:rPr>
-                        </m:ctrlPr>
-                      </m:dPr>
-                      <m:e>
-                        <m:r>
-                          <m:rPr>
-                            <m:sty m:val="p"/>
-                          </m:rPr>
-                          <a:rPr lang="en-US" altLang="zh-CN" i="1">
-                            <a:latin typeface="Cambria Math" panose="02040503050406030204" pitchFamily="18" charset="0"/>
-                          </a:rPr>
-                          <m:t>r</m:t>
-                        </m:r>
-                      </m:e>
-                    </m:d>
-                    <m:r>
-                      <a:rPr lang="en-US" altLang="zh-CN" i="1">
-                        <a:latin typeface="Cambria Math" panose="02040503050406030204" pitchFamily="18" charset="0"/>
-                      </a:rPr>
-                      <m:t>=</m:t>
-                    </m:r>
-                    <m:f>
-                      <m:fPr>
-                        <m:ctrlPr>
-                          <a:rPr lang="en-US" altLang="zh-CN" i="1">
-                            <a:latin typeface="Cambria Math" panose="02040503050406030204" pitchFamily="18" charset="0"/>
-                          </a:rPr>
-                        </m:ctrlPr>
-                      </m:fPr>
-                      <m:num>
-                        <m:r>
-                          <a:rPr lang="en-US" altLang="zh-CN" i="1">
-                            <a:latin typeface="Cambria Math" panose="02040503050406030204" pitchFamily="18" charset="0"/>
-                          </a:rPr>
-                          <m:t>1</m:t>
-                        </m:r>
-                      </m:num>
-                      <m:den>
-                        <m:r>
-                          <a:rPr lang="en-US" altLang="zh-CN" i="1">
-                            <a:latin typeface="Cambria Math" panose="02040503050406030204" pitchFamily="18" charset="0"/>
-                          </a:rPr>
-                          <m:t>8</m:t>
-                        </m:r>
-                      </m:den>
-                    </m:f>
-                    <m:r>
-                      <a:rPr lang="zh-CN" altLang="en-US" i="1">
-                        <a:latin typeface="Cambria Math" panose="02040503050406030204" pitchFamily="18" charset="0"/>
-                      </a:rPr>
-                      <m:t>𝜂</m:t>
-                    </m:r>
-                    <m:sSup>
-                      <m:sSupPr>
-                        <m:ctrlPr>
-                          <a:rPr lang="en-US" altLang="zh-CN" i="1">
-                            <a:latin typeface="Cambria Math" panose="02040503050406030204" pitchFamily="18" charset="0"/>
-                          </a:rPr>
-                        </m:ctrlPr>
-                      </m:sSupPr>
-                      <m:e>
-                        <m:r>
-                          <a:rPr lang="en-US" altLang="zh-CN" i="1">
-                            <a:latin typeface="Cambria Math" panose="02040503050406030204" pitchFamily="18" charset="0"/>
-                          </a:rPr>
-                          <m:t>𝑟</m:t>
-                        </m:r>
-                      </m:e>
-                      <m:sup>
-                        <m:r>
-                          <a:rPr lang="en-US" altLang="zh-CN" i="1">
-                            <a:latin typeface="Cambria Math" panose="02040503050406030204" pitchFamily="18" charset="0"/>
-                          </a:rPr>
-                          <m:t>3</m:t>
-                        </m:r>
-                      </m:sup>
-                    </m:sSup>
-                  </m:oMath>
-                </a14:m>
-                <a:r>
-                  <a:rPr lang="en-US" altLang="zh-CN" dirty="0"/>
-                  <a:t> (inertial range )</a:t>
-                </a:r>
-                <a:endParaRPr lang="zh-CN" altLang="en-US" dirty="0"/>
-              </a:p>
-            </p:txBody>
-          </p:sp>
-        </mc:Choice>
-        <mc:Fallback xmlns="">
-          <p:sp>
-            <p:nvSpPr>
-              <p:cNvPr id="4" name="文本框 3">
-                <a:extLst>
-                  <a:ext uri="{FF2B5EF4-FFF2-40B4-BE49-F238E27FC236}">
-                    <a16:creationId xmlns:a16="http://schemas.microsoft.com/office/drawing/2014/main" id="{848BA783-8E4A-4C9F-8542-4A2092780B24}"/>
-                  </a:ext>
-                </a:extLst>
-              </p:cNvPr>
-              <p:cNvSpPr txBox="1">
-                <a:spLocks noRot="1" noChangeAspect="1" noMove="1" noResize="1" noEditPoints="1" noAdjustHandles="1" noChangeArrowheads="1" noChangeShapeType="1" noTextEdit="1"/>
-              </p:cNvSpPr>
-              <p:nvPr/>
-            </p:nvSpPr>
-            <p:spPr>
-              <a:xfrm>
-                <a:off x="838200" y="4339909"/>
-                <a:ext cx="9699594" cy="1154611"/>
-              </a:xfrm>
-              <a:prstGeom prst="rect">
-                <a:avLst/>
-              </a:prstGeom>
-              <a:blipFill>
-                <a:blip r:embed="rId2"/>
-                <a:stretch>
-                  <a:fillRect l="-566" b="-2646"/>
-                </a:stretch>
-              </a:blipFill>
-            </p:spPr>
-            <p:txBody>
-              <a:bodyPr/>
-              <a:lstStyle/>
-              <a:p>
-                <a:r>
-                  <a:rPr lang="zh-CN" altLang="en-US">
-                    <a:noFill/>
-                  </a:rPr>
-                  <a:t> </a:t>
-                </a:r>
-              </a:p>
-            </p:txBody>
-          </p:sp>
-        </mc:Fallback>
-      </mc:AlternateContent>
+              <a:rPr lang="en-US" altLang="zh-CN" dirty="0"/>
+              <a:t>Seafloor topography is essential for oceanic fluid dynamics from many perspectives, and it is believed to enhance energy dissipation in oceanic flows. This study numerically examines the impact of small-scale topography on the dynamics of quasi-geostrophic barotropic flows. We found that the direction of energy transfer varies depending on the range of topographic amplitude.</a:t>
+            </a:r>
+            <a:endParaRPr lang="zh-CN" altLang="en-US" dirty="0"/>
+          </a:p>
+        </p:txBody>
+      </p:sp>
     </p:spTree>
     <p:extLst>
       <p:ext uri="{BB962C8B-B14F-4D97-AF65-F5344CB8AC3E}">
-        <p14:creationId xmlns:p14="http://schemas.microsoft.com/office/powerpoint/2010/main" val="384606886"/>
+        <p14:creationId xmlns:p14="http://schemas.microsoft.com/office/powerpoint/2010/main" val="3613001520"/>
       </p:ext>
     </p:extLst>
   </p:cSld>
@@ -4441,7 +3838,7 @@
           <p:cNvPr id="2" name="标题 1">
             <a:extLst>
               <a:ext uri="{FF2B5EF4-FFF2-40B4-BE49-F238E27FC236}">
-                <a16:creationId xmlns:a16="http://schemas.microsoft.com/office/drawing/2014/main" id="{4173234F-7AB8-46D6-95D1-0BA7974176C1}"/>
+                <a16:creationId xmlns:a16="http://schemas.microsoft.com/office/drawing/2014/main" id="{8EDF7EEF-616B-4FAB-A913-5F1A2C55DCCD}"/>
               </a:ext>
             </a:extLst>
           </p:cNvPr>
@@ -4454,23 +3851,18 @@
         </p:nvSpPr>
         <p:spPr>
           <a:xfrm>
-            <a:off x="838200" y="587067"/>
+            <a:off x="426720" y="36576"/>
             <a:ext cx="10515600" cy="1325563"/>
           </a:xfrm>
         </p:spPr>
         <p:txBody>
-          <a:bodyPr>
-            <a:normAutofit/>
-          </a:bodyPr>
+          <a:bodyPr/>
           <a:lstStyle/>
           <a:p>
             <a:r>
               <a:rPr lang="en-US" altLang="zh-CN" dirty="0"/>
               <a:t>2-D turbulence</a:t>
             </a:r>
-            <a:br>
-              <a:rPr lang="en-US" altLang="zh-CN" dirty="0"/>
-            </a:br>
             <a:endParaRPr lang="zh-CN" altLang="en-US" dirty="0"/>
           </a:p>
         </p:txBody>
@@ -4480,7 +3872,7 @@
           <p:cNvPr id="3" name="内容占位符 2">
             <a:extLst>
               <a:ext uri="{FF2B5EF4-FFF2-40B4-BE49-F238E27FC236}">
-                <a16:creationId xmlns:a16="http://schemas.microsoft.com/office/drawing/2014/main" id="{BF784C3D-6D53-471B-86BD-F27CA430CDEC}"/>
+                <a16:creationId xmlns:a16="http://schemas.microsoft.com/office/drawing/2014/main" id="{F626AF55-FAC0-49E6-9A5A-D291A7E4C796}"/>
               </a:ext>
             </a:extLst>
           </p:cNvPr>
@@ -4493,38 +3885,113 @@
         </p:nvSpPr>
         <p:spPr>
           <a:xfrm>
-            <a:off x="776056" y="1594806"/>
-            <a:ext cx="10515600" cy="4351338"/>
+            <a:off x="426720" y="1362139"/>
+            <a:ext cx="10515600" cy="893381"/>
           </a:xfrm>
         </p:spPr>
         <p:txBody>
-          <a:bodyPr>
-            <a:normAutofit/>
+          <a:bodyPr/>
+          <a:lstStyle/>
+          <a:p>
+            <a:pPr marL="0" indent="0">
+              <a:buNone/>
+            </a:pPr>
+            <a:r>
+              <a:rPr lang="en-US" altLang="zh-CN" dirty="0"/>
+              <a:t>Unlike three-dimensional turbulence, two-dimensional turbulence lacks vortex stretching, resulting in many unusual behaviors. </a:t>
+            </a:r>
+            <a:endParaRPr lang="zh-CN" altLang="en-US" dirty="0"/>
+          </a:p>
+        </p:txBody>
+      </p:sp>
+      <p:sp>
+        <p:nvSpPr>
+          <p:cNvPr id="5" name="文本框 4">
+            <a:extLst>
+              <a:ext uri="{FF2B5EF4-FFF2-40B4-BE49-F238E27FC236}">
+                <a16:creationId xmlns:a16="http://schemas.microsoft.com/office/drawing/2014/main" id="{2774CFE8-89F5-42C8-A0F5-212279B50F0E}"/>
+              </a:ext>
+            </a:extLst>
+          </p:cNvPr>
+          <p:cNvSpPr txBox="1"/>
+          <p:nvPr/>
+        </p:nvSpPr>
+        <p:spPr>
+          <a:xfrm>
+            <a:off x="475488" y="2553550"/>
+            <a:ext cx="11241024" cy="646331"/>
+          </a:xfrm>
+          <a:prstGeom prst="rect">
+            <a:avLst/>
+          </a:prstGeom>
+          <a:noFill/>
+        </p:spPr>
+        <p:txBody>
+          <a:bodyPr wrap="square" rtlCol="0">
+            <a:spAutoFit/>
           </a:bodyPr>
           <a:lstStyle/>
           <a:p>
-            <a:pPr marL="0" indent="0">
-              <a:buNone/>
-            </a:pPr>
-            <a:r>
-              <a:rPr lang="en-US" altLang="zh-CN" sz="2400" dirty="0"/>
-              <a:t>2-D turbulence spectral energy flux</a:t>
-            </a:r>
-          </a:p>
-          <a:p>
-            <a:pPr marL="0" indent="0">
-              <a:buNone/>
-            </a:pPr>
-            <a:endParaRPr lang="en-US" altLang="zh-CN" sz="2400" dirty="0"/>
+            <a:r>
+              <a:rPr lang="en-US" altLang="zh-CN" dirty="0"/>
+              <a:t>3-D:Kolmogorov’s 4/5th inertial range law             </a:t>
+            </a:r>
+          </a:p>
+          <a:p>
+            <a:r>
+              <a:rPr lang="en-US" altLang="zh-CN" sz="1800" dirty="0"/>
+              <a:t>                        energy cascade</a:t>
+            </a:r>
+            <a:r>
+              <a:rPr lang="en-US" altLang="zh-CN" dirty="0"/>
+              <a:t> </a:t>
+            </a:r>
+            <a:endParaRPr lang="zh-CN" altLang="en-US" dirty="0"/>
+          </a:p>
+        </p:txBody>
+      </p:sp>
+      <p:sp>
+        <p:nvSpPr>
+          <p:cNvPr id="6" name="文本框 5">
+            <a:extLst>
+              <a:ext uri="{FF2B5EF4-FFF2-40B4-BE49-F238E27FC236}">
+                <a16:creationId xmlns:a16="http://schemas.microsoft.com/office/drawing/2014/main" id="{2A081B0D-0118-401D-973B-2A2550D6D775}"/>
+              </a:ext>
+            </a:extLst>
+          </p:cNvPr>
+          <p:cNvSpPr txBox="1"/>
+          <p:nvPr/>
+        </p:nvSpPr>
+        <p:spPr>
+          <a:xfrm>
+            <a:off x="6543473" y="2687702"/>
+            <a:ext cx="10802112" cy="369332"/>
+          </a:xfrm>
+          <a:prstGeom prst="rect">
+            <a:avLst/>
+          </a:prstGeom>
+          <a:noFill/>
+        </p:spPr>
+        <p:txBody>
+          <a:bodyPr wrap="square" rtlCol="0">
+            <a:spAutoFit/>
+          </a:bodyPr>
+          <a:lstStyle/>
+          <a:p>
+            <a:r>
+              <a:rPr lang="en-US" altLang="zh-CN" dirty="0"/>
+              <a:t>2-D:inverse energy cascade   </a:t>
+            </a:r>
+            <a:endParaRPr lang="zh-CN" altLang="en-US" dirty="0"/>
           </a:p>
         </p:txBody>
       </p:sp>
       <p:pic>
         <p:nvPicPr>
-          <p:cNvPr id="6" name="图片 5">
-            <a:extLst>
-              <a:ext uri="{FF2B5EF4-FFF2-40B4-BE49-F238E27FC236}">
-                <a16:creationId xmlns:a16="http://schemas.microsoft.com/office/drawing/2014/main" id="{598202C7-6457-4A60-AA5E-B0980C5A81B7}"/>
+          <p:cNvPr id="8" name="图片 7">
+            <a:extLst>
+              <a:ext uri="{FF2B5EF4-FFF2-40B4-BE49-F238E27FC236}">
+                <a16:creationId xmlns:a16="http://schemas.microsoft.com/office/drawing/2014/main" id="{D5717267-D511-4D0A-BDE8-CFE666EDF71B}"/>
               </a:ext>
             </a:extLst>
           </p:cNvPr>
@@ -4541,8 +4008,8 @@
         </p:blipFill>
         <p:spPr>
           <a:xfrm>
-            <a:off x="838200" y="2221533"/>
-            <a:ext cx="3319046" cy="593115"/>
+            <a:off x="707881" y="3284024"/>
+            <a:ext cx="4354068" cy="3274401"/>
           </a:xfrm>
           <a:prstGeom prst="rect">
             <a:avLst/>
@@ -4551,10 +4018,10 @@
       </p:pic>
       <p:pic>
         <p:nvPicPr>
-          <p:cNvPr id="8" name="图片 7">
-            <a:extLst>
-              <a:ext uri="{FF2B5EF4-FFF2-40B4-BE49-F238E27FC236}">
-                <a16:creationId xmlns:a16="http://schemas.microsoft.com/office/drawing/2014/main" id="{CC41FE75-A6BA-4B39-9604-94639E1ED479}"/>
+          <p:cNvPr id="17" name="图片 16">
+            <a:extLst>
+              <a:ext uri="{FF2B5EF4-FFF2-40B4-BE49-F238E27FC236}">
+                <a16:creationId xmlns:a16="http://schemas.microsoft.com/office/drawing/2014/main" id="{391922E1-6F73-43DC-B322-292E198119C9}"/>
               </a:ext>
             </a:extLst>
           </p:cNvPr>
@@ -4571,8 +4038,8 @@
         </p:blipFill>
         <p:spPr>
           <a:xfrm>
-            <a:off x="4580877" y="2172971"/>
-            <a:ext cx="6105201" cy="716220"/>
+            <a:off x="11331710" y="1822132"/>
+            <a:ext cx="209550" cy="866775"/>
           </a:xfrm>
           <a:prstGeom prst="rect">
             <a:avLst/>
@@ -4581,10 +4048,10 @@
       </p:pic>
       <p:pic>
         <p:nvPicPr>
-          <p:cNvPr id="10" name="图片 9">
-            <a:extLst>
-              <a:ext uri="{FF2B5EF4-FFF2-40B4-BE49-F238E27FC236}">
-                <a16:creationId xmlns:a16="http://schemas.microsoft.com/office/drawing/2014/main" id="{AC8DDA43-0EC5-4C80-AB6B-D34944B1F6F4}"/>
+          <p:cNvPr id="27" name="图片 26">
+            <a:extLst>
+              <a:ext uri="{FF2B5EF4-FFF2-40B4-BE49-F238E27FC236}">
+                <a16:creationId xmlns:a16="http://schemas.microsoft.com/office/drawing/2014/main" id="{6D48102A-4563-466F-A7BD-D0481A4590C7}"/>
               </a:ext>
             </a:extLst>
           </p:cNvPr>
@@ -4601,8 +4068,8 @@
         </p:blipFill>
         <p:spPr>
           <a:xfrm>
-            <a:off x="776056" y="2889191"/>
-            <a:ext cx="6383415" cy="710758"/>
+            <a:off x="9408188" y="5171967"/>
+            <a:ext cx="923925" cy="590550"/>
           </a:xfrm>
           <a:prstGeom prst="rect">
             <a:avLst/>
@@ -4611,10 +4078,10 @@
       </p:pic>
       <p:pic>
         <p:nvPicPr>
-          <p:cNvPr id="12" name="图片 11">
-            <a:extLst>
-              <a:ext uri="{FF2B5EF4-FFF2-40B4-BE49-F238E27FC236}">
-                <a16:creationId xmlns:a16="http://schemas.microsoft.com/office/drawing/2014/main" id="{EEDA1E13-A1C6-49F1-B561-2D5E472606C8}"/>
+          <p:cNvPr id="33" name="图片 32">
+            <a:extLst>
+              <a:ext uri="{FF2B5EF4-FFF2-40B4-BE49-F238E27FC236}">
+                <a16:creationId xmlns:a16="http://schemas.microsoft.com/office/drawing/2014/main" id="{2CD95ACD-CFD6-4405-AFFA-6E4C9DB7AFC5}"/>
               </a:ext>
             </a:extLst>
           </p:cNvPr>
@@ -4631,201 +4098,108 @@
         </p:blipFill>
         <p:spPr>
           <a:xfrm>
-            <a:off x="868833" y="3848985"/>
-            <a:ext cx="3195637" cy="2543175"/>
+            <a:off x="7638644" y="3497911"/>
+            <a:ext cx="190500" cy="514350"/>
           </a:xfrm>
           <a:prstGeom prst="rect">
             <a:avLst/>
           </a:prstGeom>
         </p:spPr>
       </p:pic>
-      <mc:AlternateContent xmlns:mc="http://schemas.openxmlformats.org/markup-compatibility/2006">
-        <mc:Choice xmlns:a14="http://schemas.microsoft.com/office/drawing/2010/main" Requires="a14">
-          <p:sp>
-            <p:nvSpPr>
-              <p:cNvPr id="13" name="文本框 12">
-                <a:extLst>
-                  <a:ext uri="{FF2B5EF4-FFF2-40B4-BE49-F238E27FC236}">
-                    <a16:creationId xmlns:a16="http://schemas.microsoft.com/office/drawing/2014/main" id="{A6BF83B6-5FF5-42F7-A0E8-5F8AC14DCBFA}"/>
-                  </a:ext>
-                </a:extLst>
-              </p:cNvPr>
-              <p:cNvSpPr txBox="1"/>
-              <p:nvPr/>
-            </p:nvSpPr>
-            <p:spPr>
-              <a:xfrm>
-                <a:off x="5948040" y="4893862"/>
-                <a:ext cx="3083047" cy="369332"/>
-              </a:xfrm>
-              <a:prstGeom prst="rect">
-                <a:avLst/>
-              </a:prstGeom>
-              <a:noFill/>
-            </p:spPr>
-            <p:txBody>
-              <a:bodyPr wrap="square" rtlCol="0">
-                <a:spAutoFit/>
-              </a:bodyPr>
-              <a:lstStyle/>
-              <a:p>
-                <a:pPr/>
-                <a14:m>
-                  <m:oMathPara xmlns:m="http://schemas.openxmlformats.org/officeDocument/2006/math">
-                    <m:oMathParaPr>
-                      <m:jc m:val="centerGroup"/>
-                    </m:oMathParaPr>
-                    <m:oMath xmlns:m="http://schemas.openxmlformats.org/officeDocument/2006/math">
-                      <m:sSub>
-                        <m:sSubPr>
-                          <m:ctrlPr>
-                            <a:rPr lang="el-GR" altLang="zh-CN" i="1" smtClean="0">
-                              <a:latin typeface="Cambria Math" panose="02040503050406030204" pitchFamily="18" charset="0"/>
-                              <a:ea typeface="Cambria Math" panose="02040503050406030204" pitchFamily="18" charset="0"/>
-                            </a:rPr>
-                          </m:ctrlPr>
-                        </m:sSubPr>
-                        <m:e>
-                          <m:r>
-                            <a:rPr lang="el-GR" altLang="zh-CN" i="1">
-                              <a:latin typeface="Cambria Math" panose="02040503050406030204" pitchFamily="18" charset="0"/>
-                              <a:ea typeface="Cambria Math" panose="02040503050406030204" pitchFamily="18" charset="0"/>
-                            </a:rPr>
-                            <m:t>𝛱</m:t>
-                          </m:r>
-                        </m:e>
-                        <m:sub>
-                          <m:r>
-                            <a:rPr lang="en-US" altLang="zh-CN" b="0" i="1" smtClean="0">
-                              <a:latin typeface="Cambria Math" panose="02040503050406030204" pitchFamily="18" charset="0"/>
-                              <a:ea typeface="Cambria Math" panose="02040503050406030204" pitchFamily="18" charset="0"/>
-                            </a:rPr>
-                            <m:t>𝑘</m:t>
-                          </m:r>
-                        </m:sub>
-                      </m:sSub>
-                      <m:r>
-                        <a:rPr lang="en-US" altLang="zh-CN" b="0" i="1" smtClean="0">
-                          <a:latin typeface="Cambria Math" panose="02040503050406030204" pitchFamily="18" charset="0"/>
-                          <a:ea typeface="Cambria Math" panose="02040503050406030204" pitchFamily="18" charset="0"/>
-                        </a:rPr>
-                        <m:t>&lt;0 </m:t>
-                      </m:r>
-                      <m:r>
-                        <a:rPr lang="en-US" altLang="zh-CN" b="0" i="0" smtClean="0">
-                          <a:latin typeface="Cambria Math" panose="02040503050406030204" pitchFamily="18" charset="0"/>
-                          <a:ea typeface="Cambria Math" panose="02040503050406030204" pitchFamily="18" charset="0"/>
-                        </a:rPr>
-                        <m:t>(</m:t>
-                      </m:r>
-                      <m:r>
-                        <m:rPr>
-                          <m:sty m:val="p"/>
-                        </m:rPr>
-                        <a:rPr lang="en-US" altLang="zh-CN" b="0" i="0" smtClean="0">
-                          <a:latin typeface="Cambria Math" panose="02040503050406030204" pitchFamily="18" charset="0"/>
-                          <a:ea typeface="Cambria Math" panose="02040503050406030204" pitchFamily="18" charset="0"/>
-                        </a:rPr>
-                        <m:t>inverse</m:t>
-                      </m:r>
-                      <m:r>
-                        <a:rPr lang="en-US" altLang="zh-CN" b="0" i="0" smtClean="0">
-                          <a:latin typeface="Cambria Math" panose="02040503050406030204" pitchFamily="18" charset="0"/>
-                          <a:ea typeface="Cambria Math" panose="02040503050406030204" pitchFamily="18" charset="0"/>
-                        </a:rPr>
-                        <m:t> </m:t>
-                      </m:r>
-                      <m:r>
-                        <m:rPr>
-                          <m:sty m:val="p"/>
-                        </m:rPr>
-                        <a:rPr lang="en-US" altLang="zh-CN" b="0" i="0" smtClean="0">
-                          <a:latin typeface="Cambria Math" panose="02040503050406030204" pitchFamily="18" charset="0"/>
-                          <a:ea typeface="Cambria Math" panose="02040503050406030204" pitchFamily="18" charset="0"/>
-                        </a:rPr>
-                        <m:t>energy</m:t>
-                      </m:r>
-                      <m:r>
-                        <a:rPr lang="en-US" altLang="zh-CN" b="0" i="0" smtClean="0">
-                          <a:latin typeface="Cambria Math" panose="02040503050406030204" pitchFamily="18" charset="0"/>
-                          <a:ea typeface="Cambria Math" panose="02040503050406030204" pitchFamily="18" charset="0"/>
-                        </a:rPr>
-                        <m:t> </m:t>
-                      </m:r>
-                      <m:r>
-                        <m:rPr>
-                          <m:sty m:val="p"/>
-                        </m:rPr>
-                        <a:rPr lang="en-US" altLang="zh-CN" b="0" i="0" smtClean="0">
-                          <a:latin typeface="Cambria Math" panose="02040503050406030204" pitchFamily="18" charset="0"/>
-                          <a:ea typeface="Cambria Math" panose="02040503050406030204" pitchFamily="18" charset="0"/>
-                        </a:rPr>
-                        <m:t>flux</m:t>
-                      </m:r>
-                      <m:r>
-                        <a:rPr lang="en-US" altLang="zh-CN" b="0" i="0" smtClean="0">
-                          <a:latin typeface="Cambria Math" panose="02040503050406030204" pitchFamily="18" charset="0"/>
-                          <a:ea typeface="Cambria Math" panose="02040503050406030204" pitchFamily="18" charset="0"/>
-                        </a:rPr>
-                        <m:t>)</m:t>
-                      </m:r>
-                    </m:oMath>
-                  </m:oMathPara>
-                </a14:m>
-                <a:endParaRPr lang="zh-CN" altLang="en-US" dirty="0"/>
-              </a:p>
-            </p:txBody>
-          </p:sp>
-        </mc:Choice>
-        <mc:Fallback>
-          <p:sp>
-            <p:nvSpPr>
-              <p:cNvPr id="13" name="文本框 12">
-                <a:extLst>
-                  <a:ext uri="{FF2B5EF4-FFF2-40B4-BE49-F238E27FC236}">
-                    <a16:creationId xmlns:a16="http://schemas.microsoft.com/office/drawing/2014/main" id="{A6BF83B6-5FF5-42F7-A0E8-5F8AC14DCBFA}"/>
-                  </a:ext>
-                </a:extLst>
-              </p:cNvPr>
-              <p:cNvSpPr txBox="1">
-                <a:spLocks noRot="1" noChangeAspect="1" noMove="1" noResize="1" noEditPoints="1" noAdjustHandles="1" noChangeArrowheads="1" noChangeShapeType="1" noTextEdit="1"/>
-              </p:cNvSpPr>
-              <p:nvPr/>
-            </p:nvSpPr>
-            <p:spPr>
-              <a:xfrm>
-                <a:off x="5948040" y="4893862"/>
-                <a:ext cx="3083047" cy="369332"/>
-              </a:xfrm>
-              <a:prstGeom prst="rect">
-                <a:avLst/>
-              </a:prstGeom>
-              <a:blipFill>
-                <a:blip r:embed="rId6"/>
-                <a:stretch>
-                  <a:fillRect b="-13333"/>
-                </a:stretch>
-              </a:blipFill>
-            </p:spPr>
-            <p:txBody>
-              <a:bodyPr/>
-              <a:lstStyle/>
-              <a:p>
-                <a:r>
-                  <a:rPr lang="zh-CN" altLang="en-US">
-                    <a:noFill/>
-                  </a:rPr>
-                  <a:t> </a:t>
-                </a:r>
-              </a:p>
-            </p:txBody>
-          </p:sp>
-        </mc:Fallback>
-      </mc:AlternateContent>
+      <p:pic>
+        <p:nvPicPr>
+          <p:cNvPr id="34" name="图片 33">
+            <a:extLst>
+              <a:ext uri="{FF2B5EF4-FFF2-40B4-BE49-F238E27FC236}">
+                <a16:creationId xmlns:a16="http://schemas.microsoft.com/office/drawing/2014/main" id="{9D99B888-1B7B-4FC3-802B-EF0B9BC1CEC9}"/>
+              </a:ext>
+            </a:extLst>
+          </p:cNvPr>
+          <p:cNvPicPr>
+            <a:picLocks noChangeAspect="1"/>
+          </p:cNvPicPr>
+          <p:nvPr/>
+        </p:nvPicPr>
+        <p:blipFill>
+          <a:blip r:embed="rId5"/>
+          <a:stretch>
+            <a:fillRect/>
+          </a:stretch>
+        </p:blipFill>
+        <p:spPr>
+          <a:xfrm>
+            <a:off x="7657937" y="5762517"/>
+            <a:ext cx="190500" cy="514350"/>
+          </a:xfrm>
+          <a:prstGeom prst="rect">
+            <a:avLst/>
+          </a:prstGeom>
+        </p:spPr>
+      </p:pic>
+      <p:pic>
+        <p:nvPicPr>
+          <p:cNvPr id="36" name="图片 35">
+            <a:extLst>
+              <a:ext uri="{FF2B5EF4-FFF2-40B4-BE49-F238E27FC236}">
+                <a16:creationId xmlns:a16="http://schemas.microsoft.com/office/drawing/2014/main" id="{27F8DA64-8918-4363-B8F3-59FB601E83B1}"/>
+              </a:ext>
+            </a:extLst>
+          </p:cNvPr>
+          <p:cNvPicPr>
+            <a:picLocks noChangeAspect="1"/>
+          </p:cNvPicPr>
+          <p:nvPr/>
+        </p:nvPicPr>
+        <p:blipFill>
+          <a:blip r:embed="rId6"/>
+          <a:stretch>
+            <a:fillRect/>
+          </a:stretch>
+        </p:blipFill>
+        <p:spPr>
+          <a:xfrm>
+            <a:off x="7616594" y="3834002"/>
+            <a:ext cx="228600" cy="285750"/>
+          </a:xfrm>
+          <a:prstGeom prst="rect">
+            <a:avLst/>
+          </a:prstGeom>
+        </p:spPr>
+      </p:pic>
+      <p:pic>
+        <p:nvPicPr>
+          <p:cNvPr id="41" name="图片 40">
+            <a:extLst>
+              <a:ext uri="{FF2B5EF4-FFF2-40B4-BE49-F238E27FC236}">
+                <a16:creationId xmlns:a16="http://schemas.microsoft.com/office/drawing/2014/main" id="{C4D0BF94-F050-4A3E-86F4-1D6DA6D264C6}"/>
+              </a:ext>
+            </a:extLst>
+          </p:cNvPr>
+          <p:cNvPicPr>
+            <a:picLocks noChangeAspect="1"/>
+          </p:cNvPicPr>
+          <p:nvPr/>
+        </p:nvPicPr>
+        <p:blipFill>
+          <a:blip r:embed="rId7"/>
+          <a:stretch>
+            <a:fillRect/>
+          </a:stretch>
+        </p:blipFill>
+        <p:spPr>
+          <a:xfrm>
+            <a:off x="6279330" y="3314511"/>
+            <a:ext cx="4400550" cy="3133725"/>
+          </a:xfrm>
+          <a:prstGeom prst="rect">
+            <a:avLst/>
+          </a:prstGeom>
+        </p:spPr>
+      </p:pic>
     </p:spTree>
     <p:extLst>
       <p:ext uri="{BB962C8B-B14F-4D97-AF65-F5344CB8AC3E}">
-        <p14:creationId xmlns:p14="http://schemas.microsoft.com/office/powerpoint/2010/main" val="3561028066"/>
+        <p14:creationId xmlns:p14="http://schemas.microsoft.com/office/powerpoint/2010/main" val="3432066146"/>
       </p:ext>
     </p:extLst>
   </p:cSld>
@@ -4857,7 +4231,7 @@
           <p:cNvPr id="2" name="标题 1">
             <a:extLst>
               <a:ext uri="{FF2B5EF4-FFF2-40B4-BE49-F238E27FC236}">
-                <a16:creationId xmlns:a16="http://schemas.microsoft.com/office/drawing/2014/main" id="{4173234F-7AB8-46D6-95D1-0BA7974176C1}"/>
+                <a16:creationId xmlns:a16="http://schemas.microsoft.com/office/drawing/2014/main" id="{8EDF7EEF-616B-4FAB-A913-5F1A2C55DCCD}"/>
               </a:ext>
             </a:extLst>
           </p:cNvPr>
@@ -4870,23 +4244,789 @@
         </p:nvSpPr>
         <p:spPr>
           <a:xfrm>
-            <a:off x="838200" y="587067"/>
+            <a:off x="426720" y="36576"/>
             <a:ext cx="10515600" cy="1325563"/>
           </a:xfrm>
         </p:spPr>
         <p:txBody>
+          <a:bodyPr/>
+          <a:lstStyle/>
+          <a:p>
+            <a:r>
+              <a:rPr lang="en-US" altLang="zh-CN" dirty="0"/>
+              <a:t>Governing equations</a:t>
+            </a:r>
+            <a:endParaRPr lang="zh-CN" altLang="en-US" dirty="0"/>
+          </a:p>
+        </p:txBody>
+      </p:sp>
+      <p:sp>
+        <p:nvSpPr>
+          <p:cNvPr id="3" name="内容占位符 2">
+            <a:extLst>
+              <a:ext uri="{FF2B5EF4-FFF2-40B4-BE49-F238E27FC236}">
+                <a16:creationId xmlns:a16="http://schemas.microsoft.com/office/drawing/2014/main" id="{F626AF55-FAC0-49E6-9A5A-D291A7E4C796}"/>
+              </a:ext>
+            </a:extLst>
+          </p:cNvPr>
+          <p:cNvSpPr>
+            <a:spLocks noGrp="1"/>
+          </p:cNvSpPr>
+          <p:nvPr>
+            <p:ph idx="1"/>
+          </p:nvPr>
+        </p:nvSpPr>
+        <p:spPr>
+          <a:xfrm>
+            <a:off x="426720" y="1270510"/>
+            <a:ext cx="11036274" cy="4038917"/>
+          </a:xfrm>
+        </p:spPr>
+        <p:txBody>
           <a:bodyPr>
-            <a:normAutofit/>
+            <a:noAutofit/>
           </a:bodyPr>
+          <a:lstStyle/>
+          <a:p>
+            <a:pPr marL="0" indent="0">
+              <a:lnSpc>
+                <a:spcPct val="100000"/>
+              </a:lnSpc>
+              <a:buNone/>
+            </a:pPr>
+            <a:r>
+              <a:rPr lang="en-US" altLang="zh-CN" dirty="0"/>
+              <a:t>Including the forcing and dissipation effects, the dimensionless  quasi-geostrophic equation becomes:</a:t>
+            </a:r>
+            <a:endParaRPr lang="zh-CN" altLang="en-US" dirty="0"/>
+          </a:p>
+        </p:txBody>
+      </p:sp>
+      <mc:AlternateContent xmlns:mc="http://schemas.openxmlformats.org/markup-compatibility/2006" xmlns:a14="http://schemas.microsoft.com/office/drawing/2010/main">
+        <mc:Choice Requires="a14">
+          <p:sp>
+            <p:nvSpPr>
+              <p:cNvPr id="6" name="文本框 5">
+                <a:extLst>
+                  <a:ext uri="{FF2B5EF4-FFF2-40B4-BE49-F238E27FC236}">
+                    <a16:creationId xmlns:a16="http://schemas.microsoft.com/office/drawing/2014/main" id="{967E7DA6-FDDA-4988-AF8D-CCE02C16C434}"/>
+                  </a:ext>
+                </a:extLst>
+              </p:cNvPr>
+              <p:cNvSpPr txBox="1"/>
+              <p:nvPr/>
+            </p:nvSpPr>
+            <p:spPr>
+              <a:xfrm>
+                <a:off x="-365132" y="2662315"/>
+                <a:ext cx="10744043" cy="766685"/>
+              </a:xfrm>
+              <a:prstGeom prst="rect">
+                <a:avLst/>
+              </a:prstGeom>
+              <a:noFill/>
+            </p:spPr>
+            <p:txBody>
+              <a:bodyPr wrap="square" rtlCol="0">
+                <a:spAutoFit/>
+              </a:bodyPr>
+              <a:lstStyle/>
+              <a:p>
+                <a:pPr/>
+                <a14:m>
+                  <m:oMathPara xmlns:m="http://schemas.openxmlformats.org/officeDocument/2006/math">
+                    <m:oMathParaPr>
+                      <m:jc m:val="centerGroup"/>
+                    </m:oMathParaPr>
+                    <m:oMath xmlns:m="http://schemas.openxmlformats.org/officeDocument/2006/math">
+                      <m:sSub>
+                        <m:sSubPr>
+                          <m:ctrlPr>
+                            <a:rPr lang="en-US" altLang="zh-CN" sz="3200" i="1" smtClean="0">
+                              <a:latin typeface="Cambria Math" panose="02040503050406030204" pitchFamily="18" charset="0"/>
+                            </a:rPr>
+                          </m:ctrlPr>
+                        </m:sSubPr>
+                        <m:e>
+                          <m:r>
+                            <a:rPr lang="zh-CN" altLang="en-US" sz="3200" i="1" smtClean="0">
+                              <a:latin typeface="Cambria Math" panose="02040503050406030204" pitchFamily="18" charset="0"/>
+                            </a:rPr>
+                            <m:t>𝜕</m:t>
+                          </m:r>
+                        </m:e>
+                        <m:sub>
+                          <m:r>
+                            <a:rPr lang="en-US" altLang="zh-CN" sz="3200" b="0" i="1" smtClean="0">
+                              <a:latin typeface="Cambria Math" panose="02040503050406030204" pitchFamily="18" charset="0"/>
+                            </a:rPr>
+                            <m:t>𝑡</m:t>
+                          </m:r>
+                        </m:sub>
+                      </m:sSub>
+                      <m:r>
+                        <a:rPr lang="en-US" altLang="zh-CN" sz="3200" b="0" i="1" smtClean="0">
+                          <a:latin typeface="Cambria Math" panose="02040503050406030204" pitchFamily="18" charset="0"/>
+                        </a:rPr>
+                        <m:t>𝑄</m:t>
+                      </m:r>
+                      <m:r>
+                        <a:rPr lang="en-US" altLang="zh-CN" sz="3200" b="0" i="1" smtClean="0">
+                          <a:latin typeface="Cambria Math" panose="02040503050406030204" pitchFamily="18" charset="0"/>
+                        </a:rPr>
+                        <m:t>+</m:t>
+                      </m:r>
+                      <m:r>
+                        <a:rPr lang="en-US" altLang="zh-CN" sz="3200" b="0" i="1" smtClean="0">
+                          <a:latin typeface="Cambria Math" panose="02040503050406030204" pitchFamily="18" charset="0"/>
+                        </a:rPr>
+                        <m:t>𝐽</m:t>
+                      </m:r>
+                      <m:d>
+                        <m:dPr>
+                          <m:ctrlPr>
+                            <a:rPr lang="en-US" altLang="zh-CN" sz="3200" b="0" i="1" smtClean="0">
+                              <a:latin typeface="Cambria Math" panose="02040503050406030204" pitchFamily="18" charset="0"/>
+                            </a:rPr>
+                          </m:ctrlPr>
+                        </m:dPr>
+                        <m:e>
+                          <m:r>
+                            <a:rPr lang="zh-CN" altLang="en-US" sz="3200" b="0" i="1" smtClean="0">
+                              <a:latin typeface="Cambria Math" panose="02040503050406030204" pitchFamily="18" charset="0"/>
+                            </a:rPr>
+                            <m:t>𝜓</m:t>
+                          </m:r>
+                          <m:r>
+                            <a:rPr lang="en-US" altLang="zh-CN" sz="3200" b="0" i="1" smtClean="0">
+                              <a:latin typeface="Cambria Math" panose="02040503050406030204" pitchFamily="18" charset="0"/>
+                            </a:rPr>
+                            <m:t>,</m:t>
+                          </m:r>
+                          <m:r>
+                            <a:rPr lang="en-US" altLang="zh-CN" sz="3200" b="0" i="1" smtClean="0">
+                              <a:latin typeface="Cambria Math" panose="02040503050406030204" pitchFamily="18" charset="0"/>
+                            </a:rPr>
+                            <m:t>𝑄</m:t>
+                          </m:r>
+                        </m:e>
+                      </m:d>
+                      <m:r>
+                        <a:rPr lang="en-US" altLang="zh-CN" sz="3200" b="0" i="1" smtClean="0">
+                          <a:latin typeface="Cambria Math" panose="02040503050406030204" pitchFamily="18" charset="0"/>
+                        </a:rPr>
+                        <m:t>+</m:t>
+                      </m:r>
+                      <m:r>
+                        <a:rPr lang="en-US" altLang="zh-CN" sz="3200" b="0" i="1" smtClean="0">
+                          <a:latin typeface="Cambria Math" panose="02040503050406030204" pitchFamily="18" charset="0"/>
+                        </a:rPr>
+                        <m:t>𝐽</m:t>
+                      </m:r>
+                      <m:d>
+                        <m:dPr>
+                          <m:ctrlPr>
+                            <a:rPr lang="en-US" altLang="zh-CN" sz="3200" b="0" i="1" smtClean="0">
+                              <a:latin typeface="Cambria Math" panose="02040503050406030204" pitchFamily="18" charset="0"/>
+                            </a:rPr>
+                          </m:ctrlPr>
+                        </m:dPr>
+                        <m:e>
+                          <m:r>
+                            <a:rPr lang="zh-CN" altLang="en-US" sz="3200" b="0" i="1" smtClean="0">
+                              <a:latin typeface="Cambria Math" panose="02040503050406030204" pitchFamily="18" charset="0"/>
+                            </a:rPr>
+                            <m:t>𝜓</m:t>
+                          </m:r>
+                          <m:r>
+                            <a:rPr lang="en-US" altLang="zh-CN" sz="3200" b="0" i="1" smtClean="0">
+                              <a:latin typeface="Cambria Math" panose="02040503050406030204" pitchFamily="18" charset="0"/>
+                            </a:rPr>
+                            <m:t>,</m:t>
+                          </m:r>
+                          <m:r>
+                            <a:rPr lang="en-US" altLang="zh-CN" sz="3200" b="0" i="1" smtClean="0">
+                              <a:latin typeface="Cambria Math" panose="02040503050406030204" pitchFamily="18" charset="0"/>
+                            </a:rPr>
+                            <m:t>h</m:t>
+                          </m:r>
+                        </m:e>
+                      </m:d>
+                      <m:r>
+                        <a:rPr lang="en-US" altLang="zh-CN" sz="3200" b="0" i="1" smtClean="0">
+                          <a:latin typeface="Cambria Math" panose="02040503050406030204" pitchFamily="18" charset="0"/>
+                        </a:rPr>
+                        <m:t>=−</m:t>
+                      </m:r>
+                      <m:r>
+                        <a:rPr lang="zh-CN" altLang="en-US" sz="3200" b="0" i="1" smtClean="0">
+                          <a:latin typeface="Cambria Math" panose="02040503050406030204" pitchFamily="18" charset="0"/>
+                        </a:rPr>
+                        <m:t>𝛼</m:t>
+                      </m:r>
+                      <m:r>
+                        <a:rPr lang="en-US" altLang="zh-CN" sz="3200" b="0" i="1" smtClean="0">
+                          <a:latin typeface="Cambria Math" panose="02040503050406030204" pitchFamily="18" charset="0"/>
+                        </a:rPr>
+                        <m:t>𝑄</m:t>
+                      </m:r>
+                      <m:r>
+                        <a:rPr lang="en-US" altLang="zh-CN" sz="3200" b="0" i="1" smtClean="0">
+                          <a:latin typeface="Cambria Math" panose="02040503050406030204" pitchFamily="18" charset="0"/>
+                        </a:rPr>
+                        <m:t>+</m:t>
+                      </m:r>
+                      <m:r>
+                        <a:rPr lang="zh-CN" altLang="en-US" sz="3200" b="0" i="1" smtClean="0">
+                          <a:latin typeface="Cambria Math" panose="02040503050406030204" pitchFamily="18" charset="0"/>
+                        </a:rPr>
+                        <m:t>𝜐</m:t>
+                      </m:r>
+                      <m:sSup>
+                        <m:sSupPr>
+                          <m:ctrlPr>
+                            <a:rPr lang="en-US" altLang="zh-CN" sz="3200" b="0" i="1" smtClean="0">
+                              <a:latin typeface="Cambria Math" panose="02040503050406030204" pitchFamily="18" charset="0"/>
+                            </a:rPr>
+                          </m:ctrlPr>
+                        </m:sSupPr>
+                        <m:e>
+                          <m:r>
+                            <m:rPr>
+                              <m:sty m:val="p"/>
+                            </m:rPr>
+                            <a:rPr lang="en-US" altLang="zh-CN" sz="3200" b="0" i="1" smtClean="0">
+                              <a:latin typeface="Cambria Math" panose="02040503050406030204" pitchFamily="18" charset="0"/>
+                              <a:ea typeface="Cambria Math" panose="02040503050406030204" pitchFamily="18" charset="0"/>
+                            </a:rPr>
+                            <m:t>∇</m:t>
+                          </m:r>
+                        </m:e>
+                        <m:sup>
+                          <m:r>
+                            <a:rPr lang="en-US" altLang="zh-CN" sz="3200" b="0" i="1" smtClean="0">
+                              <a:latin typeface="Cambria Math" panose="02040503050406030204" pitchFamily="18" charset="0"/>
+                            </a:rPr>
+                            <m:t>6</m:t>
+                          </m:r>
+                        </m:sup>
+                      </m:sSup>
+                      <m:r>
+                        <a:rPr lang="en-US" altLang="zh-CN" sz="3200" b="0" i="1" smtClean="0">
+                          <a:latin typeface="Cambria Math" panose="02040503050406030204" pitchFamily="18" charset="0"/>
+                        </a:rPr>
+                        <m:t>𝑄</m:t>
+                      </m:r>
+                      <m:r>
+                        <a:rPr lang="en-US" altLang="zh-CN" sz="3200" b="0" i="1" smtClean="0">
+                          <a:latin typeface="Cambria Math" panose="02040503050406030204" pitchFamily="18" charset="0"/>
+                        </a:rPr>
+                        <m:t>+</m:t>
+                      </m:r>
+                      <m:sSub>
+                        <m:sSubPr>
+                          <m:ctrlPr>
+                            <a:rPr lang="en-US" altLang="zh-CN" sz="3200" b="0" i="1" smtClean="0">
+                              <a:latin typeface="Cambria Math" panose="02040503050406030204" pitchFamily="18" charset="0"/>
+                            </a:rPr>
+                          </m:ctrlPr>
+                        </m:sSubPr>
+                        <m:e>
+                          <m:r>
+                            <a:rPr lang="en-US" altLang="zh-CN" sz="3200" b="0" i="1" smtClean="0">
+                              <a:latin typeface="Cambria Math" panose="02040503050406030204" pitchFamily="18" charset="0"/>
+                            </a:rPr>
+                            <m:t>𝑀</m:t>
+                          </m:r>
+                        </m:e>
+                        <m:sub>
+                          <m:r>
+                            <a:rPr lang="en-US" altLang="zh-CN" sz="3200" b="0" i="1" smtClean="0">
+                              <a:latin typeface="Cambria Math" panose="02040503050406030204" pitchFamily="18" charset="0"/>
+                            </a:rPr>
+                            <m:t>𝐹</m:t>
+                          </m:r>
+                        </m:sub>
+                      </m:sSub>
+                      <m:sSubSup>
+                        <m:sSubSupPr>
+                          <m:ctrlPr>
+                            <a:rPr lang="en-US" altLang="zh-CN" sz="3200" b="0" i="1" smtClean="0">
+                              <a:latin typeface="Cambria Math" panose="02040503050406030204" pitchFamily="18" charset="0"/>
+                            </a:rPr>
+                          </m:ctrlPr>
+                        </m:sSubSupPr>
+                        <m:e>
+                          <m:r>
+                            <a:rPr lang="en-US" altLang="zh-CN" sz="3200" b="0" i="1" smtClean="0">
+                              <a:latin typeface="Cambria Math" panose="02040503050406030204" pitchFamily="18" charset="0"/>
+                            </a:rPr>
+                            <m:t>𝑘</m:t>
+                          </m:r>
+                        </m:e>
+                        <m:sub>
+                          <m:r>
+                            <a:rPr lang="en-US" altLang="zh-CN" sz="3200" b="0" i="1" smtClean="0">
+                              <a:latin typeface="Cambria Math" panose="02040503050406030204" pitchFamily="18" charset="0"/>
+                            </a:rPr>
+                            <m:t>𝑓</m:t>
+                          </m:r>
+                        </m:sub>
+                        <m:sup>
+                          <m:r>
+                            <a:rPr lang="en-US" altLang="zh-CN" sz="3200" b="0" i="1" smtClean="0">
+                              <a:latin typeface="Cambria Math" panose="02040503050406030204" pitchFamily="18" charset="0"/>
+                            </a:rPr>
+                            <m:t>1/2</m:t>
+                          </m:r>
+                        </m:sup>
+                      </m:sSubSup>
+                      <m:r>
+                        <a:rPr lang="en-US" altLang="zh-CN" sz="3200" b="0" i="1" smtClean="0">
+                          <a:latin typeface="Cambria Math" panose="02040503050406030204" pitchFamily="18" charset="0"/>
+                        </a:rPr>
+                        <m:t>𝐹</m:t>
+                      </m:r>
+                    </m:oMath>
+                  </m:oMathPara>
+                </a14:m>
+                <a:endParaRPr lang="zh-CN" altLang="en-US" sz="3200" dirty="0"/>
+              </a:p>
+            </p:txBody>
+          </p:sp>
+        </mc:Choice>
+        <mc:Fallback xmlns="">
+          <p:sp>
+            <p:nvSpPr>
+              <p:cNvPr id="6" name="文本框 5">
+                <a:extLst>
+                  <a:ext uri="{FF2B5EF4-FFF2-40B4-BE49-F238E27FC236}">
+                    <a16:creationId xmlns:a16="http://schemas.microsoft.com/office/drawing/2014/main" id="{967E7DA6-FDDA-4988-AF8D-CCE02C16C434}"/>
+                  </a:ext>
+                </a:extLst>
+              </p:cNvPr>
+              <p:cNvSpPr txBox="1">
+                <a:spLocks noRot="1" noChangeAspect="1" noMove="1" noResize="1" noEditPoints="1" noAdjustHandles="1" noChangeArrowheads="1" noChangeShapeType="1" noTextEdit="1"/>
+              </p:cNvSpPr>
+              <p:nvPr/>
+            </p:nvSpPr>
+            <p:spPr>
+              <a:xfrm>
+                <a:off x="-365132" y="2662315"/>
+                <a:ext cx="10744043" cy="766685"/>
+              </a:xfrm>
+              <a:prstGeom prst="rect">
+                <a:avLst/>
+              </a:prstGeom>
+              <a:blipFill>
+                <a:blip r:embed="rId2"/>
+                <a:stretch>
+                  <a:fillRect/>
+                </a:stretch>
+              </a:blipFill>
+            </p:spPr>
+            <p:txBody>
+              <a:bodyPr/>
+              <a:lstStyle/>
+              <a:p>
+                <a:r>
+                  <a:rPr lang="zh-CN" altLang="en-US">
+                    <a:noFill/>
+                  </a:rPr>
+                  <a:t> </a:t>
+                </a:r>
+              </a:p>
+            </p:txBody>
+          </p:sp>
+        </mc:Fallback>
+      </mc:AlternateContent>
+      <mc:AlternateContent xmlns:mc="http://schemas.openxmlformats.org/markup-compatibility/2006" xmlns:a14="http://schemas.microsoft.com/office/drawing/2010/main">
+        <mc:Choice Requires="a14">
+          <p:sp>
+            <p:nvSpPr>
+              <p:cNvPr id="7" name="文本框 6">
+                <a:extLst>
+                  <a:ext uri="{FF2B5EF4-FFF2-40B4-BE49-F238E27FC236}">
+                    <a16:creationId xmlns:a16="http://schemas.microsoft.com/office/drawing/2014/main" id="{B2EAA42D-D8BE-417D-AD60-EEDA6BF27AE7}"/>
+                  </a:ext>
+                </a:extLst>
+              </p:cNvPr>
+              <p:cNvSpPr txBox="1"/>
+              <p:nvPr/>
+            </p:nvSpPr>
+            <p:spPr>
+              <a:xfrm>
+                <a:off x="422007" y="3943015"/>
+                <a:ext cx="10520313" cy="1427635"/>
+              </a:xfrm>
+              <a:prstGeom prst="rect">
+                <a:avLst/>
+              </a:prstGeom>
+              <a:noFill/>
+            </p:spPr>
+            <p:txBody>
+              <a:bodyPr wrap="square" rtlCol="0">
+                <a:spAutoFit/>
+              </a:bodyPr>
+              <a:lstStyle/>
+              <a:p>
+                <a:r>
+                  <a:rPr lang="en-US" altLang="zh-CN" sz="2800" dirty="0"/>
+                  <a:t>where </a:t>
+                </a:r>
+                <a14:m>
+                  <m:oMath xmlns:m="http://schemas.openxmlformats.org/officeDocument/2006/math">
+                    <m:r>
+                      <a:rPr lang="en-US" altLang="zh-CN" sz="2800" b="0" i="1" smtClean="0">
+                        <a:latin typeface="Cambria Math" panose="02040503050406030204" pitchFamily="18" charset="0"/>
+                      </a:rPr>
+                      <m:t>𝐽</m:t>
+                    </m:r>
+                    <m:d>
+                      <m:dPr>
+                        <m:ctrlPr>
+                          <a:rPr lang="en-US" altLang="zh-CN" sz="2800" b="0" i="1" smtClean="0">
+                            <a:latin typeface="Cambria Math" panose="02040503050406030204" pitchFamily="18" charset="0"/>
+                          </a:rPr>
+                        </m:ctrlPr>
+                      </m:dPr>
+                      <m:e>
+                        <m:r>
+                          <a:rPr lang="en-US" altLang="zh-CN" sz="2800" b="0" i="1" smtClean="0">
+                            <a:latin typeface="Cambria Math" panose="02040503050406030204" pitchFamily="18" charset="0"/>
+                          </a:rPr>
+                          <m:t>𝑎</m:t>
+                        </m:r>
+                        <m:r>
+                          <a:rPr lang="en-US" altLang="zh-CN" sz="2800" b="0" i="1" smtClean="0">
+                            <a:latin typeface="Cambria Math" panose="02040503050406030204" pitchFamily="18" charset="0"/>
+                          </a:rPr>
+                          <m:t>,</m:t>
+                        </m:r>
+                        <m:r>
+                          <a:rPr lang="en-US" altLang="zh-CN" sz="2800" b="0" i="1" smtClean="0">
+                            <a:latin typeface="Cambria Math" panose="02040503050406030204" pitchFamily="18" charset="0"/>
+                          </a:rPr>
+                          <m:t>𝑏</m:t>
+                        </m:r>
+                      </m:e>
+                    </m:d>
+                    <m:r>
+                      <a:rPr lang="en-US" altLang="zh-CN" sz="2800" b="0" i="1" smtClean="0">
+                        <a:latin typeface="Cambria Math" panose="02040503050406030204" pitchFamily="18" charset="0"/>
+                      </a:rPr>
+                      <m:t>=</m:t>
+                    </m:r>
+                    <m:sSub>
+                      <m:sSubPr>
+                        <m:ctrlPr>
+                          <a:rPr lang="en-US" altLang="zh-CN" sz="2800" i="1">
+                            <a:latin typeface="Cambria Math" panose="02040503050406030204" pitchFamily="18" charset="0"/>
+                          </a:rPr>
+                        </m:ctrlPr>
+                      </m:sSubPr>
+                      <m:e>
+                        <m:r>
+                          <a:rPr lang="en-US" altLang="zh-CN" sz="2800" b="0" i="1" smtClean="0">
+                            <a:latin typeface="Cambria Math" panose="02040503050406030204" pitchFamily="18" charset="0"/>
+                          </a:rPr>
+                          <m:t>𝑎</m:t>
+                        </m:r>
+                      </m:e>
+                      <m:sub>
+                        <m:r>
+                          <a:rPr lang="en-US" altLang="zh-CN" sz="2800" b="0" i="1" smtClean="0">
+                            <a:latin typeface="Cambria Math" panose="02040503050406030204" pitchFamily="18" charset="0"/>
+                          </a:rPr>
+                          <m:t>𝑥</m:t>
+                        </m:r>
+                      </m:sub>
+                    </m:sSub>
+                    <m:sSub>
+                      <m:sSubPr>
+                        <m:ctrlPr>
+                          <a:rPr lang="en-US" altLang="zh-CN" sz="2800" i="1">
+                            <a:latin typeface="Cambria Math" panose="02040503050406030204" pitchFamily="18" charset="0"/>
+                          </a:rPr>
+                        </m:ctrlPr>
+                      </m:sSubPr>
+                      <m:e>
+                        <m:r>
+                          <a:rPr lang="en-US" altLang="zh-CN" sz="2800" b="0" i="1" smtClean="0">
+                            <a:latin typeface="Cambria Math" panose="02040503050406030204" pitchFamily="18" charset="0"/>
+                          </a:rPr>
+                          <m:t>𝑏</m:t>
+                        </m:r>
+                      </m:e>
+                      <m:sub>
+                        <m:r>
+                          <a:rPr lang="en-US" altLang="zh-CN" sz="2800" b="0" i="1" smtClean="0">
+                            <a:latin typeface="Cambria Math" panose="02040503050406030204" pitchFamily="18" charset="0"/>
+                          </a:rPr>
+                          <m:t>𝑦</m:t>
+                        </m:r>
+                      </m:sub>
+                    </m:sSub>
+                    <m:r>
+                      <a:rPr lang="en-US" altLang="zh-CN" sz="2800" b="0" i="1" smtClean="0">
+                        <a:latin typeface="Cambria Math" panose="02040503050406030204" pitchFamily="18" charset="0"/>
+                      </a:rPr>
+                      <m:t>−</m:t>
+                    </m:r>
+                    <m:sSub>
+                      <m:sSubPr>
+                        <m:ctrlPr>
+                          <a:rPr lang="en-US" altLang="zh-CN" sz="2800" i="1">
+                            <a:latin typeface="Cambria Math" panose="02040503050406030204" pitchFamily="18" charset="0"/>
+                          </a:rPr>
+                        </m:ctrlPr>
+                      </m:sSubPr>
+                      <m:e>
+                        <m:r>
+                          <a:rPr lang="en-US" altLang="zh-CN" sz="2800" b="0" i="1" smtClean="0">
+                            <a:latin typeface="Cambria Math" panose="02040503050406030204" pitchFamily="18" charset="0"/>
+                          </a:rPr>
+                          <m:t>𝑎</m:t>
+                        </m:r>
+                      </m:e>
+                      <m:sub>
+                        <m:r>
+                          <a:rPr lang="en-US" altLang="zh-CN" sz="2800" b="0" i="1" smtClean="0">
+                            <a:latin typeface="Cambria Math" panose="02040503050406030204" pitchFamily="18" charset="0"/>
+                          </a:rPr>
+                          <m:t>𝑦</m:t>
+                        </m:r>
+                      </m:sub>
+                    </m:sSub>
+                    <m:sSub>
+                      <m:sSubPr>
+                        <m:ctrlPr>
+                          <a:rPr lang="en-US" altLang="zh-CN" sz="2800" i="1">
+                            <a:latin typeface="Cambria Math" panose="02040503050406030204" pitchFamily="18" charset="0"/>
+                          </a:rPr>
+                        </m:ctrlPr>
+                      </m:sSubPr>
+                      <m:e>
+                        <m:r>
+                          <a:rPr lang="en-US" altLang="zh-CN" sz="2800" b="0" i="1" smtClean="0">
+                            <a:latin typeface="Cambria Math" panose="02040503050406030204" pitchFamily="18" charset="0"/>
+                          </a:rPr>
+                          <m:t>𝑏</m:t>
+                        </m:r>
+                      </m:e>
+                      <m:sub>
+                        <m:r>
+                          <a:rPr lang="en-US" altLang="zh-CN" sz="2800" b="0" i="1" smtClean="0">
+                            <a:latin typeface="Cambria Math" panose="02040503050406030204" pitchFamily="18" charset="0"/>
+                          </a:rPr>
+                          <m:t>𝑥</m:t>
+                        </m:r>
+                      </m:sub>
+                    </m:sSub>
+                    <m:r>
+                      <a:rPr lang="en-US" altLang="zh-CN" sz="2800" b="0" i="1" smtClean="0">
+                        <a:latin typeface="Cambria Math" panose="02040503050406030204" pitchFamily="18" charset="0"/>
+                      </a:rPr>
+                      <m:t>,  </m:t>
+                    </m:r>
+                    <m:r>
+                      <a:rPr lang="en-US" altLang="zh-CN" sz="2800" b="0" i="1" smtClean="0">
+                        <a:latin typeface="Cambria Math" panose="02040503050406030204" pitchFamily="18" charset="0"/>
+                      </a:rPr>
+                      <m:t>𝑄</m:t>
+                    </m:r>
+                    <m:r>
+                      <a:rPr lang="en-US" altLang="zh-CN" sz="2800" b="0" i="1" smtClean="0">
+                        <a:latin typeface="Cambria Math" panose="02040503050406030204" pitchFamily="18" charset="0"/>
+                      </a:rPr>
+                      <m:t>=</m:t>
+                    </m:r>
+                    <m:sSup>
+                      <m:sSupPr>
+                        <m:ctrlPr>
+                          <a:rPr lang="en-US" altLang="zh-CN" sz="2800" i="1">
+                            <a:latin typeface="Cambria Math" panose="02040503050406030204" pitchFamily="18" charset="0"/>
+                          </a:rPr>
+                        </m:ctrlPr>
+                      </m:sSupPr>
+                      <m:e>
+                        <m:r>
+                          <m:rPr>
+                            <m:sty m:val="p"/>
+                          </m:rPr>
+                          <a:rPr lang="en-US" altLang="zh-CN" sz="2800" i="1">
+                            <a:latin typeface="Cambria Math" panose="02040503050406030204" pitchFamily="18" charset="0"/>
+                            <a:ea typeface="Cambria Math" panose="02040503050406030204" pitchFamily="18" charset="0"/>
+                          </a:rPr>
+                          <m:t>∇</m:t>
+                        </m:r>
+                      </m:e>
+                      <m:sup>
+                        <m:r>
+                          <a:rPr lang="en-US" altLang="zh-CN" sz="2800" b="0" i="1" smtClean="0">
+                            <a:latin typeface="Cambria Math" panose="02040503050406030204" pitchFamily="18" charset="0"/>
+                            <a:ea typeface="Cambria Math" panose="02040503050406030204" pitchFamily="18" charset="0"/>
+                          </a:rPr>
+                          <m:t>2</m:t>
+                        </m:r>
+                      </m:sup>
+                    </m:sSup>
+                    <m:r>
+                      <a:rPr lang="zh-CN" altLang="en-US" sz="2800" i="1">
+                        <a:latin typeface="Cambria Math" panose="02040503050406030204" pitchFamily="18" charset="0"/>
+                      </a:rPr>
+                      <m:t>𝜓</m:t>
+                    </m:r>
+                  </m:oMath>
+                </a14:m>
+                <a:r>
+                  <a:rPr lang="en-US" altLang="zh-CN" sz="2800" dirty="0"/>
+                  <a:t> is the vorticity with</a:t>
+                </a:r>
+                <a14:m>
+                  <m:oMath xmlns:m="http://schemas.openxmlformats.org/officeDocument/2006/math">
+                    <m:r>
+                      <a:rPr lang="en-US" altLang="zh-CN" sz="2800" b="0" i="0" smtClean="0">
+                        <a:latin typeface="Cambria Math" panose="02040503050406030204" pitchFamily="18" charset="0"/>
+                      </a:rPr>
+                      <m:t> </m:t>
+                    </m:r>
+                    <m:r>
+                      <a:rPr lang="zh-CN" altLang="en-US" sz="2800" i="1">
+                        <a:latin typeface="Cambria Math" panose="02040503050406030204" pitchFamily="18" charset="0"/>
+                      </a:rPr>
+                      <m:t>𝜓</m:t>
+                    </m:r>
+                  </m:oMath>
+                </a14:m>
+                <a:r>
+                  <a:rPr lang="en-US" altLang="zh-CN" sz="2800" dirty="0"/>
+                  <a:t> being the stream function, and topography </a:t>
+                </a:r>
+                <a14:m>
+                  <m:oMath xmlns:m="http://schemas.openxmlformats.org/officeDocument/2006/math">
+                    <m:r>
+                      <a:rPr lang="en-US" altLang="zh-CN" sz="2800" i="1">
+                        <a:latin typeface="Cambria Math" panose="02040503050406030204" pitchFamily="18" charset="0"/>
+                      </a:rPr>
+                      <m:t>h</m:t>
+                    </m:r>
+                  </m:oMath>
+                </a14:m>
+                <a:r>
+                  <a:rPr lang="en-US" altLang="zh-CN" sz="2800" dirty="0"/>
+                  <a:t> is the local variation of layer thickness normalized by the Rossby number. </a:t>
+                </a:r>
+                <a:endParaRPr lang="zh-CN" altLang="en-US" sz="2800" dirty="0"/>
+              </a:p>
+            </p:txBody>
+          </p:sp>
+        </mc:Choice>
+        <mc:Fallback xmlns="">
+          <p:sp>
+            <p:nvSpPr>
+              <p:cNvPr id="7" name="文本框 6">
+                <a:extLst>
+                  <a:ext uri="{FF2B5EF4-FFF2-40B4-BE49-F238E27FC236}">
+                    <a16:creationId xmlns:a16="http://schemas.microsoft.com/office/drawing/2014/main" id="{B2EAA42D-D8BE-417D-AD60-EEDA6BF27AE7}"/>
+                  </a:ext>
+                </a:extLst>
+              </p:cNvPr>
+              <p:cNvSpPr txBox="1">
+                <a:spLocks noRot="1" noChangeAspect="1" noMove="1" noResize="1" noEditPoints="1" noAdjustHandles="1" noChangeArrowheads="1" noChangeShapeType="1" noTextEdit="1"/>
+              </p:cNvSpPr>
+              <p:nvPr/>
+            </p:nvSpPr>
+            <p:spPr>
+              <a:xfrm>
+                <a:off x="422007" y="3943015"/>
+                <a:ext cx="10520313" cy="1427635"/>
+              </a:xfrm>
+              <a:prstGeom prst="rect">
+                <a:avLst/>
+              </a:prstGeom>
+              <a:blipFill>
+                <a:blip r:embed="rId3"/>
+                <a:stretch>
+                  <a:fillRect l="-1159" t="-3846" r="-1275" b="-10684"/>
+                </a:stretch>
+              </a:blipFill>
+            </p:spPr>
+            <p:txBody>
+              <a:bodyPr/>
+              <a:lstStyle/>
+              <a:p>
+                <a:r>
+                  <a:rPr lang="zh-CN" altLang="en-US">
+                    <a:noFill/>
+                  </a:rPr>
+                  <a:t> </a:t>
+                </a:r>
+              </a:p>
+            </p:txBody>
+          </p:sp>
+        </mc:Fallback>
+      </mc:AlternateContent>
+    </p:spTree>
+    <p:extLst>
+      <p:ext uri="{BB962C8B-B14F-4D97-AF65-F5344CB8AC3E}">
+        <p14:creationId xmlns:p14="http://schemas.microsoft.com/office/powerpoint/2010/main" val="2964852986"/>
+      </p:ext>
+    </p:extLst>
+  </p:cSld>
+  <p:clrMapOvr>
+    <a:masterClrMapping/>
+  </p:clrMapOvr>
+</p:sld>
+</file>
+
+<file path=ppt/slides/slide5.xml><?xml version="1.0" encoding="utf-8"?>
+<p:sld xmlns:a="http://schemas.openxmlformats.org/drawingml/2006/main" xmlns:r="http://schemas.openxmlformats.org/officeDocument/2006/relationships" xmlns:p="http://schemas.openxmlformats.org/presentationml/2006/main">
+  <p:cSld>
+    <p:spTree>
+      <p:nvGrpSpPr>
+        <p:cNvPr id="1" name=""/>
+        <p:cNvGrpSpPr/>
+        <p:nvPr/>
+      </p:nvGrpSpPr>
+      <p:grpSpPr>
+        <a:xfrm>
+          <a:off x="0" y="0"/>
+          <a:ext cx="0" cy="0"/>
+          <a:chOff x="0" y="0"/>
+          <a:chExt cx="0" cy="0"/>
+        </a:xfrm>
+      </p:grpSpPr>
+      <p:sp>
+        <p:nvSpPr>
+          <p:cNvPr id="2" name="标题 1">
+            <a:extLst>
+              <a:ext uri="{FF2B5EF4-FFF2-40B4-BE49-F238E27FC236}">
+                <a16:creationId xmlns:a16="http://schemas.microsoft.com/office/drawing/2014/main" id="{8EDF7EEF-616B-4FAB-A913-5F1A2C55DCCD}"/>
+              </a:ext>
+            </a:extLst>
+          </p:cNvPr>
+          <p:cNvSpPr>
+            <a:spLocks noGrp="1"/>
+          </p:cNvSpPr>
+          <p:nvPr>
+            <p:ph type="title"/>
+          </p:nvPr>
+        </p:nvSpPr>
+        <p:spPr>
+          <a:xfrm>
+            <a:off x="426720" y="36576"/>
+            <a:ext cx="10515600" cy="1325563"/>
+          </a:xfrm>
+        </p:spPr>
+        <p:txBody>
+          <a:bodyPr/>
           <a:lstStyle/>
           <a:p>
             <a:r>
               <a:rPr lang="en-US" altLang="zh-CN" dirty="0"/>
               <a:t>Topography</a:t>
             </a:r>
-            <a:br>
-              <a:rPr lang="en-US" altLang="zh-CN" dirty="0"/>
-            </a:br>
             <a:endParaRPr lang="zh-CN" altLang="en-US" dirty="0"/>
           </a:p>
         </p:txBody>
@@ -4896,7 +5036,7 @@
           <p:cNvPr id="3" name="内容占位符 2">
             <a:extLst>
               <a:ext uri="{FF2B5EF4-FFF2-40B4-BE49-F238E27FC236}">
-                <a16:creationId xmlns:a16="http://schemas.microsoft.com/office/drawing/2014/main" id="{BF784C3D-6D53-471B-86BD-F27CA430CDEC}"/>
+                <a16:creationId xmlns:a16="http://schemas.microsoft.com/office/drawing/2014/main" id="{F626AF55-FAC0-49E6-9A5A-D291A7E4C796}"/>
               </a:ext>
             </a:extLst>
           </p:cNvPr>
@@ -4909,32 +5049,57 @@
         </p:nvSpPr>
         <p:spPr>
           <a:xfrm>
-            <a:off x="776056" y="1594806"/>
-            <a:ext cx="10515600" cy="4351338"/>
+            <a:off x="426719" y="1619302"/>
+            <a:ext cx="7463515" cy="4038917"/>
           </a:xfrm>
         </p:spPr>
         <p:txBody>
           <a:bodyPr>
-            <a:normAutofit/>
+            <a:noAutofit/>
           </a:bodyPr>
           <a:lstStyle/>
           <a:p>
             <a:pPr marL="0" indent="0">
+              <a:lnSpc>
+                <a:spcPct val="100000"/>
+              </a:lnSpc>
               <a:buNone/>
             </a:pPr>
             <a:r>
-              <a:rPr lang="en-US" altLang="zh-CN" sz="2400" dirty="0"/>
-              <a:t>In two-dimensional turbulence, topography at different scales can have varying effects on the turbulence energy spectrum and the transfer of energy across scales.</a:t>
-            </a:r>
+              <a:rPr lang="en-US" altLang="zh-CN" dirty="0"/>
+              <a:t>Topography influences the ocean circulation on various temporal and spatial scales. It affects the stability of large-scale flows and changes their associated mixing characteristics.</a:t>
+            </a:r>
+          </a:p>
+          <a:p>
+            <a:pPr marL="0" indent="0">
+              <a:lnSpc>
+                <a:spcPct val="100000"/>
+              </a:lnSpc>
+              <a:buNone/>
+            </a:pPr>
+            <a:endParaRPr lang="en-US" altLang="zh-CN" dirty="0"/>
+          </a:p>
+          <a:p>
+            <a:pPr marL="0" indent="0">
+              <a:lnSpc>
+                <a:spcPct val="100000"/>
+              </a:lnSpc>
+              <a:buNone/>
+            </a:pPr>
+            <a:r>
+              <a:rPr lang="en-US" altLang="zh-CN" dirty="0"/>
+              <a:t>Topography at different scales has varying effects on the system.</a:t>
+            </a:r>
+            <a:endParaRPr lang="zh-CN" altLang="en-US" dirty="0"/>
           </a:p>
         </p:txBody>
       </p:sp>
       <p:pic>
         <p:nvPicPr>
-          <p:cNvPr id="6" name="图片 5">
-            <a:extLst>
-              <a:ext uri="{FF2B5EF4-FFF2-40B4-BE49-F238E27FC236}">
-                <a16:creationId xmlns:a16="http://schemas.microsoft.com/office/drawing/2014/main" id="{924969CA-882A-43A9-8514-0B17BA0E627D}"/>
+          <p:cNvPr id="5" name="图片 4">
+            <a:extLst>
+              <a:ext uri="{FF2B5EF4-FFF2-40B4-BE49-F238E27FC236}">
+                <a16:creationId xmlns:a16="http://schemas.microsoft.com/office/drawing/2014/main" id="{347A8474-E5C8-487F-A9BC-7279519164D7}"/>
               </a:ext>
             </a:extLst>
           </p:cNvPr>
@@ -4951,98 +5116,8 @@
         </p:blipFill>
         <p:spPr>
           <a:xfrm>
-            <a:off x="5396190" y="3823348"/>
-            <a:ext cx="1019175" cy="295275"/>
-          </a:xfrm>
-          <a:prstGeom prst="rect">
-            <a:avLst/>
-          </a:prstGeom>
-        </p:spPr>
-      </p:pic>
-      <p:pic>
-        <p:nvPicPr>
-          <p:cNvPr id="8" name="图片 7">
-            <a:extLst>
-              <a:ext uri="{FF2B5EF4-FFF2-40B4-BE49-F238E27FC236}">
-                <a16:creationId xmlns:a16="http://schemas.microsoft.com/office/drawing/2014/main" id="{9C874992-830F-454F-AD75-D449A16EA83E}"/>
-              </a:ext>
-            </a:extLst>
-          </p:cNvPr>
-          <p:cNvPicPr>
-            <a:picLocks noChangeAspect="1"/>
-          </p:cNvPicPr>
-          <p:nvPr/>
-        </p:nvPicPr>
-        <p:blipFill>
-          <a:blip r:embed="rId3"/>
-          <a:stretch>
-            <a:fillRect/>
-          </a:stretch>
-        </p:blipFill>
-        <p:spPr>
-          <a:xfrm>
-            <a:off x="5363639" y="4349023"/>
-            <a:ext cx="4962525" cy="419100"/>
-          </a:xfrm>
-          <a:prstGeom prst="rect">
-            <a:avLst/>
-          </a:prstGeom>
-        </p:spPr>
-      </p:pic>
-      <p:pic>
-        <p:nvPicPr>
-          <p:cNvPr id="10" name="图片 9">
-            <a:extLst>
-              <a:ext uri="{FF2B5EF4-FFF2-40B4-BE49-F238E27FC236}">
-                <a16:creationId xmlns:a16="http://schemas.microsoft.com/office/drawing/2014/main" id="{0FC94737-BD0D-4026-8C77-AFD4DC7F742C}"/>
-              </a:ext>
-            </a:extLst>
-          </p:cNvPr>
-          <p:cNvPicPr>
-            <a:picLocks noChangeAspect="1"/>
-          </p:cNvPicPr>
-          <p:nvPr/>
-        </p:nvPicPr>
-        <p:blipFill>
-          <a:blip r:embed="rId4"/>
-          <a:stretch>
-            <a:fillRect/>
-          </a:stretch>
-        </p:blipFill>
-        <p:spPr>
-          <a:xfrm>
-            <a:off x="7429084" y="3823348"/>
-            <a:ext cx="990600" cy="257175"/>
-          </a:xfrm>
-          <a:prstGeom prst="rect">
-            <a:avLst/>
-          </a:prstGeom>
-        </p:spPr>
-      </p:pic>
-      <p:pic>
-        <p:nvPicPr>
-          <p:cNvPr id="12" name="图片 11">
-            <a:extLst>
-              <a:ext uri="{FF2B5EF4-FFF2-40B4-BE49-F238E27FC236}">
-                <a16:creationId xmlns:a16="http://schemas.microsoft.com/office/drawing/2014/main" id="{EAC34616-3A25-45D6-AF13-0DBDB96A0DEE}"/>
-              </a:ext>
-            </a:extLst>
-          </p:cNvPr>
-          <p:cNvPicPr>
-            <a:picLocks noChangeAspect="1"/>
-          </p:cNvPicPr>
-          <p:nvPr/>
-        </p:nvPicPr>
-        <p:blipFill>
-          <a:blip r:embed="rId5"/>
-          <a:stretch>
-            <a:fillRect/>
-          </a:stretch>
-        </p:blipFill>
-        <p:spPr>
-          <a:xfrm>
-            <a:off x="601139" y="3003642"/>
-            <a:ext cx="3220930" cy="3109863"/>
+            <a:off x="8512789" y="1474194"/>
+            <a:ext cx="3252492" cy="2997743"/>
           </a:xfrm>
           <a:prstGeom prst="rect">
             <a:avLst/>
@@ -5053,10 +5128,10 @@
         <mc:Choice Requires="a14">
           <p:sp>
             <p:nvSpPr>
-              <p:cNvPr id="13" name="文本框 12">
+              <p:cNvPr id="7" name="文本框 6">
                 <a:extLst>
                   <a:ext uri="{FF2B5EF4-FFF2-40B4-BE49-F238E27FC236}">
-                    <a16:creationId xmlns:a16="http://schemas.microsoft.com/office/drawing/2014/main" id="{E6330EE0-9D33-4B69-B779-B7A59435B0E8}"/>
+                    <a16:creationId xmlns:a16="http://schemas.microsoft.com/office/drawing/2014/main" id="{7A842E89-6030-4A9E-9E28-45611A8D3CC9}"/>
                   </a:ext>
                 </a:extLst>
               </p:cNvPr>
@@ -5065,8 +5140,8 @@
             </p:nvSpPr>
             <p:spPr>
               <a:xfrm>
-                <a:off x="108059" y="6023391"/>
-                <a:ext cx="5149048" cy="369332"/>
+                <a:off x="8613088" y="4737475"/>
+                <a:ext cx="3051894" cy="646331"/>
               </a:xfrm>
               <a:prstGeom prst="rect">
                 <a:avLst/>
@@ -5126,10 +5201,10 @@
         <mc:Fallback xmlns="">
           <p:sp>
             <p:nvSpPr>
-              <p:cNvPr id="13" name="文本框 12">
+              <p:cNvPr id="7" name="文本框 6">
                 <a:extLst>
                   <a:ext uri="{FF2B5EF4-FFF2-40B4-BE49-F238E27FC236}">
-                    <a16:creationId xmlns:a16="http://schemas.microsoft.com/office/drawing/2014/main" id="{E6330EE0-9D33-4B69-B779-B7A59435B0E8}"/>
+                    <a16:creationId xmlns:a16="http://schemas.microsoft.com/office/drawing/2014/main" id="{7A842E89-6030-4A9E-9E28-45611A8D3CC9}"/>
                   </a:ext>
                 </a:extLst>
               </p:cNvPr>
@@ -5140,16 +5215,16 @@
             </p:nvSpPr>
             <p:spPr>
               <a:xfrm>
-                <a:off x="108059" y="6023391"/>
-                <a:ext cx="5149048" cy="369332"/>
+                <a:off x="8613088" y="4737475"/>
+                <a:ext cx="3051894" cy="646331"/>
               </a:xfrm>
               <a:prstGeom prst="rect">
                 <a:avLst/>
               </a:prstGeom>
               <a:blipFill>
-                <a:blip r:embed="rId6"/>
+                <a:blip r:embed="rId3"/>
                 <a:stretch>
-                  <a:fillRect l="-1066" t="-8197" b="-24590"/>
+                  <a:fillRect l="-1796" t="-4717" r="-200" b="-14151"/>
                 </a:stretch>
               </a:blipFill>
             </p:spPr>
@@ -5171,327 +5246,7 @@
     </p:spTree>
     <p:extLst>
       <p:ext uri="{BB962C8B-B14F-4D97-AF65-F5344CB8AC3E}">
-        <p14:creationId xmlns:p14="http://schemas.microsoft.com/office/powerpoint/2010/main" val="3343293772"/>
-      </p:ext>
-    </p:extLst>
-  </p:cSld>
-  <p:clrMapOvr>
-    <a:masterClrMapping/>
-  </p:clrMapOvr>
-</p:sld>
-</file>
-
-<file path=ppt/slides/slide5.xml><?xml version="1.0" encoding="utf-8"?>
-<p:sld xmlns:a="http://schemas.openxmlformats.org/drawingml/2006/main" xmlns:r="http://schemas.openxmlformats.org/officeDocument/2006/relationships" xmlns:p="http://schemas.openxmlformats.org/presentationml/2006/main">
-  <p:cSld>
-    <p:spTree>
-      <p:nvGrpSpPr>
-        <p:cNvPr id="1" name=""/>
-        <p:cNvGrpSpPr/>
-        <p:nvPr/>
-      </p:nvGrpSpPr>
-      <p:grpSpPr>
-        <a:xfrm>
-          <a:off x="0" y="0"/>
-          <a:ext cx="0" cy="0"/>
-          <a:chOff x="0" y="0"/>
-          <a:chExt cx="0" cy="0"/>
-        </a:xfrm>
-      </p:grpSpPr>
-      <p:sp>
-        <p:nvSpPr>
-          <p:cNvPr id="2" name="标题 1">
-            <a:extLst>
-              <a:ext uri="{FF2B5EF4-FFF2-40B4-BE49-F238E27FC236}">
-                <a16:creationId xmlns:a16="http://schemas.microsoft.com/office/drawing/2014/main" id="{4173234F-7AB8-46D6-95D1-0BA7974176C1}"/>
-              </a:ext>
-            </a:extLst>
-          </p:cNvPr>
-          <p:cNvSpPr>
-            <a:spLocks noGrp="1"/>
-          </p:cNvSpPr>
-          <p:nvPr>
-            <p:ph type="title"/>
-          </p:nvPr>
-        </p:nvSpPr>
-        <p:spPr>
-          <a:xfrm>
-            <a:off x="838200" y="587067"/>
-            <a:ext cx="10515600" cy="1325563"/>
-          </a:xfrm>
-        </p:spPr>
-        <p:txBody>
-          <a:bodyPr>
-            <a:normAutofit/>
-          </a:bodyPr>
-          <a:lstStyle/>
-          <a:p>
-            <a:r>
-              <a:rPr lang="en-US" altLang="zh-CN" dirty="0"/>
-              <a:t>Topography</a:t>
-            </a:r>
-            <a:br>
-              <a:rPr lang="en-US" altLang="zh-CN" dirty="0"/>
-            </a:br>
-            <a:endParaRPr lang="zh-CN" altLang="en-US" dirty="0"/>
-          </a:p>
-        </p:txBody>
-      </p:sp>
-      <p:sp>
-        <p:nvSpPr>
-          <p:cNvPr id="3" name="内容占位符 2">
-            <a:extLst>
-              <a:ext uri="{FF2B5EF4-FFF2-40B4-BE49-F238E27FC236}">
-                <a16:creationId xmlns:a16="http://schemas.microsoft.com/office/drawing/2014/main" id="{BF784C3D-6D53-471B-86BD-F27CA430CDEC}"/>
-              </a:ext>
-            </a:extLst>
-          </p:cNvPr>
-          <p:cNvSpPr>
-            <a:spLocks noGrp="1"/>
-          </p:cNvSpPr>
-          <p:nvPr>
-            <p:ph idx="1"/>
-          </p:nvPr>
-        </p:nvSpPr>
-        <p:spPr>
-          <a:xfrm>
-            <a:off x="776056" y="1594806"/>
-            <a:ext cx="10515600" cy="4351338"/>
-          </a:xfrm>
-        </p:spPr>
-        <p:txBody>
-          <a:bodyPr>
-            <a:normAutofit/>
-          </a:bodyPr>
-          <a:lstStyle/>
-          <a:p>
-            <a:pPr marL="0" indent="0">
-              <a:buNone/>
-            </a:pPr>
-            <a:r>
-              <a:rPr lang="en-US" altLang="zh-CN" sz="2400" dirty="0"/>
-              <a:t>Topography at different scales and heights affects turbulence differently, and it is related to the dimensionless quantity </a:t>
-            </a:r>
-            <a:r>
-              <a:rPr lang="zh-CN" altLang="en-US" sz="2400" dirty="0"/>
-              <a:t>𝐾</a:t>
-            </a:r>
-            <a:r>
-              <a:rPr lang="en-US" altLang="zh-CN" sz="2400" dirty="0"/>
-              <a:t>. We examine its influence on cross-scale energy transfer.</a:t>
-            </a:r>
-          </a:p>
-        </p:txBody>
-      </p:sp>
-      <p:pic>
-        <p:nvPicPr>
-          <p:cNvPr id="6" name="图片 5">
-            <a:extLst>
-              <a:ext uri="{FF2B5EF4-FFF2-40B4-BE49-F238E27FC236}">
-                <a16:creationId xmlns:a16="http://schemas.microsoft.com/office/drawing/2014/main" id="{35AA5607-451A-49C1-9E4A-8B3DA81BCBE1}"/>
-              </a:ext>
-            </a:extLst>
-          </p:cNvPr>
-          <p:cNvPicPr>
-            <a:picLocks noChangeAspect="1"/>
-          </p:cNvPicPr>
-          <p:nvPr/>
-        </p:nvPicPr>
-        <p:blipFill>
-          <a:blip r:embed="rId2"/>
-          <a:stretch>
-            <a:fillRect/>
-          </a:stretch>
-        </p:blipFill>
-        <p:spPr>
-          <a:xfrm>
-            <a:off x="515704" y="3019184"/>
-            <a:ext cx="5117592" cy="3343189"/>
-          </a:xfrm>
-          <a:prstGeom prst="rect">
-            <a:avLst/>
-          </a:prstGeom>
-        </p:spPr>
-      </p:pic>
-      <p:sp>
-        <p:nvSpPr>
-          <p:cNvPr id="7" name="矩形 6">
-            <a:extLst>
-              <a:ext uri="{FF2B5EF4-FFF2-40B4-BE49-F238E27FC236}">
-                <a16:creationId xmlns:a16="http://schemas.microsoft.com/office/drawing/2014/main" id="{8A779409-6426-40F5-A330-D9B7CD30F403}"/>
-              </a:ext>
-            </a:extLst>
-          </p:cNvPr>
-          <p:cNvSpPr/>
-          <p:nvPr/>
-        </p:nvSpPr>
-        <p:spPr>
-          <a:xfrm>
-            <a:off x="1152144" y="4242816"/>
-            <a:ext cx="621792" cy="1298448"/>
-          </a:xfrm>
-          <a:prstGeom prst="rect">
-            <a:avLst/>
-          </a:prstGeom>
-          <a:noFill/>
-          <a:ln>
-            <a:solidFill>
-              <a:srgbClr val="FF0000"/>
-            </a:solidFill>
-          </a:ln>
-        </p:spPr>
-        <p:style>
-          <a:lnRef idx="2">
-            <a:schemeClr val="dk1"/>
-          </a:lnRef>
-          <a:fillRef idx="1">
-            <a:schemeClr val="lt1"/>
-          </a:fillRef>
-          <a:effectRef idx="0">
-            <a:schemeClr val="dk1"/>
-          </a:effectRef>
-          <a:fontRef idx="minor">
-            <a:schemeClr val="dk1"/>
-          </a:fontRef>
-        </p:style>
-        <p:txBody>
-          <a:bodyPr rtlCol="0" anchor="ctr"/>
-          <a:lstStyle/>
-          <a:p>
-            <a:pPr algn="ctr"/>
-            <a:endParaRPr lang="zh-CN" altLang="en-US"/>
-          </a:p>
-        </p:txBody>
-      </p:sp>
-      <p:cxnSp>
-        <p:nvCxnSpPr>
-          <p:cNvPr id="19" name="连接符: 肘形 18">
-            <a:extLst>
-              <a:ext uri="{FF2B5EF4-FFF2-40B4-BE49-F238E27FC236}">
-                <a16:creationId xmlns:a16="http://schemas.microsoft.com/office/drawing/2014/main" id="{F95CE3DB-B080-4C7F-9633-4ABC88E69297}"/>
-              </a:ext>
-            </a:extLst>
-          </p:cNvPr>
-          <p:cNvCxnSpPr/>
-          <p:nvPr/>
-        </p:nvCxnSpPr>
-        <p:spPr>
-          <a:xfrm>
-            <a:off x="1463040" y="5541264"/>
-            <a:ext cx="914400" cy="914400"/>
-          </a:xfrm>
-          <a:prstGeom prst="bentConnector3">
-            <a:avLst>
-              <a:gd name="adj1" fmla="val -2000"/>
-            </a:avLst>
-          </a:prstGeom>
-        </p:spPr>
-        <p:style>
-          <a:lnRef idx="1">
-            <a:schemeClr val="accent1"/>
-          </a:lnRef>
-          <a:fillRef idx="0">
-            <a:schemeClr val="accent1"/>
-          </a:fillRef>
-          <a:effectRef idx="0">
-            <a:schemeClr val="accent1"/>
-          </a:effectRef>
-          <a:fontRef idx="minor">
-            <a:schemeClr val="tx1"/>
-          </a:fontRef>
-        </p:style>
-      </p:cxnSp>
-      <p:cxnSp>
-        <p:nvCxnSpPr>
-          <p:cNvPr id="22" name="连接符: 肘形 21">
-            <a:extLst>
-              <a:ext uri="{FF2B5EF4-FFF2-40B4-BE49-F238E27FC236}">
-                <a16:creationId xmlns:a16="http://schemas.microsoft.com/office/drawing/2014/main" id="{9528C6B8-E9C0-43AB-992A-E0691FB0F896}"/>
-              </a:ext>
-            </a:extLst>
-          </p:cNvPr>
-          <p:cNvCxnSpPr>
-            <a:cxnSpLocks/>
-          </p:cNvCxnSpPr>
-          <p:nvPr/>
-        </p:nvCxnSpPr>
-        <p:spPr>
-          <a:xfrm flipV="1">
-            <a:off x="2377440" y="5139275"/>
-            <a:ext cx="6190488" cy="1316389"/>
-          </a:xfrm>
-          <a:prstGeom prst="bentConnector3">
-            <a:avLst>
-              <a:gd name="adj1" fmla="val 100074"/>
-            </a:avLst>
-          </a:prstGeom>
-          <a:ln>
-            <a:tailEnd type="triangle"/>
-          </a:ln>
-        </p:spPr>
-        <p:style>
-          <a:lnRef idx="1">
-            <a:schemeClr val="accent1"/>
-          </a:lnRef>
-          <a:fillRef idx="0">
-            <a:schemeClr val="accent1"/>
-          </a:fillRef>
-          <a:effectRef idx="0">
-            <a:schemeClr val="accent1"/>
-          </a:effectRef>
-          <a:fontRef idx="minor">
-            <a:schemeClr val="tx1"/>
-          </a:fontRef>
-        </p:style>
-      </p:cxnSp>
-      <p:sp>
-        <p:nvSpPr>
-          <p:cNvPr id="30" name="文本框 29">
-            <a:extLst>
-              <a:ext uri="{FF2B5EF4-FFF2-40B4-BE49-F238E27FC236}">
-                <a16:creationId xmlns:a16="http://schemas.microsoft.com/office/drawing/2014/main" id="{DE1C1FA0-44CF-42FE-BA88-3741D8D8BD46}"/>
-              </a:ext>
-            </a:extLst>
-          </p:cNvPr>
-          <p:cNvSpPr txBox="1"/>
-          <p:nvPr/>
-        </p:nvSpPr>
-        <p:spPr>
-          <a:xfrm>
-            <a:off x="5893648" y="3840480"/>
-            <a:ext cx="6126480" cy="1200329"/>
-          </a:xfrm>
-          <a:prstGeom prst="rect">
-            <a:avLst/>
-          </a:prstGeom>
-          <a:noFill/>
-        </p:spPr>
-        <p:txBody>
-          <a:bodyPr wrap="square" rtlCol="0">
-            <a:spAutoFit/>
-          </a:bodyPr>
-          <a:lstStyle/>
-          <a:p>
-            <a:r>
-              <a:rPr lang="en-US" altLang="zh-CN" dirty="0"/>
-              <a:t>When </a:t>
-            </a:r>
-            <a:r>
-              <a:rPr lang="zh-CN" altLang="en-US" dirty="0"/>
-              <a:t>𝐾</a:t>
-            </a:r>
-            <a:r>
-              <a:rPr lang="en-US" altLang="zh-CN" dirty="0"/>
-              <a:t> is sufficiently large, a peculiar phenomenon occurs: the topography influences small scales but affects the cross-scale energy transfer to larger scales, allowing energy to be transferred to even larger scales before being dissipated.</a:t>
-            </a:r>
-            <a:endParaRPr lang="zh-CN" altLang="en-US" dirty="0"/>
-          </a:p>
-        </p:txBody>
-      </p:sp>
-    </p:spTree>
-    <p:extLst>
-      <p:ext uri="{BB962C8B-B14F-4D97-AF65-F5344CB8AC3E}">
-        <p14:creationId xmlns:p14="http://schemas.microsoft.com/office/powerpoint/2010/main" val="1905393280"/>
+        <p14:creationId xmlns:p14="http://schemas.microsoft.com/office/powerpoint/2010/main" val="3878576196"/>
       </p:ext>
     </p:extLst>
   </p:cSld>
@@ -5523,7 +5278,7 @@
           <p:cNvPr id="2" name="标题 1">
             <a:extLst>
               <a:ext uri="{FF2B5EF4-FFF2-40B4-BE49-F238E27FC236}">
-                <a16:creationId xmlns:a16="http://schemas.microsoft.com/office/drawing/2014/main" id="{4173234F-7AB8-46D6-95D1-0BA7974176C1}"/>
+                <a16:creationId xmlns:a16="http://schemas.microsoft.com/office/drawing/2014/main" id="{8EDF7EEF-616B-4FAB-A913-5F1A2C55DCCD}"/>
               </a:ext>
             </a:extLst>
           </p:cNvPr>
@@ -5536,90 +5291,38 @@
         </p:nvSpPr>
         <p:spPr>
           <a:xfrm>
-            <a:off x="838200" y="587067"/>
+            <a:off x="426720" y="36576"/>
             <a:ext cx="10515600" cy="1325563"/>
           </a:xfrm>
         </p:spPr>
         <p:txBody>
-          <a:bodyPr>
-            <a:normAutofit/>
-          </a:bodyPr>
+          <a:bodyPr/>
           <a:lstStyle/>
           <a:p>
             <a:r>
               <a:rPr lang="en-US" altLang="zh-CN" dirty="0"/>
-              <a:t>My research</a:t>
-            </a:r>
-            <a:br>
-              <a:rPr lang="en-US" altLang="zh-CN" dirty="0"/>
-            </a:br>
+              <a:t>Numerical simulation</a:t>
+            </a:r>
             <a:endParaRPr lang="zh-CN" altLang="en-US" dirty="0"/>
           </a:p>
         </p:txBody>
       </p:sp>
       <p:sp>
         <p:nvSpPr>
-          <p:cNvPr id="3" name="内容占位符 2">
-            <a:extLst>
-              <a:ext uri="{FF2B5EF4-FFF2-40B4-BE49-F238E27FC236}">
-                <a16:creationId xmlns:a16="http://schemas.microsoft.com/office/drawing/2014/main" id="{BF784C3D-6D53-471B-86BD-F27CA430CDEC}"/>
-              </a:ext>
-            </a:extLst>
-          </p:cNvPr>
-          <p:cNvSpPr>
-            <a:spLocks noGrp="1"/>
-          </p:cNvSpPr>
-          <p:nvPr>
-            <p:ph idx="1"/>
-          </p:nvPr>
+          <p:cNvPr id="4" name="文本框 3">
+            <a:extLst>
+              <a:ext uri="{FF2B5EF4-FFF2-40B4-BE49-F238E27FC236}">
+                <a16:creationId xmlns:a16="http://schemas.microsoft.com/office/drawing/2014/main" id="{E46A8C15-A8C1-4A1E-9AE0-178F9CEE92BB}"/>
+              </a:ext>
+            </a:extLst>
+          </p:cNvPr>
+          <p:cNvSpPr txBox="1"/>
+          <p:nvPr/>
         </p:nvSpPr>
         <p:spPr>
           <a:xfrm>
-            <a:off x="776056" y="1594806"/>
-            <a:ext cx="10515600" cy="4351338"/>
-          </a:xfrm>
-        </p:spPr>
-        <p:txBody>
-          <a:bodyPr>
-            <a:normAutofit/>
-          </a:bodyPr>
-          <a:lstStyle/>
-          <a:p>
-            <a:pPr marL="0" indent="0">
-              <a:buNone/>
-            </a:pPr>
-            <a:r>
-              <a:rPr lang="en-US" altLang="zh-CN" sz="2400" dirty="0"/>
-              <a:t>Currently, the research group has studied cases where the scale of the topography is smaller than the scale of the forces. Based on this, I will investigate cases where the scale of the topography is larger than the scale of the forces, observing whether it affects cross-scale energy transfer across both small and large scales, and further exploring the changes in physical characteristics such as the energy spectrum.</a:t>
-            </a:r>
-          </a:p>
-          <a:p>
-            <a:pPr marL="0" indent="0">
-              <a:buNone/>
-            </a:pPr>
-            <a:r>
-              <a:rPr lang="en-US" altLang="zh-CN" sz="2400" dirty="0"/>
-              <a:t>Due to my recent studies in environmental fluid mechanics and turbulence, my main work is being carried out this semester. I have already completed some numerical simulations, and I still need to summarize the results and conduct further analysis.</a:t>
-            </a:r>
-          </a:p>
-        </p:txBody>
-      </p:sp>
-      <p:sp>
-        <p:nvSpPr>
-          <p:cNvPr id="4" name="文本框 3">
-            <a:extLst>
-              <a:ext uri="{FF2B5EF4-FFF2-40B4-BE49-F238E27FC236}">
-                <a16:creationId xmlns:a16="http://schemas.microsoft.com/office/drawing/2014/main" id="{848BA783-8E4A-4C9F-8542-4A2092780B24}"/>
-              </a:ext>
-            </a:extLst>
-          </p:cNvPr>
-          <p:cNvSpPr txBox="1"/>
-          <p:nvPr/>
-        </p:nvSpPr>
-        <p:spPr>
-          <a:xfrm>
-            <a:off x="838200" y="4339909"/>
-            <a:ext cx="9699594" cy="369332"/>
+            <a:off x="426720" y="1362139"/>
+            <a:ext cx="10395251" cy="1144031"/>
           </a:xfrm>
           <a:prstGeom prst="rect">
             <a:avLst/>
@@ -5632,44 +5335,270 @@
           </a:bodyPr>
           <a:lstStyle/>
           <a:p>
-            <a:pPr marL="0" marR="0" lvl="0" indent="0" algn="l" defTabSz="914400" rtl="0" eaLnBrk="1" fontAlgn="auto" latinLnBrk="0" hangingPunct="1">
+            <a:pPr>
               <a:lnSpc>
-                <a:spcPct val="100000"/>
+                <a:spcPct val="150000"/>
               </a:lnSpc>
-              <a:spcBef>
-                <a:spcPts val="0"/>
-              </a:spcBef>
-              <a:spcAft>
-                <a:spcPts val="0"/>
-              </a:spcAft>
-              <a:buClrTx/>
-              <a:buSzTx/>
-              <a:buFontTx/>
-              <a:buNone/>
-              <a:tabLst/>
-              <a:defRPr/>
             </a:pPr>
-            <a:endParaRPr kumimoji="0" lang="zh-CN" altLang="en-US" sz="1800" b="0" i="0" u="none" strike="noStrike" kern="1200" cap="none" spc="0" normalizeH="0" baseline="0" noProof="0" dirty="0">
-              <a:ln>
-                <a:noFill/>
-              </a:ln>
-              <a:solidFill>
-                <a:prstClr val="black"/>
-              </a:solidFill>
-              <a:effectLst/>
-              <a:uLnTx/>
-              <a:uFillTx/>
-              <a:latin typeface="等线" panose="020F0502020204030204"/>
-              <a:ea typeface="等线" panose="02010600030101010101" pitchFamily="2" charset="-122"/>
-              <a:cs typeface="+mn-cs"/>
-            </a:endParaRPr>
-          </a:p>
-        </p:txBody>
-      </p:sp>
+            <a:r>
+              <a:rPr lang="en-US" altLang="zh-CN" sz="2400" dirty="0"/>
+              <a:t>We applied a Fourier transform to the governing equations for numerical simulation and calculated the resulting energy flux:</a:t>
+            </a:r>
+          </a:p>
+        </p:txBody>
+      </p:sp>
+      <p:pic>
+        <p:nvPicPr>
+          <p:cNvPr id="8" name="图片 7">
+            <a:extLst>
+              <a:ext uri="{FF2B5EF4-FFF2-40B4-BE49-F238E27FC236}">
+                <a16:creationId xmlns:a16="http://schemas.microsoft.com/office/drawing/2014/main" id="{8ABDC70B-03D0-4A98-B7D9-584D569DCBAE}"/>
+              </a:ext>
+            </a:extLst>
+          </p:cNvPr>
+          <p:cNvPicPr>
+            <a:picLocks noChangeAspect="1"/>
+          </p:cNvPicPr>
+          <p:nvPr/>
+        </p:nvPicPr>
+        <p:blipFill>
+          <a:blip r:embed="rId2"/>
+          <a:stretch>
+            <a:fillRect/>
+          </a:stretch>
+        </p:blipFill>
+        <p:spPr>
+          <a:xfrm>
+            <a:off x="7315199" y="1936208"/>
+            <a:ext cx="3485185" cy="751493"/>
+          </a:xfrm>
+          <a:prstGeom prst="rect">
+            <a:avLst/>
+          </a:prstGeom>
+        </p:spPr>
+      </p:pic>
+      <p:pic>
+        <p:nvPicPr>
+          <p:cNvPr id="10" name="图片 9">
+            <a:extLst>
+              <a:ext uri="{FF2B5EF4-FFF2-40B4-BE49-F238E27FC236}">
+                <a16:creationId xmlns:a16="http://schemas.microsoft.com/office/drawing/2014/main" id="{95F3B9BB-97DB-47D7-B5BF-93292634C80C}"/>
+              </a:ext>
+            </a:extLst>
+          </p:cNvPr>
+          <p:cNvPicPr>
+            <a:picLocks noChangeAspect="1"/>
+          </p:cNvPicPr>
+          <p:nvPr/>
+        </p:nvPicPr>
+        <p:blipFill>
+          <a:blip r:embed="rId3"/>
+          <a:stretch>
+            <a:fillRect/>
+          </a:stretch>
+        </p:blipFill>
+        <p:spPr>
+          <a:xfrm>
+            <a:off x="426720" y="2593433"/>
+            <a:ext cx="5915025" cy="3867150"/>
+          </a:xfrm>
+          <a:prstGeom prst="rect">
+            <a:avLst/>
+          </a:prstGeom>
+        </p:spPr>
+      </p:pic>
+      <mc:AlternateContent xmlns:mc="http://schemas.openxmlformats.org/markup-compatibility/2006" xmlns:a14="http://schemas.microsoft.com/office/drawing/2010/main">
+        <mc:Choice Requires="a14">
+          <p:sp>
+            <p:nvSpPr>
+              <p:cNvPr id="11" name="文本框 10">
+                <a:extLst>
+                  <a:ext uri="{FF2B5EF4-FFF2-40B4-BE49-F238E27FC236}">
+                    <a16:creationId xmlns:a16="http://schemas.microsoft.com/office/drawing/2014/main" id="{917288CB-AC3B-458C-AD01-80C1C8E14180}"/>
+                  </a:ext>
+                </a:extLst>
+              </p:cNvPr>
+              <p:cNvSpPr txBox="1"/>
+              <p:nvPr/>
+            </p:nvSpPr>
+            <p:spPr>
+              <a:xfrm>
+                <a:off x="6620962" y="4017540"/>
+                <a:ext cx="4873658" cy="668581"/>
+              </a:xfrm>
+              <a:prstGeom prst="rect">
+                <a:avLst/>
+              </a:prstGeom>
+              <a:noFill/>
+            </p:spPr>
+            <p:txBody>
+              <a:bodyPr wrap="square" rtlCol="0">
+                <a:spAutoFit/>
+              </a:bodyPr>
+              <a:lstStyle/>
+              <a:p>
+                <a:r>
+                  <a:rPr lang="en-US" altLang="zh-CN" dirty="0"/>
+                  <a:t>Energy fluxes with </a:t>
+                </a:r>
+                <a14:m>
+                  <m:oMath xmlns:m="http://schemas.openxmlformats.org/officeDocument/2006/math">
+                    <m:sSub>
+                      <m:sSubPr>
+                        <m:ctrlPr>
+                          <a:rPr lang="en-US" altLang="zh-CN" i="1" smtClean="0">
+                            <a:latin typeface="Cambria Math" panose="02040503050406030204" pitchFamily="18" charset="0"/>
+                          </a:rPr>
+                        </m:ctrlPr>
+                      </m:sSubPr>
+                      <m:e>
+                        <m:r>
+                          <a:rPr lang="en-US" altLang="zh-CN" b="0" i="1" smtClean="0">
+                            <a:latin typeface="Cambria Math" panose="02040503050406030204" pitchFamily="18" charset="0"/>
+                          </a:rPr>
+                          <m:t>𝑘</m:t>
+                        </m:r>
+                      </m:e>
+                      <m:sub>
+                        <m:r>
+                          <a:rPr lang="en-US" altLang="zh-CN" b="0" i="1" smtClean="0">
+                            <a:latin typeface="Cambria Math" panose="02040503050406030204" pitchFamily="18" charset="0"/>
+                          </a:rPr>
+                          <m:t>h</m:t>
+                        </m:r>
+                      </m:sub>
+                    </m:sSub>
+                    <m:r>
+                      <a:rPr lang="en-US" altLang="zh-CN" b="0" i="1" smtClean="0">
+                        <a:latin typeface="Cambria Math" panose="02040503050406030204" pitchFamily="18" charset="0"/>
+                      </a:rPr>
+                      <m:t>=64</m:t>
+                    </m:r>
+                    <m:r>
+                      <a:rPr lang="en-US" altLang="zh-CN" b="0" i="0" smtClean="0">
+                        <a:latin typeface="Cambria Math" panose="02040503050406030204" pitchFamily="18" charset="0"/>
+                      </a:rPr>
+                      <m:t>,</m:t>
+                    </m:r>
+                    <m:sSub>
+                      <m:sSubPr>
+                        <m:ctrlPr>
+                          <a:rPr lang="en-US" altLang="zh-CN" i="1" smtClean="0">
+                            <a:latin typeface="Cambria Math" panose="02040503050406030204" pitchFamily="18" charset="0"/>
+                          </a:rPr>
+                        </m:ctrlPr>
+                      </m:sSubPr>
+                      <m:e>
+                        <m:r>
+                          <a:rPr lang="en-US" altLang="zh-CN" b="0" i="1" smtClean="0">
+                            <a:latin typeface="Cambria Math" panose="02040503050406030204" pitchFamily="18" charset="0"/>
+                          </a:rPr>
+                          <m:t>𝑘</m:t>
+                        </m:r>
+                      </m:e>
+                      <m:sub>
+                        <m:r>
+                          <a:rPr lang="en-US" altLang="zh-CN" b="0" i="1" smtClean="0">
+                            <a:latin typeface="Cambria Math" panose="02040503050406030204" pitchFamily="18" charset="0"/>
+                          </a:rPr>
+                          <m:t>𝑓</m:t>
+                        </m:r>
+                      </m:sub>
+                    </m:sSub>
+                    <m:r>
+                      <a:rPr lang="en-US" altLang="zh-CN" b="0" i="1" smtClean="0">
+                        <a:latin typeface="Cambria Math" panose="02040503050406030204" pitchFamily="18" charset="0"/>
+                      </a:rPr>
+                      <m:t>=24</m:t>
+                    </m:r>
+                    <m:r>
+                      <a:rPr lang="en-US" altLang="zh-CN" b="0" i="0" smtClean="0">
+                        <a:latin typeface="Cambria Math" panose="02040503050406030204" pitchFamily="18" charset="0"/>
+                      </a:rPr>
+                      <m:t>,</m:t>
+                    </m:r>
+                    <m:r>
+                      <a:rPr lang="zh-CN" altLang="en-US" i="1" dirty="0" smtClean="0">
+                        <a:latin typeface="Cambria Math" panose="02040503050406030204" pitchFamily="18" charset="0"/>
+                      </a:rPr>
+                      <m:t>𝜀</m:t>
+                    </m:r>
+                    <m:r>
+                      <a:rPr lang="en-US" altLang="zh-CN" b="0" i="1" dirty="0" smtClean="0">
+                        <a:latin typeface="Cambria Math" panose="02040503050406030204" pitchFamily="18" charset="0"/>
+                      </a:rPr>
+                      <m:t>=0.0081</m:t>
+                    </m:r>
+                  </m:oMath>
+                </a14:m>
+                <a:r>
+                  <a:rPr lang="en-US" altLang="zh-CN" dirty="0"/>
+                  <a:t>, and varying </a:t>
+                </a:r>
+                <a14:m>
+                  <m:oMath xmlns:m="http://schemas.openxmlformats.org/officeDocument/2006/math">
+                    <m:r>
+                      <a:rPr lang="en-US" altLang="zh-CN" i="1" dirty="0" smtClean="0">
+                        <a:latin typeface="Cambria Math" panose="02040503050406030204" pitchFamily="18" charset="0"/>
+                      </a:rPr>
+                      <m:t>𝐻</m:t>
+                    </m:r>
+                  </m:oMath>
+                </a14:m>
+                <a:endParaRPr lang="zh-CN" altLang="en-US" dirty="0"/>
+              </a:p>
+            </p:txBody>
+          </p:sp>
+        </mc:Choice>
+        <mc:Fallback xmlns="">
+          <p:sp>
+            <p:nvSpPr>
+              <p:cNvPr id="11" name="文本框 10">
+                <a:extLst>
+                  <a:ext uri="{FF2B5EF4-FFF2-40B4-BE49-F238E27FC236}">
+                    <a16:creationId xmlns:a16="http://schemas.microsoft.com/office/drawing/2014/main" id="{917288CB-AC3B-458C-AD01-80C1C8E14180}"/>
+                  </a:ext>
+                </a:extLst>
+              </p:cNvPr>
+              <p:cNvSpPr txBox="1">
+                <a:spLocks noRot="1" noChangeAspect="1" noMove="1" noResize="1" noEditPoints="1" noAdjustHandles="1" noChangeArrowheads="1" noChangeShapeType="1" noTextEdit="1"/>
+              </p:cNvSpPr>
+              <p:nvPr/>
+            </p:nvSpPr>
+            <p:spPr>
+              <a:xfrm>
+                <a:off x="6620962" y="4017540"/>
+                <a:ext cx="4873658" cy="668581"/>
+              </a:xfrm>
+              <a:prstGeom prst="rect">
+                <a:avLst/>
+              </a:prstGeom>
+              <a:blipFill>
+                <a:blip r:embed="rId4"/>
+                <a:stretch>
+                  <a:fillRect l="-1000" t="-3636" r="-3375" b="-13636"/>
+                </a:stretch>
+              </a:blipFill>
+            </p:spPr>
+            <p:txBody>
+              <a:bodyPr/>
+              <a:lstStyle/>
+              <a:p>
+                <a:r>
+                  <a:rPr lang="zh-CN" altLang="en-US">
+                    <a:noFill/>
+                  </a:rPr>
+                  <a:t> </a:t>
+                </a:r>
+              </a:p>
+            </p:txBody>
+          </p:sp>
+        </mc:Fallback>
+      </mc:AlternateContent>
     </p:spTree>
     <p:extLst>
       <p:ext uri="{BB962C8B-B14F-4D97-AF65-F5344CB8AC3E}">
-        <p14:creationId xmlns:p14="http://schemas.microsoft.com/office/powerpoint/2010/main" val="2104278182"/>
+        <p14:creationId xmlns:p14="http://schemas.microsoft.com/office/powerpoint/2010/main" val="1155581856"/>
       </p:ext>
     </p:extLst>
   </p:cSld>
@@ -5701,7 +5630,7 @@
           <p:cNvPr id="2" name="标题 1">
             <a:extLst>
               <a:ext uri="{FF2B5EF4-FFF2-40B4-BE49-F238E27FC236}">
-                <a16:creationId xmlns:a16="http://schemas.microsoft.com/office/drawing/2014/main" id="{B4613D68-8389-431E-A768-95049280A996}"/>
+                <a16:creationId xmlns:a16="http://schemas.microsoft.com/office/drawing/2014/main" id="{8EDF7EEF-616B-4FAB-A913-5F1A2C55DCCD}"/>
               </a:ext>
             </a:extLst>
           </p:cNvPr>
@@ -5714,7 +5643,7 @@
         </p:nvSpPr>
         <p:spPr>
           <a:xfrm>
-            <a:off x="225641" y="0"/>
+            <a:off x="426720" y="36576"/>
             <a:ext cx="10515600" cy="1325563"/>
           </a:xfrm>
         </p:spPr>
@@ -5723,132 +5652,376 @@
           <a:lstStyle/>
           <a:p>
             <a:r>
-              <a:rPr lang="en-US" altLang="zh-CN" b="1" dirty="0"/>
-              <a:t>Reference</a:t>
-            </a:r>
-            <a:endParaRPr lang="zh-CN" altLang="en-US" b="1" dirty="0"/>
-          </a:p>
-        </p:txBody>
-      </p:sp>
-      <p:sp>
-        <p:nvSpPr>
-          <p:cNvPr id="3" name="内容占位符 2">
-            <a:extLst>
-              <a:ext uri="{FF2B5EF4-FFF2-40B4-BE49-F238E27FC236}">
-                <a16:creationId xmlns:a16="http://schemas.microsoft.com/office/drawing/2014/main" id="{FAD679AD-BA97-44A2-9B12-E1868F36629C}"/>
-              </a:ext>
-            </a:extLst>
-          </p:cNvPr>
-          <p:cNvSpPr>
-            <a:spLocks noGrp="1"/>
-          </p:cNvSpPr>
-          <p:nvPr>
-            <p:ph idx="1"/>
-          </p:nvPr>
-        </p:nvSpPr>
+              <a:rPr lang="en-US" altLang="zh-CN" dirty="0"/>
+              <a:t>Numerical simulation</a:t>
+            </a:r>
+            <a:endParaRPr lang="zh-CN" altLang="en-US" dirty="0"/>
+          </a:p>
+        </p:txBody>
+      </p:sp>
+      <p:pic>
+        <p:nvPicPr>
+          <p:cNvPr id="10" name="图片 9">
+            <a:extLst>
+              <a:ext uri="{FF2B5EF4-FFF2-40B4-BE49-F238E27FC236}">
+                <a16:creationId xmlns:a16="http://schemas.microsoft.com/office/drawing/2014/main" id="{95F3B9BB-97DB-47D7-B5BF-93292634C80C}"/>
+              </a:ext>
+            </a:extLst>
+          </p:cNvPr>
+          <p:cNvPicPr>
+            <a:picLocks noChangeAspect="1"/>
+          </p:cNvPicPr>
+          <p:nvPr/>
+        </p:nvPicPr>
+        <p:blipFill>
+          <a:blip r:embed="rId2"/>
+          <a:stretch>
+            <a:fillRect/>
+          </a:stretch>
+        </p:blipFill>
         <p:spPr>
           <a:xfrm>
-            <a:off x="225640" y="1253331"/>
-            <a:ext cx="11865746" cy="5156348"/>
+            <a:off x="357248" y="1787099"/>
+            <a:ext cx="5809166" cy="3797941"/>
           </a:xfrm>
+          <a:prstGeom prst="rect">
+            <a:avLst/>
+          </a:prstGeom>
         </p:spPr>
-        <p:txBody>
-          <a:bodyPr>
-            <a:normAutofit/>
+      </p:pic>
+      <p:sp>
+        <p:nvSpPr>
+          <p:cNvPr id="12" name="矩形 11">
+            <a:extLst>
+              <a:ext uri="{FF2B5EF4-FFF2-40B4-BE49-F238E27FC236}">
+                <a16:creationId xmlns:a16="http://schemas.microsoft.com/office/drawing/2014/main" id="{03953BDA-E31A-4DED-92A5-DD5D0CC6C27F}"/>
+              </a:ext>
+            </a:extLst>
+          </p:cNvPr>
+          <p:cNvSpPr/>
+          <p:nvPr/>
+        </p:nvSpPr>
+        <p:spPr>
+          <a:xfrm>
+            <a:off x="1246412" y="3554096"/>
+            <a:ext cx="1562775" cy="1366698"/>
+          </a:xfrm>
+          <a:prstGeom prst="rect">
+            <a:avLst/>
+          </a:prstGeom>
+          <a:noFill/>
+          <a:ln>
+            <a:solidFill>
+              <a:schemeClr val="accent6">
+                <a:lumMod val="75000"/>
+              </a:schemeClr>
+            </a:solidFill>
+          </a:ln>
+        </p:spPr>
+        <p:style>
+          <a:lnRef idx="2">
+            <a:schemeClr val="dk1"/>
+          </a:lnRef>
+          <a:fillRef idx="1">
+            <a:schemeClr val="lt1"/>
+          </a:fillRef>
+          <a:effectRef idx="0">
+            <a:schemeClr val="dk1"/>
+          </a:effectRef>
+          <a:fontRef idx="minor">
+            <a:schemeClr val="dk1"/>
+          </a:fontRef>
+        </p:style>
+        <p:txBody>
+          <a:bodyPr rtlCol="0" anchor="ctr"/>
+          <a:lstStyle/>
+          <a:p>
+            <a:pPr algn="ctr"/>
+            <a:endParaRPr lang="zh-CN" altLang="en-US"/>
+          </a:p>
+        </p:txBody>
+      </p:sp>
+      <p:sp>
+        <p:nvSpPr>
+          <p:cNvPr id="13" name="矩形 12">
+            <a:extLst>
+              <a:ext uri="{FF2B5EF4-FFF2-40B4-BE49-F238E27FC236}">
+                <a16:creationId xmlns:a16="http://schemas.microsoft.com/office/drawing/2014/main" id="{24750251-5161-45D7-A81B-FD0072A2ECC1}"/>
+              </a:ext>
+            </a:extLst>
+          </p:cNvPr>
+          <p:cNvSpPr/>
+          <p:nvPr/>
+        </p:nvSpPr>
+        <p:spPr>
+          <a:xfrm>
+            <a:off x="4121745" y="2192016"/>
+            <a:ext cx="1562775" cy="1366698"/>
+          </a:xfrm>
+          <a:prstGeom prst="rect">
+            <a:avLst/>
+          </a:prstGeom>
+          <a:noFill/>
+          <a:ln>
+            <a:solidFill>
+              <a:srgbClr val="FF0000"/>
+            </a:solidFill>
+          </a:ln>
+        </p:spPr>
+        <p:style>
+          <a:lnRef idx="2">
+            <a:schemeClr val="dk1"/>
+          </a:lnRef>
+          <a:fillRef idx="1">
+            <a:schemeClr val="lt1"/>
+          </a:fillRef>
+          <a:effectRef idx="0">
+            <a:schemeClr val="dk1"/>
+          </a:effectRef>
+          <a:fontRef idx="minor">
+            <a:schemeClr val="dk1"/>
+          </a:fontRef>
+        </p:style>
+        <p:txBody>
+          <a:bodyPr rtlCol="0" anchor="ctr"/>
+          <a:lstStyle/>
+          <a:p>
+            <a:pPr algn="ctr"/>
+            <a:endParaRPr lang="zh-CN" altLang="en-US"/>
+          </a:p>
+        </p:txBody>
+      </p:sp>
+      <p:cxnSp>
+        <p:nvCxnSpPr>
+          <p:cNvPr id="14" name="直接箭头连接符 13">
+            <a:extLst>
+              <a:ext uri="{FF2B5EF4-FFF2-40B4-BE49-F238E27FC236}">
+                <a16:creationId xmlns:a16="http://schemas.microsoft.com/office/drawing/2014/main" id="{C4FB1B57-2B8D-4568-992D-A2709A2F0A5D}"/>
+              </a:ext>
+            </a:extLst>
+          </p:cNvPr>
+          <p:cNvCxnSpPr/>
+          <p:nvPr/>
+        </p:nvCxnSpPr>
+        <p:spPr>
+          <a:xfrm>
+            <a:off x="5684520" y="2865748"/>
+            <a:ext cx="1640107" cy="0"/>
+          </a:xfrm>
+          <a:prstGeom prst="straightConnector1">
+            <a:avLst/>
+          </a:prstGeom>
+          <a:ln>
+            <a:tailEnd type="triangle"/>
+          </a:ln>
+        </p:spPr>
+        <p:style>
+          <a:lnRef idx="1">
+            <a:schemeClr val="accent1"/>
+          </a:lnRef>
+          <a:fillRef idx="0">
+            <a:schemeClr val="accent1"/>
+          </a:fillRef>
+          <a:effectRef idx="0">
+            <a:schemeClr val="accent1"/>
+          </a:effectRef>
+          <a:fontRef idx="minor">
+            <a:schemeClr val="tx1"/>
+          </a:fontRef>
+        </p:style>
+      </p:cxnSp>
+      <p:cxnSp>
+        <p:nvCxnSpPr>
+          <p:cNvPr id="16" name="直接箭头连接符 15">
+            <a:extLst>
+              <a:ext uri="{FF2B5EF4-FFF2-40B4-BE49-F238E27FC236}">
+                <a16:creationId xmlns:a16="http://schemas.microsoft.com/office/drawing/2014/main" id="{4338240D-95D9-4EBD-B208-2FB27898801B}"/>
+              </a:ext>
+            </a:extLst>
+          </p:cNvPr>
+          <p:cNvCxnSpPr/>
+          <p:nvPr/>
+        </p:nvCxnSpPr>
+        <p:spPr>
+          <a:xfrm>
+            <a:off x="2809187" y="4289196"/>
+            <a:ext cx="4515440" cy="0"/>
+          </a:xfrm>
+          <a:prstGeom prst="straightConnector1">
+            <a:avLst/>
+          </a:prstGeom>
+          <a:ln>
+            <a:tailEnd type="triangle"/>
+          </a:ln>
+        </p:spPr>
+        <p:style>
+          <a:lnRef idx="1">
+            <a:schemeClr val="accent1"/>
+          </a:lnRef>
+          <a:fillRef idx="0">
+            <a:schemeClr val="accent1"/>
+          </a:fillRef>
+          <a:effectRef idx="0">
+            <a:schemeClr val="accent1"/>
+          </a:effectRef>
+          <a:fontRef idx="minor">
+            <a:schemeClr val="tx1"/>
+          </a:fontRef>
+        </p:style>
+      </p:cxnSp>
+      <p:sp>
+        <p:nvSpPr>
+          <p:cNvPr id="17" name="矩形 16">
+            <a:extLst>
+              <a:ext uri="{FF2B5EF4-FFF2-40B4-BE49-F238E27FC236}">
+                <a16:creationId xmlns:a16="http://schemas.microsoft.com/office/drawing/2014/main" id="{38586407-5D75-416D-9BC6-DF75E2ADFFB4}"/>
+              </a:ext>
+            </a:extLst>
+          </p:cNvPr>
+          <p:cNvSpPr/>
+          <p:nvPr/>
+        </p:nvSpPr>
+        <p:spPr>
+          <a:xfrm>
+            <a:off x="7324627" y="2405742"/>
+            <a:ext cx="4590852" cy="920011"/>
+          </a:xfrm>
+          <a:prstGeom prst="rect">
+            <a:avLst/>
+          </a:prstGeom>
+          <a:solidFill>
+            <a:schemeClr val="bg2"/>
+          </a:solidFill>
+        </p:spPr>
+        <p:style>
+          <a:lnRef idx="2">
+            <a:schemeClr val="accent1">
+              <a:shade val="50000"/>
+            </a:schemeClr>
+          </a:lnRef>
+          <a:fillRef idx="1">
+            <a:schemeClr val="accent1"/>
+          </a:fillRef>
+          <a:effectRef idx="0">
+            <a:schemeClr val="accent1"/>
+          </a:effectRef>
+          <a:fontRef idx="minor">
+            <a:schemeClr val="lt1"/>
+          </a:fontRef>
+        </p:style>
+        <p:txBody>
+          <a:bodyPr rtlCol="0" anchor="ctr"/>
+          <a:lstStyle/>
+          <a:p>
+            <a:pPr algn="ctr"/>
+            <a:r>
+              <a:rPr lang="en-US" altLang="zh-CN" dirty="0">
+                <a:solidFill>
+                  <a:schemeClr val="tx1"/>
+                </a:solidFill>
+              </a:rPr>
+              <a:t>Topography enhances energy transfer to smaller scales.</a:t>
+            </a:r>
+            <a:endParaRPr lang="zh-CN" altLang="en-US" dirty="0">
+              <a:solidFill>
+                <a:schemeClr val="tx1"/>
+              </a:solidFill>
+            </a:endParaRPr>
+          </a:p>
+        </p:txBody>
+      </p:sp>
+      <p:sp>
+        <p:nvSpPr>
+          <p:cNvPr id="18" name="矩形 17">
+            <a:extLst>
+              <a:ext uri="{FF2B5EF4-FFF2-40B4-BE49-F238E27FC236}">
+                <a16:creationId xmlns:a16="http://schemas.microsoft.com/office/drawing/2014/main" id="{19CBD9C3-85EC-443D-B147-863AFF3260AF}"/>
+              </a:ext>
+            </a:extLst>
+          </p:cNvPr>
+          <p:cNvSpPr/>
+          <p:nvPr/>
+        </p:nvSpPr>
+        <p:spPr>
+          <a:xfrm>
+            <a:off x="7324627" y="3465401"/>
+            <a:ext cx="4590853" cy="1544087"/>
+          </a:xfrm>
+          <a:prstGeom prst="rect">
+            <a:avLst/>
+          </a:prstGeom>
+          <a:solidFill>
+            <a:schemeClr val="bg2"/>
+          </a:solidFill>
+        </p:spPr>
+        <p:style>
+          <a:lnRef idx="2">
+            <a:schemeClr val="accent1">
+              <a:shade val="50000"/>
+            </a:schemeClr>
+          </a:lnRef>
+          <a:fillRef idx="1">
+            <a:schemeClr val="accent1"/>
+          </a:fillRef>
+          <a:effectRef idx="0">
+            <a:schemeClr val="accent1"/>
+          </a:effectRef>
+          <a:fontRef idx="minor">
+            <a:schemeClr val="lt1"/>
+          </a:fontRef>
+        </p:style>
+        <p:txBody>
+          <a:bodyPr rtlCol="0" anchor="ctr"/>
+          <a:lstStyle/>
+          <a:p>
+            <a:pPr algn="ctr"/>
+            <a:r>
+              <a:rPr lang="en-US" altLang="zh-CN" dirty="0">
+                <a:solidFill>
+                  <a:schemeClr val="tx1"/>
+                </a:solidFill>
+              </a:rPr>
+              <a:t>When ℎ exceeds a certain threshold, on scales much larger than the topography, the topography can facilitate energy transfer to even larger scales before dissipation.</a:t>
+            </a:r>
+            <a:endParaRPr lang="zh-CN" altLang="en-US" dirty="0">
+              <a:solidFill>
+                <a:schemeClr val="tx1"/>
+              </a:solidFill>
+            </a:endParaRPr>
+          </a:p>
+        </p:txBody>
+      </p:sp>
+      <p:sp>
+        <p:nvSpPr>
+          <p:cNvPr id="19" name="文本框 18">
+            <a:extLst>
+              <a:ext uri="{FF2B5EF4-FFF2-40B4-BE49-F238E27FC236}">
+                <a16:creationId xmlns:a16="http://schemas.microsoft.com/office/drawing/2014/main" id="{9081AC92-D996-47C0-A4A2-0AD3A556E074}"/>
+              </a:ext>
+            </a:extLst>
+          </p:cNvPr>
+          <p:cNvSpPr txBox="1"/>
+          <p:nvPr/>
+        </p:nvSpPr>
+        <p:spPr>
+          <a:xfrm>
+            <a:off x="515332" y="6130856"/>
+            <a:ext cx="11161336" cy="369332"/>
+          </a:xfrm>
+          <a:prstGeom prst="rect">
+            <a:avLst/>
+          </a:prstGeom>
+          <a:noFill/>
+        </p:spPr>
+        <p:txBody>
+          <a:bodyPr wrap="square" rtlCol="0">
+            <a:spAutoFit/>
           </a:bodyPr>
           <a:lstStyle/>
           <a:p>
-            <a:pPr marL="0" indent="0">
-              <a:buNone/>
-            </a:pPr>
-            <a:r>
-              <a:rPr lang="en-US" altLang="zh-CN" dirty="0"/>
-              <a:t>[1] </a:t>
-            </a:r>
-            <a:r>
-              <a:rPr lang="pt-BR" altLang="zh-CN" dirty="0"/>
-              <a:t>Erik </a:t>
-            </a:r>
-            <a:r>
-              <a:rPr lang="en-US" altLang="zh-CN" dirty="0"/>
-              <a:t>Lindborg, Can the atmospheric kinetic energy spectrum be explained by two-dimensional turbulence, </a:t>
-            </a:r>
-            <a:r>
-              <a:rPr lang="nl-NL" altLang="zh-CN" dirty="0"/>
-              <a:t>J. Fluid Mech. (1999), vol. 388, pp. 259–288.</a:t>
-            </a:r>
-            <a:endParaRPr lang="en-US" altLang="zh-CN" dirty="0"/>
-          </a:p>
-          <a:p>
-            <a:pPr marL="0" indent="0">
-              <a:buNone/>
-            </a:pPr>
-            <a:r>
-              <a:rPr lang="en-US" altLang="zh-CN" dirty="0"/>
-              <a:t>[2] </a:t>
-            </a:r>
-            <a:r>
-              <a:rPr lang="sv-SE" altLang="zh-CN" dirty="0"/>
-              <a:t>Jin-Han Xie and Oliver Bühler,</a:t>
-            </a:r>
-            <a:r>
-              <a:rPr lang="en-US" altLang="zh-CN" dirty="0"/>
-              <a:t> Exact third-order structure functions for two-dimensional turbulence,</a:t>
-            </a:r>
-            <a:r>
-              <a:rPr lang="nl-NL" altLang="zh-CN" dirty="0"/>
-              <a:t> J. Fluid Mech. (2018), vol. 851, pp. 672–686.</a:t>
-            </a:r>
-            <a:endParaRPr lang="en-US" altLang="zh-CN" dirty="0"/>
-          </a:p>
-          <a:p>
-            <a:pPr marL="0" indent="0">
-              <a:buNone/>
-            </a:pPr>
-            <a:r>
-              <a:rPr lang="en-US" altLang="zh-CN" dirty="0"/>
-              <a:t>[3] Lin-Fan Zhang and </a:t>
-            </a:r>
-            <a:r>
-              <a:rPr lang="en-US" altLang="zh-CN" dirty="0" err="1"/>
-              <a:t>Jin</a:t>
-            </a:r>
-            <a:r>
-              <a:rPr lang="en-US" altLang="zh-CN" dirty="0"/>
-              <a:t>-Han </a:t>
-            </a:r>
-            <a:r>
-              <a:rPr lang="en-US" altLang="zh-CN" dirty="0" err="1"/>
-              <a:t>Xie</a:t>
-            </a:r>
-            <a:r>
-              <a:rPr lang="en-US" altLang="zh-CN" dirty="0"/>
-              <a:t>, Spectral condensation and bidirectional energy transfer in quasi-geostrophic turbulence above small-scale topography, Phys. Fluids 36, 086601 (2024)</a:t>
-            </a:r>
-          </a:p>
-          <a:p>
-            <a:pPr marL="0" indent="0">
-              <a:buNone/>
-            </a:pPr>
-            <a:r>
-              <a:rPr lang="en-US" altLang="zh-CN" dirty="0"/>
-              <a:t>[4] Lennard Miller, Bruno </a:t>
-            </a:r>
-            <a:r>
-              <a:rPr lang="en-US" altLang="zh-CN" dirty="0" err="1"/>
-              <a:t>Deremble</a:t>
-            </a:r>
-            <a:r>
-              <a:rPr lang="en-US" altLang="zh-CN" dirty="0"/>
-              <a:t>, and Antoine </a:t>
-            </a:r>
-            <a:r>
-              <a:rPr lang="en-US" altLang="zh-CN" dirty="0" err="1"/>
-              <a:t>Venaille</a:t>
-            </a:r>
-            <a:r>
-              <a:rPr lang="en-US" altLang="zh-CN" dirty="0"/>
-              <a:t>, Gyre Turbulence: Anomalous Dissipation in a Two-Dimensional Ocean Model</a:t>
+            <a:r>
+              <a:rPr lang="en-US" altLang="zh-CN"/>
+              <a:t>When the scale of the topography is relatively small, it can, in certain cases, unexpectedly influence larger scales.</a:t>
             </a:r>
             <a:endParaRPr lang="zh-CN" altLang="en-US" dirty="0"/>
           </a:p>
@@ -5857,7 +6030,394 @@
     </p:spTree>
     <p:extLst>
       <p:ext uri="{BB962C8B-B14F-4D97-AF65-F5344CB8AC3E}">
-        <p14:creationId xmlns:p14="http://schemas.microsoft.com/office/powerpoint/2010/main" val="883056796"/>
+        <p14:creationId xmlns:p14="http://schemas.microsoft.com/office/powerpoint/2010/main" val="1814549196"/>
+      </p:ext>
+    </p:extLst>
+  </p:cSld>
+  <p:clrMapOvr>
+    <a:masterClrMapping/>
+  </p:clrMapOvr>
+</p:sld>
+</file>
+
+<file path=ppt/slides/slide8.xml><?xml version="1.0" encoding="utf-8"?>
+<p:sld xmlns:a="http://schemas.openxmlformats.org/drawingml/2006/main" xmlns:r="http://schemas.openxmlformats.org/officeDocument/2006/relationships" xmlns:p="http://schemas.openxmlformats.org/presentationml/2006/main">
+  <p:cSld>
+    <p:spTree>
+      <p:nvGrpSpPr>
+        <p:cNvPr id="1" name=""/>
+        <p:cNvGrpSpPr/>
+        <p:nvPr/>
+      </p:nvGrpSpPr>
+      <p:grpSpPr>
+        <a:xfrm>
+          <a:off x="0" y="0"/>
+          <a:ext cx="0" cy="0"/>
+          <a:chOff x="0" y="0"/>
+          <a:chExt cx="0" cy="0"/>
+        </a:xfrm>
+      </p:grpSpPr>
+      <p:sp>
+        <p:nvSpPr>
+          <p:cNvPr id="2" name="标题 1">
+            <a:extLst>
+              <a:ext uri="{FF2B5EF4-FFF2-40B4-BE49-F238E27FC236}">
+                <a16:creationId xmlns:a16="http://schemas.microsoft.com/office/drawing/2014/main" id="{8EDF7EEF-616B-4FAB-A913-5F1A2C55DCCD}"/>
+              </a:ext>
+            </a:extLst>
+          </p:cNvPr>
+          <p:cNvSpPr>
+            <a:spLocks noGrp="1"/>
+          </p:cNvSpPr>
+          <p:nvPr>
+            <p:ph type="title"/>
+          </p:nvPr>
+        </p:nvSpPr>
+        <p:spPr>
+          <a:xfrm>
+            <a:off x="426720" y="36576"/>
+            <a:ext cx="10515600" cy="1325563"/>
+          </a:xfrm>
+        </p:spPr>
+        <p:txBody>
+          <a:bodyPr/>
+          <a:lstStyle/>
+          <a:p>
+            <a:r>
+              <a:rPr lang="en-US" altLang="zh-CN" dirty="0"/>
+              <a:t>Summary and discussion</a:t>
+            </a:r>
+            <a:endParaRPr lang="zh-CN" altLang="en-US" dirty="0"/>
+          </a:p>
+        </p:txBody>
+      </p:sp>
+      <p:sp>
+        <p:nvSpPr>
+          <p:cNvPr id="3" name="内容占位符 2">
+            <a:extLst>
+              <a:ext uri="{FF2B5EF4-FFF2-40B4-BE49-F238E27FC236}">
+                <a16:creationId xmlns:a16="http://schemas.microsoft.com/office/drawing/2014/main" id="{F626AF55-FAC0-49E6-9A5A-D291A7E4C796}"/>
+              </a:ext>
+            </a:extLst>
+          </p:cNvPr>
+          <p:cNvSpPr>
+            <a:spLocks noGrp="1"/>
+          </p:cNvSpPr>
+          <p:nvPr>
+            <p:ph idx="1"/>
+          </p:nvPr>
+        </p:nvSpPr>
+        <p:spPr>
+          <a:xfrm>
+            <a:off x="842772" y="1593787"/>
+            <a:ext cx="10678668" cy="4038917"/>
+          </a:xfrm>
+        </p:spPr>
+        <p:txBody>
+          <a:bodyPr>
+            <a:noAutofit/>
+          </a:bodyPr>
+          <a:lstStyle/>
+          <a:p>
+            <a:pPr marL="0" indent="0">
+              <a:lnSpc>
+                <a:spcPct val="150000"/>
+              </a:lnSpc>
+              <a:buNone/>
+            </a:pPr>
+            <a:r>
+              <a:rPr lang="en-US" altLang="zh-CN" dirty="0"/>
+              <a:t>In summary, we discover a novel phenomenon where small-scale topography enhances energy condensation in quasi-geostrophic turbulence. Current ocean parameterizations are inadequate for capturing the topography-enhanced energy flux presented in this paper. Therefore, our findings bring about challenges in ocean modeling. </a:t>
+            </a:r>
+            <a:endParaRPr lang="zh-CN" altLang="en-US" dirty="0"/>
+          </a:p>
+        </p:txBody>
+      </p:sp>
+    </p:spTree>
+    <p:extLst>
+      <p:ext uri="{BB962C8B-B14F-4D97-AF65-F5344CB8AC3E}">
+        <p14:creationId xmlns:p14="http://schemas.microsoft.com/office/powerpoint/2010/main" val="3652228482"/>
+      </p:ext>
+    </p:extLst>
+  </p:cSld>
+  <p:clrMapOvr>
+    <a:masterClrMapping/>
+  </p:clrMapOvr>
+</p:sld>
+</file>
+
+<file path=ppt/slides/slide9.xml><?xml version="1.0" encoding="utf-8"?>
+<p:sld xmlns:a="http://schemas.openxmlformats.org/drawingml/2006/main" xmlns:r="http://schemas.openxmlformats.org/officeDocument/2006/relationships" xmlns:p="http://schemas.openxmlformats.org/presentationml/2006/main">
+  <p:cSld>
+    <p:spTree>
+      <p:nvGrpSpPr>
+        <p:cNvPr id="1" name=""/>
+        <p:cNvGrpSpPr/>
+        <p:nvPr/>
+      </p:nvGrpSpPr>
+      <p:grpSpPr>
+        <a:xfrm>
+          <a:off x="0" y="0"/>
+          <a:ext cx="0" cy="0"/>
+          <a:chOff x="0" y="0"/>
+          <a:chExt cx="0" cy="0"/>
+        </a:xfrm>
+      </p:grpSpPr>
+      <p:sp>
+        <p:nvSpPr>
+          <p:cNvPr id="2" name="标题 1">
+            <a:extLst>
+              <a:ext uri="{FF2B5EF4-FFF2-40B4-BE49-F238E27FC236}">
+                <a16:creationId xmlns:a16="http://schemas.microsoft.com/office/drawing/2014/main" id="{8EDF7EEF-616B-4FAB-A913-5F1A2C55DCCD}"/>
+              </a:ext>
+            </a:extLst>
+          </p:cNvPr>
+          <p:cNvSpPr>
+            <a:spLocks noGrp="1"/>
+          </p:cNvSpPr>
+          <p:nvPr>
+            <p:ph type="title"/>
+          </p:nvPr>
+        </p:nvSpPr>
+        <p:spPr>
+          <a:xfrm>
+            <a:off x="426720" y="36576"/>
+            <a:ext cx="10515600" cy="1325563"/>
+          </a:xfrm>
+        </p:spPr>
+        <p:txBody>
+          <a:bodyPr/>
+          <a:lstStyle/>
+          <a:p>
+            <a:r>
+              <a:rPr lang="en-US" altLang="zh-CN" dirty="0"/>
+              <a:t>Other work</a:t>
+            </a:r>
+            <a:endParaRPr lang="zh-CN" altLang="en-US" dirty="0"/>
+          </a:p>
+        </p:txBody>
+      </p:sp>
+      <mc:AlternateContent xmlns:mc="http://schemas.openxmlformats.org/markup-compatibility/2006" xmlns:a14="http://schemas.microsoft.com/office/drawing/2010/main">
+        <mc:Choice Requires="a14">
+          <p:sp>
+            <p:nvSpPr>
+              <p:cNvPr id="3" name="内容占位符 2">
+                <a:extLst>
+                  <a:ext uri="{FF2B5EF4-FFF2-40B4-BE49-F238E27FC236}">
+                    <a16:creationId xmlns:a16="http://schemas.microsoft.com/office/drawing/2014/main" id="{F626AF55-FAC0-49E6-9A5A-D291A7E4C796}"/>
+                  </a:ext>
+                </a:extLst>
+              </p:cNvPr>
+              <p:cNvSpPr>
+                <a:spLocks noGrp="1"/>
+              </p:cNvSpPr>
+              <p:nvPr>
+                <p:ph idx="1"/>
+              </p:nvPr>
+            </p:nvSpPr>
+            <p:spPr>
+              <a:xfrm>
+                <a:off x="426720" y="1362139"/>
+                <a:ext cx="10824548" cy="4038917"/>
+              </a:xfrm>
+            </p:spPr>
+            <p:txBody>
+              <a:bodyPr>
+                <a:noAutofit/>
+              </a:bodyPr>
+              <a:lstStyle/>
+              <a:p>
+                <a:pPr marL="0" indent="0">
+                  <a:lnSpc>
+                    <a:spcPct val="150000"/>
+                  </a:lnSpc>
+                  <a:buNone/>
+                </a:pPr>
+                <a:r>
+                  <a:rPr lang="en-US" altLang="zh-CN" sz="2000" dirty="0"/>
+                  <a:t>The previous discussion explored the impact of small-scale topography on two-dimensional turbulence. Other work includes examining the effects of large-scale topography with embedded small-scale structures. When </a:t>
+                </a:r>
+                <a14:m>
+                  <m:oMath xmlns:m="http://schemas.openxmlformats.org/officeDocument/2006/math">
+                    <m:r>
+                      <a:rPr lang="en-US" altLang="zh-CN" sz="2000" b="0" i="1" smtClean="0">
+                        <a:latin typeface="Cambria Math" panose="02040503050406030204" pitchFamily="18" charset="0"/>
+                      </a:rPr>
+                      <m:t>h</m:t>
+                    </m:r>
+                  </m:oMath>
+                </a14:m>
+                <a:r>
+                  <a:rPr lang="en-US" altLang="zh-CN" sz="2000" dirty="0"/>
+                  <a:t> is large, it is expected that large-scale structures containing similar small-scale features to the topography will form.</a:t>
+                </a:r>
+                <a:endParaRPr lang="zh-CN" altLang="en-US" sz="2000" dirty="0"/>
+              </a:p>
+            </p:txBody>
+          </p:sp>
+        </mc:Choice>
+        <mc:Fallback xmlns="">
+          <p:sp>
+            <p:nvSpPr>
+              <p:cNvPr id="3" name="内容占位符 2">
+                <a:extLst>
+                  <a:ext uri="{FF2B5EF4-FFF2-40B4-BE49-F238E27FC236}">
+                    <a16:creationId xmlns:a16="http://schemas.microsoft.com/office/drawing/2014/main" id="{F626AF55-FAC0-49E6-9A5A-D291A7E4C796}"/>
+                  </a:ext>
+                </a:extLst>
+              </p:cNvPr>
+              <p:cNvSpPr>
+                <a:spLocks noGrp="1" noRot="1" noChangeAspect="1" noMove="1" noResize="1" noEditPoints="1" noAdjustHandles="1" noChangeArrowheads="1" noChangeShapeType="1" noTextEdit="1"/>
+              </p:cNvSpPr>
+              <p:nvPr>
+                <p:ph idx="1"/>
+              </p:nvPr>
+            </p:nvSpPr>
+            <p:spPr>
+              <a:xfrm>
+                <a:off x="426720" y="1362139"/>
+                <a:ext cx="10824548" cy="4038917"/>
+              </a:xfrm>
+              <a:blipFill>
+                <a:blip r:embed="rId2"/>
+                <a:stretch>
+                  <a:fillRect l="-563" r="-1070"/>
+                </a:stretch>
+              </a:blipFill>
+            </p:spPr>
+            <p:txBody>
+              <a:bodyPr/>
+              <a:lstStyle/>
+              <a:p>
+                <a:r>
+                  <a:rPr lang="zh-CN" altLang="en-US">
+                    <a:noFill/>
+                  </a:rPr>
+                  <a:t> </a:t>
+                </a:r>
+              </a:p>
+            </p:txBody>
+          </p:sp>
+        </mc:Fallback>
+      </mc:AlternateContent>
+      <p:pic>
+        <p:nvPicPr>
+          <p:cNvPr id="7" name="图片 6">
+            <a:extLst>
+              <a:ext uri="{FF2B5EF4-FFF2-40B4-BE49-F238E27FC236}">
+                <a16:creationId xmlns:a16="http://schemas.microsoft.com/office/drawing/2014/main" id="{F9A31D42-5416-43FE-9615-50B663E624D6}"/>
+              </a:ext>
+            </a:extLst>
+          </p:cNvPr>
+          <p:cNvPicPr>
+            <a:picLocks noChangeAspect="1"/>
+          </p:cNvPicPr>
+          <p:nvPr/>
+        </p:nvPicPr>
+        <p:blipFill>
+          <a:blip r:embed="rId3"/>
+          <a:stretch>
+            <a:fillRect/>
+          </a:stretch>
+        </p:blipFill>
+        <p:spPr>
+          <a:xfrm>
+            <a:off x="619487" y="3400774"/>
+            <a:ext cx="4443492" cy="3325845"/>
+          </a:xfrm>
+          <a:prstGeom prst="rect">
+            <a:avLst/>
+          </a:prstGeom>
+        </p:spPr>
+      </p:pic>
+      <p:sp>
+        <p:nvSpPr>
+          <p:cNvPr id="8" name="文本框 7">
+            <a:extLst>
+              <a:ext uri="{FF2B5EF4-FFF2-40B4-BE49-F238E27FC236}">
+                <a16:creationId xmlns:a16="http://schemas.microsoft.com/office/drawing/2014/main" id="{33930E44-4BBF-48BB-AC2A-7D1B7A97137C}"/>
+              </a:ext>
+            </a:extLst>
+          </p:cNvPr>
+          <p:cNvSpPr txBox="1"/>
+          <p:nvPr/>
+        </p:nvSpPr>
+        <p:spPr>
+          <a:xfrm>
+            <a:off x="5421092" y="3996966"/>
+            <a:ext cx="5830176" cy="1754326"/>
+          </a:xfrm>
+          <a:prstGeom prst="rect">
+            <a:avLst/>
+          </a:prstGeom>
+          <a:noFill/>
+        </p:spPr>
+        <p:txBody>
+          <a:bodyPr wrap="square" rtlCol="0">
+            <a:spAutoFit/>
+          </a:bodyPr>
+          <a:lstStyle/>
+          <a:p>
+            <a:r>
+              <a:rPr lang="en-US" altLang="zh-CN" dirty="0"/>
+              <a:t>In this case, the topography height is </a:t>
+            </a:r>
+            <a:r>
+              <a:rPr lang="zh-CN" altLang="en-US" dirty="0"/>
+              <a:t>𝐻</a:t>
+            </a:r>
+            <a:r>
+              <a:rPr lang="en-US" altLang="zh-CN" dirty="0"/>
+              <a:t>, the spacing between topographic features is </a:t>
+            </a:r>
+            <a:r>
+              <a:rPr lang="zh-CN" altLang="en-US" dirty="0"/>
+              <a:t>𝐿</a:t>
+            </a:r>
+            <a:r>
+              <a:rPr lang="en-US" altLang="zh-CN" dirty="0"/>
+              <a:t> (representing large-scale information), and the topography width is </a:t>
+            </a:r>
+            <a:r>
+              <a:rPr lang="zh-CN" altLang="en-US" dirty="0"/>
+              <a:t>𝑙</a:t>
+            </a:r>
+            <a:r>
+              <a:rPr lang="en-US" altLang="zh-CN" dirty="0"/>
+              <a:t> (representing small-scale information). Previous experience suggests that the resulting vorticity structure is related to the ratio of </a:t>
+            </a:r>
+            <a:r>
+              <a:rPr lang="zh-CN" altLang="en-US" dirty="0"/>
+              <a:t>𝐻</a:t>
+            </a:r>
+            <a:r>
+              <a:rPr lang="en-US" altLang="zh-CN" dirty="0"/>
+              <a:t>/</a:t>
+            </a:r>
+            <a:r>
+              <a:rPr lang="zh-CN" altLang="en-US" dirty="0"/>
+              <a:t>𝑙</a:t>
+            </a:r>
+            <a:r>
+              <a:rPr lang="en-US" altLang="zh-CN" dirty="0"/>
+              <a:t> and </a:t>
+            </a:r>
+            <a:r>
+              <a:rPr lang="zh-CN" altLang="en-US" dirty="0"/>
+              <a:t>𝐿</a:t>
+            </a:r>
+            <a:r>
+              <a:rPr lang="en-US" altLang="zh-CN" dirty="0"/>
+              <a:t>.</a:t>
+            </a:r>
+            <a:endParaRPr lang="zh-CN" altLang="en-US" dirty="0"/>
+          </a:p>
+        </p:txBody>
+      </p:sp>
+    </p:spTree>
+    <p:extLst>
+      <p:ext uri="{BB962C8B-B14F-4D97-AF65-F5344CB8AC3E}">
+        <p14:creationId xmlns:p14="http://schemas.microsoft.com/office/powerpoint/2010/main" val="2029761778"/>
       </p:ext>
     </p:extLst>
   </p:cSld>
@@ -6160,299 +6720,4 @@
     </a:ext>
   </a:extLst>
 </a:theme>
-</file>
-
-<file path=ppt/theme/theme2.xml><?xml version="1.0" encoding="utf-8"?>
-<a:theme xmlns:a="http://schemas.openxmlformats.org/drawingml/2006/main" name="Office 主题​​">
-  <a:themeElements>
-    <a:clrScheme name="Office">
-      <a:dk1>
-        <a:sysClr val="windowText" lastClr="000000"/>
-      </a:dk1>
-      <a:lt1>
-        <a:sysClr val="window" lastClr="FFFFFF"/>
-      </a:lt1>
-      <a:dk2>
-        <a:srgbClr val="44546A"/>
-      </a:dk2>
-      <a:lt2>
-        <a:srgbClr val="E7E6E6"/>
-      </a:lt2>
-      <a:accent1>
-        <a:srgbClr val="4472C4"/>
-      </a:accent1>
-      <a:accent2>
-        <a:srgbClr val="ED7D31"/>
-      </a:accent2>
-      <a:accent3>
-        <a:srgbClr val="A5A5A5"/>
-      </a:accent3>
-      <a:accent4>
-        <a:srgbClr val="FFC000"/>
-      </a:accent4>
-      <a:accent5>
-        <a:srgbClr val="5B9BD5"/>
-      </a:accent5>
-      <a:accent6>
-        <a:srgbClr val="70AD47"/>
-      </a:accent6>
-      <a:hlink>
-        <a:srgbClr val="0563C1"/>
-      </a:hlink>
-      <a:folHlink>
-        <a:srgbClr val="954F72"/>
-      </a:folHlink>
-    </a:clrScheme>
-    <a:fontScheme name="Office">
-      <a:majorFont>
-        <a:latin typeface="等线 Light" panose="020F0302020204030204"/>
-        <a:ea typeface=""/>
-        <a:cs typeface=""/>
-        <a:font script="Jpan" typeface="游ゴシック Light"/>
-        <a:font script="Hang" typeface="맑은 고딕"/>
-        <a:font script="Hans" typeface="等线 Light"/>
-        <a:font script="Hant" typeface="新細明體"/>
-        <a:font script="Arab" typeface="Times New Roman"/>
-        <a:font script="Hebr" typeface="Times New Roman"/>
-        <a:font script="Thai" typeface="Angsana New"/>
-        <a:font script="Ethi" typeface="Nyala"/>
-        <a:font script="Beng" typeface="Vrinda"/>
-        <a:font script="Gujr" typeface="Shruti"/>
-        <a:font script="Khmr" typeface="MoolBoran"/>
-        <a:font script="Knda" typeface="Tunga"/>
-        <a:font script="Guru" typeface="Raavi"/>
-        <a:font script="Cans" typeface="Euphemia"/>
-        <a:font script="Cher" typeface="Plantagenet Cherokee"/>
-        <a:font script="Yiii" typeface="Microsoft Yi Baiti"/>
-        <a:font script="Tibt" typeface="Microsoft Himalaya"/>
-        <a:font script="Thaa" typeface="MV Boli"/>
-        <a:font script="Deva" typeface="Mangal"/>
-        <a:font script="Telu" typeface="Gautami"/>
-        <a:font script="Taml" typeface="Latha"/>
-        <a:font script="Syrc" typeface="Estrangelo Edessa"/>
-        <a:font script="Orya" typeface="Kalinga"/>
-        <a:font script="Mlym" typeface="Kartika"/>
-        <a:font script="Laoo" typeface="DokChampa"/>
-        <a:font script="Sinh" typeface="Iskoola Pota"/>
-        <a:font script="Mong" typeface="Mongolian Baiti"/>
-        <a:font script="Viet" typeface="Times New Roman"/>
-        <a:font script="Uigh" typeface="Microsoft Uighur"/>
-        <a:font script="Geor" typeface="Sylfaen"/>
-        <a:font script="Armn" typeface="Arial"/>
-        <a:font script="Bugi" typeface="Leelawadee UI"/>
-        <a:font script="Bopo" typeface="Microsoft JhengHei"/>
-        <a:font script="Java" typeface="Javanese Text"/>
-        <a:font script="Lisu" typeface="Segoe UI"/>
-        <a:font script="Mymr" typeface="Myanmar Text"/>
-        <a:font script="Nkoo" typeface="Ebrima"/>
-        <a:font script="Olck" typeface="Nirmala UI"/>
-        <a:font script="Osma" typeface="Ebrima"/>
-        <a:font script="Phag" typeface="Phagspa"/>
-        <a:font script="Syrn" typeface="Estrangelo Edessa"/>
-        <a:font script="Syrj" typeface="Estrangelo Edessa"/>
-        <a:font script="Syre" typeface="Estrangelo Edessa"/>
-        <a:font script="Sora" typeface="Nirmala UI"/>
-        <a:font script="Tale" typeface="Microsoft Tai Le"/>
-        <a:font script="Talu" typeface="Microsoft New Tai Lue"/>
-        <a:font script="Tfng" typeface="Ebrima"/>
-      </a:majorFont>
-      <a:minorFont>
-        <a:latin typeface="等线" panose="020F0502020204030204"/>
-        <a:ea typeface=""/>
-        <a:cs typeface=""/>
-        <a:font script="Jpan" typeface="游ゴシック"/>
-        <a:font script="Hang" typeface="맑은 고딕"/>
-        <a:font script="Hans" typeface="等线"/>
-        <a:font script="Hant" typeface="新細明體"/>
-        <a:font script="Arab" typeface="Arial"/>
-        <a:font script="Hebr" typeface="Arial"/>
-        <a:font script="Thai" typeface="Cordia New"/>
-        <a:font script="Ethi" typeface="Nyala"/>
-        <a:font script="Beng" typeface="Vrinda"/>
-        <a:font script="Gujr" typeface="Shruti"/>
-        <a:font script="Khmr" typeface="DaunPenh"/>
-        <a:font script="Knda" typeface="Tunga"/>
-        <a:font script="Guru" typeface="Raavi"/>
-        <a:font script="Cans" typeface="Euphemia"/>
-        <a:font script="Cher" typeface="Plantagenet Cherokee"/>
-        <a:font script="Yiii" typeface="Microsoft Yi Baiti"/>
-        <a:font script="Tibt" typeface="Microsoft Himalaya"/>
-        <a:font script="Thaa" typeface="MV Boli"/>
-        <a:font script="Deva" typeface="Mangal"/>
-        <a:font script="Telu" typeface="Gautami"/>
-        <a:font script="Taml" typeface="Latha"/>
-        <a:font script="Syrc" typeface="Estrangelo Edessa"/>
-        <a:font script="Orya" typeface="Kalinga"/>
-        <a:font script="Mlym" typeface="Kartika"/>
-        <a:font script="Laoo" typeface="DokChampa"/>
-        <a:font script="Sinh" typeface="Iskoola Pota"/>
-        <a:font script="Mong" typeface="Mongolian Baiti"/>
-        <a:font script="Viet" typeface="Arial"/>
-        <a:font script="Uigh" typeface="Microsoft Uighur"/>
-        <a:font script="Geor" typeface="Sylfaen"/>
-        <a:font script="Armn" typeface="Arial"/>
-        <a:font script="Bugi" typeface="Leelawadee UI"/>
-        <a:font script="Bopo" typeface="Microsoft JhengHei"/>
-        <a:font script="Java" typeface="Javanese Text"/>
-        <a:font script="Lisu" typeface="Segoe UI"/>
-        <a:font script="Mymr" typeface="Myanmar Text"/>
-        <a:font script="Nkoo" typeface="Ebrima"/>
-        <a:font script="Olck" typeface="Nirmala UI"/>
-        <a:font script="Osma" typeface="Ebrima"/>
-        <a:font script="Phag" typeface="Phagspa"/>
-        <a:font script="Syrn" typeface="Estrangelo Edessa"/>
-        <a:font script="Syrj" typeface="Estrangelo Edessa"/>
-        <a:font script="Syre" typeface="Estrangelo Edessa"/>
-        <a:font script="Sora" typeface="Nirmala UI"/>
-        <a:font script="Tale" typeface="Microsoft Tai Le"/>
-        <a:font script="Talu" typeface="Microsoft New Tai Lue"/>
-        <a:font script="Tfng" typeface="Ebrima"/>
-      </a:minorFont>
-    </a:fontScheme>
-    <a:fmtScheme name="Office">
-      <a:fillStyleLst>
-        <a:solidFill>
-          <a:schemeClr val="phClr"/>
-        </a:solidFill>
-        <a:gradFill rotWithShape="1">
-          <a:gsLst>
-            <a:gs pos="0">
-              <a:schemeClr val="phClr">
-                <a:lumMod val="110000"/>
-                <a:satMod val="105000"/>
-                <a:tint val="67000"/>
-              </a:schemeClr>
-            </a:gs>
-            <a:gs pos="50000">
-              <a:schemeClr val="phClr">
-                <a:lumMod val="105000"/>
-                <a:satMod val="103000"/>
-                <a:tint val="73000"/>
-              </a:schemeClr>
-            </a:gs>
-            <a:gs pos="100000">
-              <a:schemeClr val="phClr">
-                <a:lumMod val="105000"/>
-                <a:satMod val="109000"/>
-                <a:tint val="81000"/>
-              </a:schemeClr>
-            </a:gs>
-          </a:gsLst>
-          <a:lin ang="5400000" scaled="0"/>
-        </a:gradFill>
-        <a:gradFill rotWithShape="1">
-          <a:gsLst>
-            <a:gs pos="0">
-              <a:schemeClr val="phClr">
-                <a:satMod val="103000"/>
-                <a:lumMod val="102000"/>
-                <a:tint val="94000"/>
-              </a:schemeClr>
-            </a:gs>
-            <a:gs pos="50000">
-              <a:schemeClr val="phClr">
-                <a:satMod val="110000"/>
-                <a:lumMod val="100000"/>
-                <a:shade val="100000"/>
-              </a:schemeClr>
-            </a:gs>
-            <a:gs pos="100000">
-              <a:schemeClr val="phClr">
-                <a:lumMod val="99000"/>
-                <a:satMod val="120000"/>
-                <a:shade val="78000"/>
-              </a:schemeClr>
-            </a:gs>
-          </a:gsLst>
-          <a:lin ang="5400000" scaled="0"/>
-        </a:gradFill>
-      </a:fillStyleLst>
-      <a:lnStyleLst>
-        <a:ln w="6350" cap="flat" cmpd="sng" algn="ctr">
-          <a:solidFill>
-            <a:schemeClr val="phClr"/>
-          </a:solidFill>
-          <a:prstDash val="solid"/>
-          <a:miter lim="800000"/>
-        </a:ln>
-        <a:ln w="12700" cap="flat" cmpd="sng" algn="ctr">
-          <a:solidFill>
-            <a:schemeClr val="phClr"/>
-          </a:solidFill>
-          <a:prstDash val="solid"/>
-          <a:miter lim="800000"/>
-        </a:ln>
-        <a:ln w="19050" cap="flat" cmpd="sng" algn="ctr">
-          <a:solidFill>
-            <a:schemeClr val="phClr"/>
-          </a:solidFill>
-          <a:prstDash val="solid"/>
-          <a:miter lim="800000"/>
-        </a:ln>
-      </a:lnStyleLst>
-      <a:effectStyleLst>
-        <a:effectStyle>
-          <a:effectLst/>
-        </a:effectStyle>
-        <a:effectStyle>
-          <a:effectLst/>
-        </a:effectStyle>
-        <a:effectStyle>
-          <a:effectLst>
-            <a:outerShdw blurRad="57150" dist="19050" dir="5400000" algn="ctr" rotWithShape="0">
-              <a:srgbClr val="000000">
-                <a:alpha val="63000"/>
-              </a:srgbClr>
-            </a:outerShdw>
-          </a:effectLst>
-        </a:effectStyle>
-      </a:effectStyleLst>
-      <a:bgFillStyleLst>
-        <a:solidFill>
-          <a:schemeClr val="phClr"/>
-        </a:solidFill>
-        <a:solidFill>
-          <a:schemeClr val="phClr">
-            <a:tint val="95000"/>
-            <a:satMod val="170000"/>
-          </a:schemeClr>
-        </a:solidFill>
-        <a:gradFill rotWithShape="1">
-          <a:gsLst>
-            <a:gs pos="0">
-              <a:schemeClr val="phClr">
-                <a:tint val="93000"/>
-                <a:satMod val="150000"/>
-                <a:shade val="98000"/>
-                <a:lumMod val="102000"/>
-              </a:schemeClr>
-            </a:gs>
-            <a:gs pos="50000">
-              <a:schemeClr val="phClr">
-                <a:tint val="98000"/>
-                <a:satMod val="130000"/>
-                <a:shade val="90000"/>
-                <a:lumMod val="103000"/>
-              </a:schemeClr>
-            </a:gs>
-            <a:gs pos="100000">
-              <a:schemeClr val="phClr">
-                <a:shade val="63000"/>
-                <a:satMod val="120000"/>
-              </a:schemeClr>
-            </a:gs>
-          </a:gsLst>
-          <a:lin ang="5400000" scaled="0"/>
-        </a:gradFill>
-      </a:bgFillStyleLst>
-    </a:fmtScheme>
-  </a:themeElements>
-  <a:objectDefaults/>
-  <a:extraClrSchemeLst/>
-  <a:extLst>
-    <a:ext uri="{05A4C25C-085E-4340-85A3-A5531E510DB2}">
-      <thm15:themeFamily xmlns:thm15="http://schemas.microsoft.com/office/thememl/2012/main" name="Office Theme" id="{62F939B6-93AF-4DB8-9C6B-D6C7DFDC589F}" vid="{4A3C46E8-61CC-4603-A589-7422A47A8E4A}"/>
-    </a:ext>
-  </a:extLst>
-</a:theme>
 </file>